--- a/Presentation.pptx
+++ b/Presentation.pptx
@@ -25,7 +25,6 @@
     <p:sldId id="269" r:id="rId18"/>
     <p:sldId id="270" r:id="rId19"/>
     <p:sldId id="271" r:id="rId20"/>
-    <p:sldId id="272" r:id="rId21"/>
   </p:sldIdLst>
   <p:sldSz cx="12192000" cy="6858000"/>
   <p:notesSz cx="6858000" cy="9144000"/>
@@ -273,7 +272,7 @@
           <a:bodyPr lIns="0" rIns="0" tIns="0" bIns="0" anchor="b"/>
           <a:p>
             <a:pPr algn="r"/>
-            <a:fld id="{75A32D6F-4C2B-49C1-946C-DBBAA675BEEA}" type="slidenum">
+            <a:fld id="{DEA270D7-BAAF-4B58-985E-1DDC89EEFC1C}" type="slidenum">
               <a:rPr b="0" lang="en-US" sz="1400" spc="-1" strike="noStrike">
                 <a:solidFill>
                   <a:srgbClr val="000000"/>
@@ -326,7 +325,7 @@
       </p:grpSpPr>
       <p:sp>
         <p:nvSpPr>
-          <p:cNvPr id="125" name="PlaceHolder 1"/>
+          <p:cNvPr id="127" name="PlaceHolder 1"/>
           <p:cNvSpPr>
             <a:spLocks noGrp="1"/>
           </p:cNvSpPr>
@@ -337,7 +336,7 @@
         <p:spPr>
           <a:xfrm>
             <a:off x="685800" y="4400640"/>
-            <a:ext cx="5485320" cy="3599280"/>
+            <a:ext cx="5484960" cy="3598920"/>
           </a:xfrm>
           <a:prstGeom prst="rect">
             <a:avLst/>
@@ -362,14 +361,14 @@
       </p:sp>
       <p:sp>
         <p:nvSpPr>
-          <p:cNvPr id="126" name="CustomShape 2"/>
+          <p:cNvPr id="128" name="CustomShape 2"/>
           <p:cNvSpPr/>
           <p:nvPr/>
         </p:nvSpPr>
         <p:spPr>
           <a:xfrm>
             <a:off x="3884760" y="8685360"/>
-            <a:ext cx="2970720" cy="457560"/>
+            <a:ext cx="2970360" cy="457200"/>
           </a:xfrm>
           <a:prstGeom prst="rect">
             <a:avLst/>
@@ -393,7 +392,7 @@
                 <a:spcPct val="100000"/>
               </a:lnSpc>
             </a:pPr>
-            <a:fld id="{7FAD0A61-111A-4113-843F-2FBBDC2E0899}" type="slidenum">
+            <a:fld id="{00F85615-134D-4684-A225-AA8935724B4C}" type="slidenum">
               <a:rPr b="0" lang="en-US" sz="1200" spc="-1" strike="noStrike">
                 <a:solidFill>
                   <a:srgbClr val="000000"/>
@@ -446,7 +445,7 @@
       </p:grpSpPr>
       <p:sp>
         <p:nvSpPr>
-          <p:cNvPr id="127" name="PlaceHolder 1"/>
+          <p:cNvPr id="129" name="PlaceHolder 1"/>
           <p:cNvSpPr>
             <a:spLocks noGrp="1"/>
           </p:cNvSpPr>
@@ -457,7 +456,7 @@
         <p:spPr>
           <a:xfrm>
             <a:off x="685800" y="4400640"/>
-            <a:ext cx="5485320" cy="3599280"/>
+            <a:ext cx="5484960" cy="3598920"/>
           </a:xfrm>
           <a:prstGeom prst="rect">
             <a:avLst/>
@@ -482,14 +481,14 @@
       </p:sp>
       <p:sp>
         <p:nvSpPr>
-          <p:cNvPr id="128" name="CustomShape 2"/>
+          <p:cNvPr id="130" name="CustomShape 2"/>
           <p:cNvSpPr/>
           <p:nvPr/>
         </p:nvSpPr>
         <p:spPr>
           <a:xfrm>
             <a:off x="3884760" y="8685360"/>
-            <a:ext cx="2970720" cy="457560"/>
+            <a:ext cx="2970360" cy="457200"/>
           </a:xfrm>
           <a:prstGeom prst="rect">
             <a:avLst/>
@@ -513,7 +512,7 @@
                 <a:spcPct val="100000"/>
               </a:lnSpc>
             </a:pPr>
-            <a:fld id="{11785D2A-E63B-4185-9B78-4FB380EE08C3}" type="slidenum">
+            <a:fld id="{E289D0F2-0832-449D-A22E-380DCBEA8BEA}" type="slidenum">
               <a:rPr b="0" lang="en-US" sz="1200" spc="-1" strike="noStrike">
                 <a:solidFill>
                   <a:srgbClr val="000000"/>
@@ -566,7 +565,7 @@
       </p:grpSpPr>
       <p:sp>
         <p:nvSpPr>
-          <p:cNvPr id="129" name="PlaceHolder 1"/>
+          <p:cNvPr id="131" name="PlaceHolder 1"/>
           <p:cNvSpPr>
             <a:spLocks noGrp="1"/>
           </p:cNvSpPr>
@@ -577,7 +576,7 @@
         <p:spPr>
           <a:xfrm>
             <a:off x="685800" y="4400640"/>
-            <a:ext cx="5485320" cy="3599280"/>
+            <a:ext cx="5484960" cy="3598920"/>
           </a:xfrm>
           <a:prstGeom prst="rect">
             <a:avLst/>
@@ -602,14 +601,14 @@
       </p:sp>
       <p:sp>
         <p:nvSpPr>
-          <p:cNvPr id="130" name="CustomShape 2"/>
+          <p:cNvPr id="132" name="CustomShape 2"/>
           <p:cNvSpPr/>
           <p:nvPr/>
         </p:nvSpPr>
         <p:spPr>
           <a:xfrm>
             <a:off x="3884760" y="8685360"/>
-            <a:ext cx="2970720" cy="457560"/>
+            <a:ext cx="2970360" cy="457200"/>
           </a:xfrm>
           <a:prstGeom prst="rect">
             <a:avLst/>
@@ -633,7 +632,7 @@
                 <a:spcPct val="100000"/>
               </a:lnSpc>
             </a:pPr>
-            <a:fld id="{F9AF8F90-1055-44BF-A7AD-A86D452A1A9F}" type="slidenum">
+            <a:fld id="{F1798944-D8CF-4011-A83E-699ECAEB3E98}" type="slidenum">
               <a:rPr b="0" lang="en-US" sz="1200" spc="-1" strike="noStrike">
                 <a:solidFill>
                   <a:srgbClr val="000000"/>
@@ -686,7 +685,7 @@
       </p:grpSpPr>
       <p:sp>
         <p:nvSpPr>
-          <p:cNvPr id="131" name="PlaceHolder 1"/>
+          <p:cNvPr id="133" name="PlaceHolder 1"/>
           <p:cNvSpPr>
             <a:spLocks noGrp="1"/>
           </p:cNvSpPr>
@@ -697,7 +696,7 @@
         <p:spPr>
           <a:xfrm>
             <a:off x="685800" y="4400640"/>
-            <a:ext cx="5485320" cy="3599280"/>
+            <a:ext cx="5484960" cy="3598920"/>
           </a:xfrm>
           <a:prstGeom prst="rect">
             <a:avLst/>
@@ -722,14 +721,14 @@
       </p:sp>
       <p:sp>
         <p:nvSpPr>
-          <p:cNvPr id="132" name="CustomShape 2"/>
+          <p:cNvPr id="134" name="CustomShape 2"/>
           <p:cNvSpPr/>
           <p:nvPr/>
         </p:nvSpPr>
         <p:spPr>
           <a:xfrm>
             <a:off x="3884760" y="8685360"/>
-            <a:ext cx="2970720" cy="457560"/>
+            <a:ext cx="2970360" cy="457200"/>
           </a:xfrm>
           <a:prstGeom prst="rect">
             <a:avLst/>
@@ -753,7 +752,7 @@
                 <a:spcPct val="100000"/>
               </a:lnSpc>
             </a:pPr>
-            <a:fld id="{668AB523-9DAB-4D19-8F2E-A462F526D4C8}" type="slidenum">
+            <a:fld id="{7C5AAC5C-7202-4001-9E24-C75702CF08A5}" type="slidenum">
               <a:rPr b="0" lang="en-US" sz="1200" spc="-1" strike="noStrike">
                 <a:solidFill>
                   <a:srgbClr val="000000"/>
@@ -806,7 +805,7 @@
       </p:grpSpPr>
       <p:sp>
         <p:nvSpPr>
-          <p:cNvPr id="133" name="PlaceHolder 1"/>
+          <p:cNvPr id="135" name="PlaceHolder 1"/>
           <p:cNvSpPr>
             <a:spLocks noGrp="1"/>
           </p:cNvSpPr>
@@ -817,7 +816,7 @@
         <p:spPr>
           <a:xfrm>
             <a:off x="685800" y="4400640"/>
-            <a:ext cx="5485320" cy="3599280"/>
+            <a:ext cx="5484960" cy="3598920"/>
           </a:xfrm>
           <a:prstGeom prst="rect">
             <a:avLst/>
@@ -842,14 +841,14 @@
       </p:sp>
       <p:sp>
         <p:nvSpPr>
-          <p:cNvPr id="134" name="CustomShape 2"/>
+          <p:cNvPr id="136" name="CustomShape 2"/>
           <p:cNvSpPr/>
           <p:nvPr/>
         </p:nvSpPr>
         <p:spPr>
           <a:xfrm>
             <a:off x="3884760" y="8685360"/>
-            <a:ext cx="2970720" cy="457560"/>
+            <a:ext cx="2970360" cy="457200"/>
           </a:xfrm>
           <a:prstGeom prst="rect">
             <a:avLst/>
@@ -873,7 +872,7 @@
                 <a:spcPct val="100000"/>
               </a:lnSpc>
             </a:pPr>
-            <a:fld id="{BA8C7695-0715-496B-B700-A78D94E0F9FF}" type="slidenum">
+            <a:fld id="{4B0E6117-B792-4107-A847-DF8AA6B596E2}" type="slidenum">
               <a:rPr b="0" lang="en-US" sz="1200" spc="-1" strike="noStrike">
                 <a:solidFill>
                   <a:srgbClr val="000000"/>
@@ -926,7 +925,7 @@
       </p:grpSpPr>
       <p:sp>
         <p:nvSpPr>
-          <p:cNvPr id="135" name="PlaceHolder 1"/>
+          <p:cNvPr id="137" name="PlaceHolder 1"/>
           <p:cNvSpPr>
             <a:spLocks noGrp="1"/>
           </p:cNvSpPr>
@@ -937,7 +936,7 @@
         <p:spPr>
           <a:xfrm>
             <a:off x="685800" y="4400640"/>
-            <a:ext cx="5485320" cy="3599280"/>
+            <a:ext cx="5484960" cy="3598920"/>
           </a:xfrm>
           <a:prstGeom prst="rect">
             <a:avLst/>
@@ -962,14 +961,14 @@
       </p:sp>
       <p:sp>
         <p:nvSpPr>
-          <p:cNvPr id="136" name="CustomShape 2"/>
+          <p:cNvPr id="138" name="CustomShape 2"/>
           <p:cNvSpPr/>
           <p:nvPr/>
         </p:nvSpPr>
         <p:spPr>
           <a:xfrm>
             <a:off x="3884760" y="8685360"/>
-            <a:ext cx="2970720" cy="457560"/>
+            <a:ext cx="2970360" cy="457200"/>
           </a:xfrm>
           <a:prstGeom prst="rect">
             <a:avLst/>
@@ -993,7 +992,7 @@
                 <a:spcPct val="100000"/>
               </a:lnSpc>
             </a:pPr>
-            <a:fld id="{A985227F-615C-40C6-BF8D-73F26D02F832}" type="slidenum">
+            <a:fld id="{3965DBAD-2FF7-4EA7-8D23-D091DDBBEC67}" type="slidenum">
               <a:rPr b="0" lang="en-US" sz="1200" spc="-1" strike="noStrike">
                 <a:solidFill>
                   <a:srgbClr val="000000"/>
@@ -1046,126 +1045,6 @@
       </p:grpSpPr>
       <p:sp>
         <p:nvSpPr>
-          <p:cNvPr id="137" name="PlaceHolder 1"/>
-          <p:cNvSpPr>
-            <a:spLocks noGrp="1"/>
-          </p:cNvSpPr>
-          <p:nvPr>
-            <p:ph type="body"/>
-          </p:nvPr>
-        </p:nvSpPr>
-        <p:spPr>
-          <a:xfrm>
-            <a:off x="685800" y="4400640"/>
-            <a:ext cx="5485320" cy="3599280"/>
-          </a:xfrm>
-          <a:prstGeom prst="rect">
-            <a:avLst/>
-          </a:prstGeom>
-        </p:spPr>
-        <p:txBody>
-          <a:bodyPr lIns="0" rIns="0" tIns="0" bIns="0"/>
-          <a:p>
-            <a:endParaRPr b="0" lang="en-US" sz="2000" spc="-1" strike="noStrike">
-              <a:solidFill>
-                <a:srgbClr val="000000"/>
-              </a:solidFill>
-              <a:uFill>
-                <a:solidFill>
-                  <a:srgbClr val="ffffff"/>
-                </a:solidFill>
-              </a:uFill>
-              <a:latin typeface="Arial"/>
-            </a:endParaRPr>
-          </a:p>
-        </p:txBody>
-      </p:sp>
-      <p:sp>
-        <p:nvSpPr>
-          <p:cNvPr id="138" name="CustomShape 2"/>
-          <p:cNvSpPr/>
-          <p:nvPr/>
-        </p:nvSpPr>
-        <p:spPr>
-          <a:xfrm>
-            <a:off x="3884760" y="8685360"/>
-            <a:ext cx="2970720" cy="457560"/>
-          </a:xfrm>
-          <a:prstGeom prst="rect">
-            <a:avLst/>
-          </a:prstGeom>
-          <a:noFill/>
-          <a:ln>
-            <a:noFill/>
-          </a:ln>
-        </p:spPr>
-        <p:style>
-          <a:lnRef idx="0"/>
-          <a:fillRef idx="0"/>
-          <a:effectRef idx="0"/>
-          <a:fontRef idx="minor"/>
-        </p:style>
-        <p:txBody>
-          <a:bodyPr lIns="90000" rIns="90000" tIns="45000" bIns="45000" anchor="b"/>
-          <a:p>
-            <a:pPr algn="r">
-              <a:lnSpc>
-                <a:spcPct val="100000"/>
-              </a:lnSpc>
-            </a:pPr>
-            <a:fld id="{477703C4-DDD7-480C-9BCE-52FA64E61B20}" type="slidenum">
-              <a:rPr b="0" lang="en-US" sz="1200" spc="-1" strike="noStrike">
-                <a:solidFill>
-                  <a:srgbClr val="000000"/>
-                </a:solidFill>
-                <a:uFill>
-                  <a:solidFill>
-                    <a:srgbClr val="ffffff"/>
-                  </a:solidFill>
-                </a:uFill>
-                <a:latin typeface="+mn-lt"/>
-                <a:ea typeface="+mn-ea"/>
-              </a:rPr>
-              <a:t>&lt;number&gt;</a:t>
-            </a:fld>
-            <a:endParaRPr b="0" lang="en-US" sz="1800" spc="-1" strike="noStrike">
-              <a:solidFill>
-                <a:srgbClr val="000000"/>
-              </a:solidFill>
-              <a:uFill>
-                <a:solidFill>
-                  <a:srgbClr val="ffffff"/>
-                </a:solidFill>
-              </a:uFill>
-              <a:latin typeface="Arial"/>
-            </a:endParaRPr>
-          </a:p>
-        </p:txBody>
-      </p:sp>
-    </p:spTree>
-  </p:cSld>
-</p:notes>
-</file>
-
-<file path=ppt/notesSlides/notesSlide17.xml><?xml version="1.0" encoding="utf-8"?>
-<p:notes xmlns:a="http://schemas.openxmlformats.org/drawingml/2006/main" xmlns:p="http://schemas.openxmlformats.org/presentationml/2006/main" xmlns:r="http://schemas.openxmlformats.org/officeDocument/2006/relationships" xmlns:p14="http://schemas.microsoft.com/office/powerpoint/2010/main" xmlns:p15="http://schemas.microsoft.com/office/powerpoint/2012/main" xmlns:mc="http://schemas.openxmlformats.org/markup-compatibility/2006">
-  <p:cSld>
-    <p:spTree>
-      <p:nvGrpSpPr>
-        <p:cNvPr id="1" name=""/>
-        <p:cNvGrpSpPr/>
-        <p:nvPr/>
-      </p:nvGrpSpPr>
-      <p:grpSpPr>
-        <a:xfrm>
-          <a:off x="0" y="0"/>
-          <a:ext cx="0" cy="0"/>
-          <a:chOff x="0" y="0"/>
-          <a:chExt cx="0" cy="0"/>
-        </a:xfrm>
-      </p:grpSpPr>
-      <p:sp>
-        <p:nvSpPr>
           <p:cNvPr id="139" name="PlaceHolder 1"/>
           <p:cNvSpPr>
             <a:spLocks noGrp="1"/>
@@ -1177,7 +1056,7 @@
         <p:spPr>
           <a:xfrm>
             <a:off x="685800" y="4400640"/>
-            <a:ext cx="5485320" cy="3599280"/>
+            <a:ext cx="5484960" cy="3598920"/>
           </a:xfrm>
           <a:prstGeom prst="rect">
             <a:avLst/>
@@ -1209,7 +1088,7 @@
         <p:spPr>
           <a:xfrm>
             <a:off x="3884760" y="8685360"/>
-            <a:ext cx="2970720" cy="457560"/>
+            <a:ext cx="2970360" cy="457200"/>
           </a:xfrm>
           <a:prstGeom prst="rect">
             <a:avLst/>
@@ -1233,7 +1112,7 @@
                 <a:spcPct val="100000"/>
               </a:lnSpc>
             </a:pPr>
-            <a:fld id="{52B3120A-C8FE-4FDE-AB1F-A647E6E156FA}" type="slidenum">
+            <a:fld id="{6DF6ACC1-E09D-4F11-8AA2-ECDB397C9C32}" type="slidenum">
               <a:rPr b="0" lang="en-US" sz="1200" spc="-1" strike="noStrike">
                 <a:solidFill>
                   <a:srgbClr val="000000"/>
@@ -1297,7 +1176,7 @@
         <p:spPr>
           <a:xfrm>
             <a:off x="685800" y="4400640"/>
-            <a:ext cx="5485320" cy="3599280"/>
+            <a:ext cx="5484960" cy="3598920"/>
           </a:xfrm>
           <a:prstGeom prst="rect">
             <a:avLst/>
@@ -1329,7 +1208,7 @@
         <p:spPr>
           <a:xfrm>
             <a:off x="3884760" y="8685360"/>
-            <a:ext cx="2970720" cy="457560"/>
+            <a:ext cx="2970360" cy="457200"/>
           </a:xfrm>
           <a:prstGeom prst="rect">
             <a:avLst/>
@@ -1353,7 +1232,7 @@
                 <a:spcPct val="100000"/>
               </a:lnSpc>
             </a:pPr>
-            <a:fld id="{9D039AFB-327F-40BD-9B42-56F757DD3462}" type="slidenum">
+            <a:fld id="{951D940F-F413-4B86-A4C9-52EA06114B49}" type="slidenum">
               <a:rPr b="0" lang="en-US" sz="1200" spc="-1" strike="noStrike">
                 <a:solidFill>
                   <a:srgbClr val="000000"/>
@@ -1417,7 +1296,7 @@
         <p:spPr>
           <a:xfrm>
             <a:off x="685800" y="4400640"/>
-            <a:ext cx="5485320" cy="3599280"/>
+            <a:ext cx="5484960" cy="3598920"/>
           </a:xfrm>
           <a:prstGeom prst="rect">
             <a:avLst/>
@@ -1449,7 +1328,7 @@
         <p:spPr>
           <a:xfrm>
             <a:off x="3884760" y="8685360"/>
-            <a:ext cx="2970720" cy="457560"/>
+            <a:ext cx="2970360" cy="457200"/>
           </a:xfrm>
           <a:prstGeom prst="rect">
             <a:avLst/>
@@ -1473,7 +1352,7 @@
                 <a:spcPct val="100000"/>
               </a:lnSpc>
             </a:pPr>
-            <a:fld id="{DBDC367B-726B-4C7A-BBE8-B355A98E6B3D}" type="slidenum">
+            <a:fld id="{794109F7-6C64-4110-B873-AAD0320BB519}" type="slidenum">
               <a:rPr b="0" lang="en-US" sz="1200" spc="-1" strike="noStrike">
                 <a:solidFill>
                   <a:srgbClr val="000000"/>
@@ -1537,7 +1416,7 @@
         <p:spPr>
           <a:xfrm>
             <a:off x="685800" y="4400640"/>
-            <a:ext cx="5485320" cy="3599280"/>
+            <a:ext cx="5484960" cy="3598920"/>
           </a:xfrm>
           <a:prstGeom prst="rect">
             <a:avLst/>
@@ -1569,7 +1448,7 @@
         <p:spPr>
           <a:xfrm>
             <a:off x="3884760" y="8685360"/>
-            <a:ext cx="2970720" cy="457560"/>
+            <a:ext cx="2970360" cy="457200"/>
           </a:xfrm>
           <a:prstGeom prst="rect">
             <a:avLst/>
@@ -1593,7 +1472,7 @@
                 <a:spcPct val="100000"/>
               </a:lnSpc>
             </a:pPr>
-            <a:fld id="{F02E2877-0056-4802-8088-DCDB6D78F458}" type="slidenum">
+            <a:fld id="{B76ED6E0-3230-4B61-B001-D3058C8076E9}" type="slidenum">
               <a:rPr b="0" lang="en-US" sz="1200" spc="-1" strike="noStrike">
                 <a:solidFill>
                   <a:srgbClr val="000000"/>
@@ -1657,7 +1536,7 @@
         <p:spPr>
           <a:xfrm>
             <a:off x="685800" y="4400640"/>
-            <a:ext cx="5485320" cy="3599280"/>
+            <a:ext cx="5484960" cy="3598920"/>
           </a:xfrm>
           <a:prstGeom prst="rect">
             <a:avLst/>
@@ -1689,7 +1568,7 @@
         <p:spPr>
           <a:xfrm>
             <a:off x="3884760" y="8685360"/>
-            <a:ext cx="2970720" cy="457560"/>
+            <a:ext cx="2970360" cy="457200"/>
           </a:xfrm>
           <a:prstGeom prst="rect">
             <a:avLst/>
@@ -1713,7 +1592,7 @@
                 <a:spcPct val="100000"/>
               </a:lnSpc>
             </a:pPr>
-            <a:fld id="{6117596A-3AA5-455A-994E-83162E73093B}" type="slidenum">
+            <a:fld id="{7B7B7413-7B37-46F6-9947-748812E1411C}" type="slidenum">
               <a:rPr b="0" lang="en-US" sz="1200" spc="-1" strike="noStrike">
                 <a:solidFill>
                   <a:srgbClr val="000000"/>
@@ -1777,7 +1656,7 @@
         <p:spPr>
           <a:xfrm>
             <a:off x="685800" y="4400640"/>
-            <a:ext cx="5485320" cy="3599280"/>
+            <a:ext cx="5484960" cy="3598920"/>
           </a:xfrm>
           <a:prstGeom prst="rect">
             <a:avLst/>
@@ -1809,7 +1688,7 @@
         <p:spPr>
           <a:xfrm>
             <a:off x="3884760" y="8685360"/>
-            <a:ext cx="2970720" cy="457560"/>
+            <a:ext cx="2970360" cy="457200"/>
           </a:xfrm>
           <a:prstGeom prst="rect">
             <a:avLst/>
@@ -1833,7 +1712,127 @@
                 <a:spcPct val="100000"/>
               </a:lnSpc>
             </a:pPr>
-            <a:fld id="{4C1DC42D-378F-4492-B218-3EAB0615A62A}" type="slidenum">
+            <a:fld id="{BA963A6C-A3C6-449E-8D80-10325A286535}" type="slidenum">
+              <a:rPr b="0" lang="en-US" sz="1200" spc="-1" strike="noStrike">
+                <a:solidFill>
+                  <a:srgbClr val="000000"/>
+                </a:solidFill>
+                <a:uFill>
+                  <a:solidFill>
+                    <a:srgbClr val="ffffff"/>
+                  </a:solidFill>
+                </a:uFill>
+                <a:latin typeface="+mn-lt"/>
+                <a:ea typeface="+mn-ea"/>
+              </a:rPr>
+              <a:t>&lt;number&gt;</a:t>
+            </a:fld>
+            <a:endParaRPr b="0" lang="en-US" sz="1800" spc="-1" strike="noStrike">
+              <a:solidFill>
+                <a:srgbClr val="000000"/>
+              </a:solidFill>
+              <a:uFill>
+                <a:solidFill>
+                  <a:srgbClr val="ffffff"/>
+                </a:solidFill>
+              </a:uFill>
+              <a:latin typeface="Arial"/>
+            </a:endParaRPr>
+          </a:p>
+        </p:txBody>
+      </p:sp>
+    </p:spTree>
+  </p:cSld>
+</p:notes>
+</file>
+
+<file path=ppt/notesSlides/notesSlide7.xml><?xml version="1.0" encoding="utf-8"?>
+<p:notes xmlns:a="http://schemas.openxmlformats.org/drawingml/2006/main" xmlns:p="http://schemas.openxmlformats.org/presentationml/2006/main" xmlns:r="http://schemas.openxmlformats.org/officeDocument/2006/relationships" xmlns:p14="http://schemas.microsoft.com/office/powerpoint/2010/main" xmlns:p15="http://schemas.microsoft.com/office/powerpoint/2012/main" xmlns:mc="http://schemas.openxmlformats.org/markup-compatibility/2006">
+  <p:cSld>
+    <p:spTree>
+      <p:nvGrpSpPr>
+        <p:cNvPr id="1" name=""/>
+        <p:cNvGrpSpPr/>
+        <p:nvPr/>
+      </p:nvGrpSpPr>
+      <p:grpSpPr>
+        <a:xfrm>
+          <a:off x="0" y="0"/>
+          <a:ext cx="0" cy="0"/>
+          <a:chOff x="0" y="0"/>
+          <a:chExt cx="0" cy="0"/>
+        </a:xfrm>
+      </p:grpSpPr>
+      <p:sp>
+        <p:nvSpPr>
+          <p:cNvPr id="121" name="PlaceHolder 1"/>
+          <p:cNvSpPr>
+            <a:spLocks noGrp="1"/>
+          </p:cNvSpPr>
+          <p:nvPr>
+            <p:ph type="body"/>
+          </p:nvPr>
+        </p:nvSpPr>
+        <p:spPr>
+          <a:xfrm>
+            <a:off x="685800" y="4400640"/>
+            <a:ext cx="5484960" cy="3598920"/>
+          </a:xfrm>
+          <a:prstGeom prst="rect">
+            <a:avLst/>
+          </a:prstGeom>
+        </p:spPr>
+        <p:txBody>
+          <a:bodyPr lIns="0" rIns="0" tIns="0" bIns="0"/>
+          <a:p>
+            <a:endParaRPr b="0" lang="en-US" sz="2000" spc="-1" strike="noStrike">
+              <a:solidFill>
+                <a:srgbClr val="000000"/>
+              </a:solidFill>
+              <a:uFill>
+                <a:solidFill>
+                  <a:srgbClr val="ffffff"/>
+                </a:solidFill>
+              </a:uFill>
+              <a:latin typeface="Arial"/>
+            </a:endParaRPr>
+          </a:p>
+        </p:txBody>
+      </p:sp>
+      <p:sp>
+        <p:nvSpPr>
+          <p:cNvPr id="122" name="CustomShape 2"/>
+          <p:cNvSpPr/>
+          <p:nvPr/>
+        </p:nvSpPr>
+        <p:spPr>
+          <a:xfrm>
+            <a:off x="3884760" y="8685360"/>
+            <a:ext cx="2970360" cy="457200"/>
+          </a:xfrm>
+          <a:prstGeom prst="rect">
+            <a:avLst/>
+          </a:prstGeom>
+          <a:noFill/>
+          <a:ln>
+            <a:noFill/>
+          </a:ln>
+        </p:spPr>
+        <p:style>
+          <a:lnRef idx="0"/>
+          <a:fillRef idx="0"/>
+          <a:effectRef idx="0"/>
+          <a:fontRef idx="minor"/>
+        </p:style>
+        <p:txBody>
+          <a:bodyPr lIns="90000" rIns="90000" tIns="45000" bIns="45000" anchor="b"/>
+          <a:p>
+            <a:pPr algn="r">
+              <a:lnSpc>
+                <a:spcPct val="100000"/>
+              </a:lnSpc>
+            </a:pPr>
+            <a:fld id="{24C293D9-69F9-462C-9ABB-E88C6784DFF9}" type="slidenum">
               <a:rPr b="0" lang="en-US" sz="1200" spc="-1" strike="noStrike">
                 <a:solidFill>
                   <a:srgbClr val="000000"/>
@@ -1886,7 +1885,7 @@
       </p:grpSpPr>
       <p:sp>
         <p:nvSpPr>
-          <p:cNvPr id="121" name="PlaceHolder 1"/>
+          <p:cNvPr id="123" name="PlaceHolder 1"/>
           <p:cNvSpPr>
             <a:spLocks noGrp="1"/>
           </p:cNvSpPr>
@@ -1897,7 +1896,7 @@
         <p:spPr>
           <a:xfrm>
             <a:off x="685800" y="4400640"/>
-            <a:ext cx="5485320" cy="3599280"/>
+            <a:ext cx="5484960" cy="3598920"/>
           </a:xfrm>
           <a:prstGeom prst="rect">
             <a:avLst/>
@@ -1922,14 +1921,14 @@
       </p:sp>
       <p:sp>
         <p:nvSpPr>
-          <p:cNvPr id="122" name="CustomShape 2"/>
+          <p:cNvPr id="124" name="CustomShape 2"/>
           <p:cNvSpPr/>
           <p:nvPr/>
         </p:nvSpPr>
         <p:spPr>
           <a:xfrm>
             <a:off x="3884760" y="8685360"/>
-            <a:ext cx="2970720" cy="457560"/>
+            <a:ext cx="2970360" cy="457200"/>
           </a:xfrm>
           <a:prstGeom prst="rect">
             <a:avLst/>
@@ -1953,7 +1952,7 @@
                 <a:spcPct val="100000"/>
               </a:lnSpc>
             </a:pPr>
-            <a:fld id="{4210C919-6121-4503-B481-B5C4476117F7}" type="slidenum">
+            <a:fld id="{0A28F711-59AD-4699-8F29-DAAC50DEA514}" type="slidenum">
               <a:rPr b="0" lang="en-US" sz="1200" spc="-1" strike="noStrike">
                 <a:solidFill>
                   <a:srgbClr val="000000"/>
@@ -2006,7 +2005,7 @@
       </p:grpSpPr>
       <p:sp>
         <p:nvSpPr>
-          <p:cNvPr id="123" name="PlaceHolder 1"/>
+          <p:cNvPr id="125" name="PlaceHolder 1"/>
           <p:cNvSpPr>
             <a:spLocks noGrp="1"/>
           </p:cNvSpPr>
@@ -2017,7 +2016,7 @@
         <p:spPr>
           <a:xfrm>
             <a:off x="685800" y="4400640"/>
-            <a:ext cx="5485320" cy="3599280"/>
+            <a:ext cx="5484960" cy="3598920"/>
           </a:xfrm>
           <a:prstGeom prst="rect">
             <a:avLst/>
@@ -2042,14 +2041,14 @@
       </p:sp>
       <p:sp>
         <p:nvSpPr>
-          <p:cNvPr id="124" name="CustomShape 2"/>
+          <p:cNvPr id="126" name="CustomShape 2"/>
           <p:cNvSpPr/>
           <p:nvPr/>
         </p:nvSpPr>
         <p:spPr>
           <a:xfrm>
             <a:off x="3884760" y="8685360"/>
-            <a:ext cx="2970720" cy="457560"/>
+            <a:ext cx="2970360" cy="457200"/>
           </a:xfrm>
           <a:prstGeom prst="rect">
             <a:avLst/>
@@ -2073,7 +2072,7 @@
                 <a:spcPct val="100000"/>
               </a:lnSpc>
             </a:pPr>
-            <a:fld id="{D4710698-3032-4D38-93F9-E71AB11E8EDC}" type="slidenum">
+            <a:fld id="{46B10194-3CF9-4B2A-BC24-D2EDC58B6671}" type="slidenum">
               <a:rPr b="0" lang="en-US" sz="1200" spc="-1" strike="noStrike">
                 <a:solidFill>
                   <a:srgbClr val="000000"/>
@@ -5092,7 +5091,7 @@
         <p:spPr>
           <a:xfrm>
             <a:off x="609480" y="273600"/>
-            <a:ext cx="10972080" cy="1144440"/>
+            <a:ext cx="10972440" cy="1144800"/>
           </a:xfrm>
           <a:prstGeom prst="rect">
             <a:avLst/>
@@ -5102,6 +5101,20 @@
           <a:bodyPr lIns="0" rIns="0" tIns="0" bIns="0" anchor="ctr"/>
           <a:p>
             <a:pPr algn="ctr"/>
+            <a:r>
+              <a:rPr b="0" lang="en-US" sz="4400" spc="-1" strike="noStrike">
+                <a:solidFill>
+                  <a:srgbClr val="000000"/>
+                </a:solidFill>
+                <a:uFill>
+                  <a:solidFill>
+                    <a:srgbClr val="ffffff"/>
+                  </a:solidFill>
+                </a:uFill>
+                <a:latin typeface="Arial"/>
+              </a:rPr>
+              <a:t>Click to edit the title text format</a:t>
+            </a:r>
             <a:endParaRPr b="0" lang="en-US" sz="4400" spc="-1" strike="noStrike">
               <a:solidFill>
                 <a:srgbClr val="000000"/>
@@ -5129,7 +5142,7 @@
         <p:spPr>
           <a:xfrm>
             <a:off x="609480" y="1604520"/>
-            <a:ext cx="10972080" cy="3976920"/>
+            <a:ext cx="10972440" cy="3977280"/>
           </a:xfrm>
           <a:prstGeom prst="rect">
             <a:avLst/>
@@ -5147,7 +5160,7 @@
               <a:buChar char=""/>
             </a:pPr>
             <a:r>
-              <a:rPr b="0" lang="en-US" sz="1800" spc="-1" strike="noStrike">
+              <a:rPr b="0" lang="en-US" sz="3200" spc="-1" strike="noStrike">
                 <a:solidFill>
                   <a:srgbClr val="000000"/>
                 </a:solidFill>
@@ -5160,7 +5173,7 @@
               </a:rPr>
               <a:t>Click to edit the outline text format</a:t>
             </a:r>
-            <a:endParaRPr b="0" lang="en-US" sz="1800" spc="-1" strike="noStrike">
+            <a:endParaRPr b="0" lang="en-US" sz="3200" spc="-1" strike="noStrike">
               <a:solidFill>
                 <a:srgbClr val="000000"/>
               </a:solidFill>
@@ -5182,7 +5195,7 @@
               <a:buChar char=""/>
             </a:pPr>
             <a:r>
-              <a:rPr b="0" lang="en-US" sz="1800" spc="-1" strike="noStrike">
+              <a:rPr b="0" lang="en-US" sz="2800" spc="-1" strike="noStrike">
                 <a:solidFill>
                   <a:srgbClr val="000000"/>
                 </a:solidFill>
@@ -5195,7 +5208,7 @@
               </a:rPr>
               <a:t>Second Outline Level</a:t>
             </a:r>
-            <a:endParaRPr b="0" lang="en-US" sz="1800" spc="-1" strike="noStrike">
+            <a:endParaRPr b="0" lang="en-US" sz="2800" spc="-1" strike="noStrike">
               <a:solidFill>
                 <a:srgbClr val="000000"/>
               </a:solidFill>
@@ -5217,7 +5230,7 @@
               <a:buChar char=""/>
             </a:pPr>
             <a:r>
-              <a:rPr b="0" lang="en-US" sz="1800" spc="-1" strike="noStrike">
+              <a:rPr b="0" lang="en-US" sz="2400" spc="-1" strike="noStrike">
                 <a:solidFill>
                   <a:srgbClr val="000000"/>
                 </a:solidFill>
@@ -5230,7 +5243,7 @@
               </a:rPr>
               <a:t>Third Outline Level</a:t>
             </a:r>
-            <a:endParaRPr b="0" lang="en-US" sz="1800" spc="-1" strike="noStrike">
+            <a:endParaRPr b="0" lang="en-US" sz="2400" spc="-1" strike="noStrike">
               <a:solidFill>
                 <a:srgbClr val="000000"/>
               </a:solidFill>
@@ -5252,7 +5265,7 @@
               <a:buChar char=""/>
             </a:pPr>
             <a:r>
-              <a:rPr b="0" lang="en-US" sz="1800" spc="-1" strike="noStrike">
+              <a:rPr b="0" lang="en-US" sz="2000" spc="-1" strike="noStrike">
                 <a:solidFill>
                   <a:srgbClr val="000000"/>
                 </a:solidFill>
@@ -5265,7 +5278,7 @@
               </a:rPr>
               <a:t>Fourth Outline Level</a:t>
             </a:r>
-            <a:endParaRPr b="0" lang="en-US" sz="1800" spc="-1" strike="noStrike">
+            <a:endParaRPr b="0" lang="en-US" sz="2000" spc="-1" strike="noStrike">
               <a:solidFill>
                 <a:srgbClr val="000000"/>
               </a:solidFill>
@@ -5287,7 +5300,7 @@
               <a:buChar char=""/>
             </a:pPr>
             <a:r>
-              <a:rPr b="0" lang="en-US" sz="1800" spc="-1" strike="noStrike">
+              <a:rPr b="0" lang="en-US" sz="2000" spc="-1" strike="noStrike">
                 <a:solidFill>
                   <a:srgbClr val="000000"/>
                 </a:solidFill>
@@ -5300,7 +5313,7 @@
               </a:rPr>
               <a:t>Fifth Outline Level</a:t>
             </a:r>
-            <a:endParaRPr b="0" lang="en-US" sz="1800" spc="-1" strike="noStrike">
+            <a:endParaRPr b="0" lang="en-US" sz="2000" spc="-1" strike="noStrike">
               <a:solidFill>
                 <a:srgbClr val="000000"/>
               </a:solidFill>
@@ -5322,7 +5335,7 @@
               <a:buChar char=""/>
             </a:pPr>
             <a:r>
-              <a:rPr b="0" lang="en-US" sz="1800" spc="-1" strike="noStrike">
+              <a:rPr b="0" lang="en-US" sz="2000" spc="-1" strike="noStrike">
                 <a:solidFill>
                   <a:srgbClr val="000000"/>
                 </a:solidFill>
@@ -5335,7 +5348,7 @@
               </a:rPr>
               <a:t>Sixth Outline Level</a:t>
             </a:r>
-            <a:endParaRPr b="0" lang="en-US" sz="1800" spc="-1" strike="noStrike">
+            <a:endParaRPr b="0" lang="en-US" sz="2000" spc="-1" strike="noStrike">
               <a:solidFill>
                 <a:srgbClr val="000000"/>
               </a:solidFill>
@@ -5357,7 +5370,7 @@
               <a:buChar char=""/>
             </a:pPr>
             <a:r>
-              <a:rPr b="0" lang="en-US" sz="1800" spc="-1" strike="noStrike">
+              <a:rPr b="0" lang="en-US" sz="2000" spc="-1" strike="noStrike">
                 <a:solidFill>
                   <a:srgbClr val="000000"/>
                 </a:solidFill>
@@ -5370,7 +5383,7 @@
               </a:rPr>
               <a:t>Seventh Outline Level</a:t>
             </a:r>
-            <a:endParaRPr b="0" lang="en-US" sz="1800" spc="-1" strike="noStrike">
+            <a:endParaRPr b="0" lang="en-US" sz="2000" spc="-1" strike="noStrike">
               <a:solidFill>
                 <a:srgbClr val="000000"/>
               </a:solidFill>
@@ -5793,7 +5806,7 @@
         <p:spPr>
           <a:xfrm>
             <a:off x="1523880" y="1122480"/>
-            <a:ext cx="9142920" cy="2386440"/>
+            <a:ext cx="9142560" cy="2386080"/>
           </a:xfrm>
           <a:prstGeom prst="rect">
             <a:avLst/>
@@ -5830,7 +5843,7 @@
                 <a:latin typeface="Calibri Light"/>
                 <a:ea typeface="DejaVu Sans"/>
               </a:rPr>
-              <a:t>Android Development Workshop</a:t>
+              <a:t>Beginning Android Apps Development Workshop</a:t>
             </a:r>
             <a:endParaRPr b="0" lang="en-US" sz="1800" spc="-1" strike="noStrike">
               <a:solidFill>
@@ -5855,7 +5868,7 @@
         <p:spPr>
           <a:xfrm>
             <a:off x="1523880" y="3602160"/>
-            <a:ext cx="9142920" cy="1654560"/>
+            <a:ext cx="9142560" cy="1654200"/>
           </a:xfrm>
           <a:prstGeom prst="rect">
             <a:avLst/>
@@ -5871,6 +5884,167 @@
           <a:effectRef idx="0"/>
           <a:fontRef idx="minor"/>
         </p:style>
+      </p:sp>
+      <p:sp>
+        <p:nvSpPr>
+          <p:cNvPr id="79" name="CustomShape 3"/>
+          <p:cNvSpPr/>
+          <p:nvPr/>
+        </p:nvSpPr>
+        <p:spPr>
+          <a:xfrm>
+            <a:off x="1062360" y="4299840"/>
+            <a:ext cx="10733400" cy="1826640"/>
+          </a:xfrm>
+          <a:prstGeom prst="rect">
+            <a:avLst/>
+          </a:prstGeom>
+          <a:noFill/>
+          <a:ln>
+            <a:noFill/>
+          </a:ln>
+        </p:spPr>
+        <p:style>
+          <a:lnRef idx="0"/>
+          <a:fillRef idx="0"/>
+          <a:effectRef idx="0"/>
+          <a:fontRef idx="minor"/>
+        </p:style>
+        <p:txBody>
+          <a:bodyPr lIns="90000" rIns="90000" tIns="45000" bIns="45000"/>
+          <a:p>
+            <a:pPr>
+              <a:lnSpc>
+                <a:spcPct val="100000"/>
+              </a:lnSpc>
+            </a:pPr>
+            <a:r>
+              <a:rPr b="0" i="1" lang="en-US" sz="2400" spc="-1" strike="noStrike">
+                <a:solidFill>
+                  <a:srgbClr val="000000"/>
+                </a:solidFill>
+                <a:uFill>
+                  <a:solidFill>
+                    <a:srgbClr val="ffffff"/>
+                  </a:solidFill>
+                </a:uFill>
+                <a:latin typeface="Calibri"/>
+                <a:ea typeface="DejaVu Sans"/>
+              </a:rPr>
+              <a:t>Talha Hasan Zia</a:t>
+            </a:r>
+            <a:endParaRPr b="0" i="1" lang="en-US" sz="1800" spc="-1" strike="noStrike">
+              <a:solidFill>
+                <a:srgbClr val="000000"/>
+              </a:solidFill>
+              <a:uFill>
+                <a:solidFill>
+                  <a:srgbClr val="ffffff"/>
+                </a:solidFill>
+              </a:uFill>
+              <a:latin typeface="Arial"/>
+            </a:endParaRPr>
+          </a:p>
+          <a:p>
+            <a:pPr>
+              <a:lnSpc>
+                <a:spcPct val="100000"/>
+              </a:lnSpc>
+            </a:pPr>
+            <a:r>
+              <a:rPr b="0" i="1" lang="en-US" sz="2400" spc="-1" strike="noStrike">
+                <a:solidFill>
+                  <a:srgbClr val="000000"/>
+                </a:solidFill>
+                <a:uFill>
+                  <a:solidFill>
+                    <a:srgbClr val="ffffff"/>
+                  </a:solidFill>
+                </a:uFill>
+                <a:latin typeface="Calibri"/>
+                <a:ea typeface="DejaVu Sans"/>
+              </a:rPr>
+              <a:t>BSCS, University of Karachi (2015).</a:t>
+            </a:r>
+            <a:endParaRPr b="0" i="1" lang="en-US" sz="1800" spc="-1" strike="noStrike">
+              <a:solidFill>
+                <a:srgbClr val="000000"/>
+              </a:solidFill>
+              <a:uFill>
+                <a:solidFill>
+                  <a:srgbClr val="ffffff"/>
+                </a:solidFill>
+              </a:uFill>
+              <a:latin typeface="Arial"/>
+            </a:endParaRPr>
+          </a:p>
+          <a:p>
+            <a:pPr>
+              <a:lnSpc>
+                <a:spcPct val="100000"/>
+              </a:lnSpc>
+            </a:pPr>
+            <a:r>
+              <a:rPr b="0" i="1" lang="en-US" sz="2400" spc="-1" strike="noStrike">
+                <a:solidFill>
+                  <a:srgbClr val="000000"/>
+                </a:solidFill>
+                <a:uFill>
+                  <a:solidFill>
+                    <a:srgbClr val="ffffff"/>
+                  </a:solidFill>
+                </a:uFill>
+                <a:latin typeface="Calibri"/>
+                <a:ea typeface="DejaVu Sans"/>
+              </a:rPr>
+              <a:t>Junior Software Engineer, Android Apps ,</a:t>
+            </a:r>
+            <a:endParaRPr b="0" i="1" lang="en-US" sz="1800" spc="-1" strike="noStrike">
+              <a:solidFill>
+                <a:srgbClr val="000000"/>
+              </a:solidFill>
+              <a:uFill>
+                <a:solidFill>
+                  <a:srgbClr val="ffffff"/>
+                </a:solidFill>
+              </a:uFill>
+              <a:latin typeface="Arial"/>
+            </a:endParaRPr>
+          </a:p>
+          <a:p>
+            <a:pPr>
+              <a:lnSpc>
+                <a:spcPct val="100000"/>
+              </a:lnSpc>
+            </a:pPr>
+            <a:r>
+              <a:rPr b="0" i="1" lang="en-US" sz="2400" spc="-1" strike="noStrike">
+                <a:solidFill>
+                  <a:srgbClr val="000000"/>
+                </a:solidFill>
+                <a:uFill>
+                  <a:solidFill>
+                    <a:srgbClr val="ffffff"/>
+                  </a:solidFill>
+                </a:uFill>
+                <a:latin typeface="Calibri"/>
+                <a:ea typeface="DejaVu Sans"/>
+              </a:rPr>
+              <a:t>Mujadidia Inc.</a:t>
+            </a:r>
+            <a:endParaRPr b="0" i="1" lang="en-US" sz="1800" spc="-1" strike="noStrike">
+              <a:solidFill>
+                <a:srgbClr val="000000"/>
+              </a:solidFill>
+              <a:uFill>
+                <a:solidFill>
+                  <a:srgbClr val="ffffff"/>
+                </a:solidFill>
+              </a:uFill>
+              <a:latin typeface="Arial"/>
+            </a:endParaRPr>
+          </a:p>
+        </p:txBody>
       </p:sp>
     </p:spTree>
   </p:cSld>
@@ -5923,14 +6097,14 @@
       </p:grpSpPr>
       <p:sp>
         <p:nvSpPr>
-          <p:cNvPr id="94" name="CustomShape 1"/>
+          <p:cNvPr id="96" name="CustomShape 1"/>
           <p:cNvSpPr/>
           <p:nvPr/>
         </p:nvSpPr>
         <p:spPr>
           <a:xfrm>
             <a:off x="562320" y="266760"/>
-            <a:ext cx="10514520" cy="1324440"/>
+            <a:ext cx="10514160" cy="1324080"/>
           </a:xfrm>
           <a:prstGeom prst="rect">
             <a:avLst/>
@@ -5967,32 +6141,32 @@
                 <a:latin typeface="Calibri Light"/>
                 <a:ea typeface="DejaVu Sans"/>
               </a:rPr>
-              <a:t>App Overview</a:t>
-            </a:r>
-            <a:endParaRPr b="0" lang="en-US" sz="1800" spc="-1" strike="noStrike">
-              <a:solidFill>
-                <a:srgbClr val="000000"/>
-              </a:solidFill>
-              <a:uFill>
-                <a:solidFill>
-                  <a:srgbClr val="ffffff"/>
-                </a:solidFill>
-              </a:uFill>
-              <a:latin typeface="Arial"/>
-            </a:endParaRPr>
-          </a:p>
-        </p:txBody>
-      </p:sp>
-      <p:sp>
-        <p:nvSpPr>
-          <p:cNvPr id="95" name="CustomShape 2"/>
+              <a:t>Lifecycle</a:t>
+            </a:r>
+            <a:endParaRPr b="0" lang="en-US" sz="1800" spc="-1" strike="noStrike">
+              <a:solidFill>
+                <a:srgbClr val="000000"/>
+              </a:solidFill>
+              <a:uFill>
+                <a:solidFill>
+                  <a:srgbClr val="ffffff"/>
+                </a:solidFill>
+              </a:uFill>
+              <a:latin typeface="Arial"/>
+            </a:endParaRPr>
+          </a:p>
+        </p:txBody>
+      </p:sp>
+      <p:sp>
+        <p:nvSpPr>
+          <p:cNvPr id="97" name="CustomShape 2"/>
           <p:cNvSpPr/>
           <p:nvPr/>
         </p:nvSpPr>
         <p:spPr>
           <a:xfrm>
             <a:off x="495360" y="1589040"/>
-            <a:ext cx="10733760" cy="3015720"/>
+            <a:ext cx="10733400" cy="1186560"/>
           </a:xfrm>
           <a:prstGeom prst="rect">
             <a:avLst/>
@@ -6011,233 +6185,84 @@
         <p:txBody>
           <a:bodyPr lIns="90000" rIns="90000" tIns="45000" bIns="45000"/>
           <a:p>
-            <a:pPr marL="285840" indent="-284760">
+            <a:pPr>
               <a:lnSpc>
                 <a:spcPct val="100000"/>
               </a:lnSpc>
-              <a:buClr>
-                <a:srgbClr val="000000"/>
-              </a:buClr>
-              <a:buFont typeface="Arial"/>
-              <a:buChar char="•"/>
-            </a:pPr>
-            <a:r>
-              <a:rPr b="0" lang="en-US" sz="2400" spc="-1" strike="noStrike">
-                <a:solidFill>
-                  <a:srgbClr val="000000"/>
-                </a:solidFill>
-                <a:uFill>
-                  <a:solidFill>
-                    <a:srgbClr val="ffffff"/>
-                  </a:solidFill>
-                </a:uFill>
-                <a:latin typeface="Calibri"/>
-                <a:ea typeface="DejaVu Sans"/>
-              </a:rPr>
-              <a:t>App starts finds Launcher Activity</a:t>
-            </a:r>
-            <a:endParaRPr b="0" lang="en-US" sz="1800" spc="-1" strike="noStrike">
-              <a:solidFill>
-                <a:srgbClr val="000000"/>
-              </a:solidFill>
-              <a:uFill>
-                <a:solidFill>
-                  <a:srgbClr val="ffffff"/>
-                </a:solidFill>
-              </a:uFill>
-              <a:latin typeface="Arial"/>
-            </a:endParaRPr>
-          </a:p>
-          <a:p>
-            <a:pPr marL="343080" indent="-342000">
+            </a:pPr>
+            <a:endParaRPr b="0" lang="en-US" sz="1800" spc="-1" strike="noStrike">
+              <a:solidFill>
+                <a:srgbClr val="000000"/>
+              </a:solidFill>
+              <a:uFill>
+                <a:solidFill>
+                  <a:srgbClr val="ffffff"/>
+                </a:solidFill>
+              </a:uFill>
+              <a:latin typeface="Arial"/>
+            </a:endParaRPr>
+          </a:p>
+          <a:p>
+            <a:pPr>
               <a:lnSpc>
                 <a:spcPct val="100000"/>
               </a:lnSpc>
-              <a:buClr>
-                <a:srgbClr val="000000"/>
-              </a:buClr>
-              <a:buFont typeface="Arial"/>
-              <a:buChar char="•"/>
-            </a:pPr>
-            <a:r>
-              <a:rPr b="0" lang="en-US" sz="2400" spc="-1" strike="noStrike">
-                <a:solidFill>
-                  <a:srgbClr val="000000"/>
-                </a:solidFill>
-                <a:uFill>
-                  <a:solidFill>
-                    <a:srgbClr val="ffffff"/>
-                  </a:solidFill>
-                </a:uFill>
-                <a:latin typeface="Calibri"/>
-                <a:ea typeface="DejaVu Sans"/>
-              </a:rPr>
-              <a:t>OnCreate method is called, this method loads (inflates) layout file to be shown on the screen</a:t>
-            </a:r>
-            <a:endParaRPr b="0" lang="en-US" sz="1800" spc="-1" strike="noStrike">
-              <a:solidFill>
-                <a:srgbClr val="000000"/>
-              </a:solidFill>
-              <a:uFill>
-                <a:solidFill>
-                  <a:srgbClr val="ffffff"/>
-                </a:solidFill>
-              </a:uFill>
-              <a:latin typeface="Arial"/>
-            </a:endParaRPr>
-          </a:p>
-          <a:p>
-            <a:pPr marL="343080" indent="-342000">
+            </a:pPr>
+            <a:endParaRPr b="0" lang="en-US" sz="1800" spc="-1" strike="noStrike">
+              <a:solidFill>
+                <a:srgbClr val="000000"/>
+              </a:solidFill>
+              <a:uFill>
+                <a:solidFill>
+                  <a:srgbClr val="ffffff"/>
+                </a:solidFill>
+              </a:uFill>
+              <a:latin typeface="Arial"/>
+            </a:endParaRPr>
+          </a:p>
+          <a:p>
+            <a:pPr>
               <a:lnSpc>
                 <a:spcPct val="100000"/>
               </a:lnSpc>
-              <a:buClr>
-                <a:srgbClr val="000000"/>
-              </a:buClr>
-              <a:buFont typeface="Arial"/>
-              <a:buChar char="•"/>
-            </a:pPr>
-            <a:r>
-              <a:rPr b="0" lang="en-US" sz="2400" spc="-1" strike="noStrike">
-                <a:solidFill>
-                  <a:srgbClr val="000000"/>
-                </a:solidFill>
-                <a:uFill>
-                  <a:solidFill>
-                    <a:srgbClr val="ffffff"/>
-                  </a:solidFill>
-                </a:uFill>
-                <a:latin typeface="Calibri"/>
-                <a:ea typeface="DejaVu Sans"/>
-              </a:rPr>
-              <a:t>Activity is running.</a:t>
-            </a:r>
-            <a:endParaRPr b="0" lang="en-US" sz="1800" spc="-1" strike="noStrike">
-              <a:solidFill>
-                <a:srgbClr val="000000"/>
-              </a:solidFill>
-              <a:uFill>
-                <a:solidFill>
-                  <a:srgbClr val="ffffff"/>
-                </a:solidFill>
-              </a:uFill>
-              <a:latin typeface="Arial"/>
-            </a:endParaRPr>
-          </a:p>
-          <a:p>
-            <a:pPr marL="343080" indent="-342000">
-              <a:lnSpc>
-                <a:spcPct val="100000"/>
-              </a:lnSpc>
-              <a:buClr>
-                <a:srgbClr val="000000"/>
-              </a:buClr>
-              <a:buFont typeface="Arial"/>
-              <a:buChar char="•"/>
-            </a:pPr>
-            <a:r>
-              <a:rPr b="0" lang="en-US" sz="2400" spc="-1" strike="noStrike">
-                <a:solidFill>
-                  <a:srgbClr val="000000"/>
-                </a:solidFill>
-                <a:uFill>
-                  <a:solidFill>
-                    <a:srgbClr val="ffffff"/>
-                  </a:solidFill>
-                </a:uFill>
-                <a:latin typeface="Calibri"/>
-                <a:ea typeface="DejaVu Sans"/>
-              </a:rPr>
-              <a:t>Adding behaviors.</a:t>
-            </a:r>
-            <a:endParaRPr b="0" lang="en-US" sz="1800" spc="-1" strike="noStrike">
-              <a:solidFill>
-                <a:srgbClr val="000000"/>
-              </a:solidFill>
-              <a:uFill>
-                <a:solidFill>
-                  <a:srgbClr val="ffffff"/>
-                </a:solidFill>
-              </a:uFill>
-              <a:latin typeface="Arial"/>
-            </a:endParaRPr>
-          </a:p>
-          <a:p>
-            <a:pPr marL="343080" indent="-342000">
-              <a:lnSpc>
-                <a:spcPct val="100000"/>
-              </a:lnSpc>
-              <a:buClr>
-                <a:srgbClr val="000000"/>
-              </a:buClr>
-              <a:buFont typeface="Arial"/>
-              <a:buChar char="•"/>
-            </a:pPr>
-            <a:r>
-              <a:rPr b="0" lang="en-US" sz="2400" spc="-1" strike="noStrike">
-                <a:solidFill>
-                  <a:srgbClr val="000000"/>
-                </a:solidFill>
-                <a:uFill>
-                  <a:solidFill>
-                    <a:srgbClr val="ffffff"/>
-                  </a:solidFill>
-                </a:uFill>
-                <a:latin typeface="Calibri"/>
-                <a:ea typeface="DejaVu Sans"/>
-              </a:rPr>
-              <a:t>Activity lifecycle.</a:t>
-            </a:r>
-            <a:endParaRPr b="0" lang="en-US" sz="1800" spc="-1" strike="noStrike">
-              <a:solidFill>
-                <a:srgbClr val="000000"/>
-              </a:solidFill>
-              <a:uFill>
-                <a:solidFill>
-                  <a:srgbClr val="ffffff"/>
-                </a:solidFill>
-              </a:uFill>
-              <a:latin typeface="Arial"/>
-            </a:endParaRPr>
-          </a:p>
-          <a:p>
-            <a:pPr>
-              <a:lnSpc>
-                <a:spcPct val="100000"/>
-              </a:lnSpc>
-            </a:pPr>
-            <a:endParaRPr b="0" lang="en-US" sz="1800" spc="-1" strike="noStrike">
-              <a:solidFill>
-                <a:srgbClr val="000000"/>
-              </a:solidFill>
-              <a:uFill>
-                <a:solidFill>
-                  <a:srgbClr val="ffffff"/>
-                </a:solidFill>
-              </a:uFill>
-              <a:latin typeface="Arial"/>
-            </a:endParaRPr>
-          </a:p>
-          <a:p>
-            <a:pPr>
-              <a:lnSpc>
-                <a:spcPct val="100000"/>
-              </a:lnSpc>
-            </a:pPr>
-            <a:endParaRPr b="0" lang="en-US" sz="1800" spc="-1" strike="noStrike">
-              <a:solidFill>
-                <a:srgbClr val="000000"/>
-              </a:solidFill>
-              <a:uFill>
-                <a:solidFill>
-                  <a:srgbClr val="ffffff"/>
-                </a:solidFill>
-              </a:uFill>
-              <a:latin typeface="Arial"/>
-            </a:endParaRPr>
-          </a:p>
-        </p:txBody>
-      </p:sp>
+            </a:pPr>
+            <a:endParaRPr b="0" lang="en-US" sz="1800" spc="-1" strike="noStrike">
+              <a:solidFill>
+                <a:srgbClr val="000000"/>
+              </a:solidFill>
+              <a:uFill>
+                <a:solidFill>
+                  <a:srgbClr val="ffffff"/>
+                </a:solidFill>
+              </a:uFill>
+              <a:latin typeface="Arial"/>
+            </a:endParaRPr>
+          </a:p>
+        </p:txBody>
+      </p:sp>
+      <p:pic>
+        <p:nvPicPr>
+          <p:cNvPr id="98" name="Picture 2" descr=""/>
+          <p:cNvPicPr/>
+          <p:nvPr/>
+        </p:nvPicPr>
+        <p:blipFill>
+          <a:blip r:embed="rId1"/>
+          <a:stretch/>
+        </p:blipFill>
+        <p:spPr>
+          <a:xfrm>
+            <a:off x="3525840" y="495360"/>
+            <a:ext cx="4357440" cy="5639040"/>
+          </a:xfrm>
+          <a:prstGeom prst="rect">
+            <a:avLst/>
+          </a:prstGeom>
+          <a:ln>
+            <a:noFill/>
+          </a:ln>
+        </p:spPr>
+      </p:pic>
     </p:spTree>
   </p:cSld>
   <p:timing>
@@ -6289,14 +6314,14 @@
       </p:grpSpPr>
       <p:sp>
         <p:nvSpPr>
-          <p:cNvPr id="96" name="CustomShape 1"/>
+          <p:cNvPr id="99" name="CustomShape 1"/>
           <p:cNvSpPr/>
           <p:nvPr/>
         </p:nvSpPr>
         <p:spPr>
           <a:xfrm>
             <a:off x="562320" y="266760"/>
-            <a:ext cx="10514520" cy="1324440"/>
+            <a:ext cx="10514160" cy="1324080"/>
           </a:xfrm>
           <a:prstGeom prst="rect">
             <a:avLst/>
@@ -6333,32 +6358,32 @@
                 <a:latin typeface="Calibri Light"/>
                 <a:ea typeface="DejaVu Sans"/>
               </a:rPr>
-              <a:t>Lifecycle</a:t>
-            </a:r>
-            <a:endParaRPr b="0" lang="en-US" sz="1800" spc="-1" strike="noStrike">
-              <a:solidFill>
-                <a:srgbClr val="000000"/>
-              </a:solidFill>
-              <a:uFill>
-                <a:solidFill>
-                  <a:srgbClr val="ffffff"/>
-                </a:solidFill>
-              </a:uFill>
-              <a:latin typeface="Arial"/>
-            </a:endParaRPr>
-          </a:p>
-        </p:txBody>
-      </p:sp>
-      <p:sp>
-        <p:nvSpPr>
-          <p:cNvPr id="97" name="CustomShape 2"/>
+              <a:t>Views and ViewGroup</a:t>
+            </a:r>
+            <a:endParaRPr b="0" lang="en-US" sz="1800" spc="-1" strike="noStrike">
+              <a:solidFill>
+                <a:srgbClr val="000000"/>
+              </a:solidFill>
+              <a:uFill>
+                <a:solidFill>
+                  <a:srgbClr val="ffffff"/>
+                </a:solidFill>
+              </a:uFill>
+              <a:latin typeface="Arial"/>
+            </a:endParaRPr>
+          </a:p>
+        </p:txBody>
+      </p:sp>
+      <p:sp>
+        <p:nvSpPr>
+          <p:cNvPr id="100" name="CustomShape 2"/>
           <p:cNvSpPr/>
           <p:nvPr/>
         </p:nvSpPr>
         <p:spPr>
           <a:xfrm>
             <a:off x="495360" y="1589040"/>
-            <a:ext cx="10733760" cy="1186920"/>
+            <a:ext cx="10733400" cy="1552320"/>
           </a:xfrm>
           <a:prstGeom prst="rect">
             <a:avLst/>
@@ -6377,84 +6402,159 @@
         <p:txBody>
           <a:bodyPr lIns="90000" rIns="90000" tIns="45000" bIns="45000"/>
           <a:p>
-            <a:pPr>
+            <a:pPr marL="285840" indent="-284400">
               <a:lnSpc>
                 <a:spcPct val="100000"/>
               </a:lnSpc>
-            </a:pPr>
-            <a:endParaRPr b="0" lang="en-US" sz="1800" spc="-1" strike="noStrike">
-              <a:solidFill>
-                <a:srgbClr val="000000"/>
-              </a:solidFill>
-              <a:uFill>
-                <a:solidFill>
-                  <a:srgbClr val="ffffff"/>
-                </a:solidFill>
-              </a:uFill>
-              <a:latin typeface="Arial"/>
-            </a:endParaRPr>
-          </a:p>
-          <a:p>
-            <a:pPr>
+              <a:buClr>
+                <a:srgbClr val="000000"/>
+              </a:buClr>
+              <a:buFont typeface="Arial"/>
+              <a:buChar char="•"/>
+            </a:pPr>
+            <a:r>
+              <a:rPr b="0" lang="en-US" sz="2400" spc="-1" strike="noStrike">
+                <a:solidFill>
+                  <a:srgbClr val="000000"/>
+                </a:solidFill>
+                <a:uFill>
+                  <a:solidFill>
+                    <a:srgbClr val="ffffff"/>
+                  </a:solidFill>
+                </a:uFill>
+                <a:latin typeface="Calibri"/>
+                <a:ea typeface="DejaVu Sans"/>
+              </a:rPr>
+              <a:t>Everything is a View, Button, TextView, ImageView etc.</a:t>
+            </a:r>
+            <a:endParaRPr b="0" lang="en-US" sz="1800" spc="-1" strike="noStrike">
+              <a:solidFill>
+                <a:srgbClr val="000000"/>
+              </a:solidFill>
+              <a:uFill>
+                <a:solidFill>
+                  <a:srgbClr val="ffffff"/>
+                </a:solidFill>
+              </a:uFill>
+              <a:latin typeface="Arial"/>
+            </a:endParaRPr>
+          </a:p>
+          <a:p>
+            <a:pPr marL="285840" indent="-284400">
               <a:lnSpc>
                 <a:spcPct val="100000"/>
               </a:lnSpc>
-            </a:pPr>
-            <a:endParaRPr b="0" lang="en-US" sz="1800" spc="-1" strike="noStrike">
-              <a:solidFill>
-                <a:srgbClr val="000000"/>
-              </a:solidFill>
-              <a:uFill>
-                <a:solidFill>
-                  <a:srgbClr val="ffffff"/>
-                </a:solidFill>
-              </a:uFill>
-              <a:latin typeface="Arial"/>
-            </a:endParaRPr>
-          </a:p>
-          <a:p>
-            <a:pPr>
+              <a:buClr>
+                <a:srgbClr val="000000"/>
+              </a:buClr>
+              <a:buFont typeface="Arial"/>
+              <a:buChar char="•"/>
+            </a:pPr>
+            <a:r>
+              <a:rPr b="0" lang="en-US" sz="2400" spc="-1" strike="noStrike">
+                <a:solidFill>
+                  <a:srgbClr val="000000"/>
+                </a:solidFill>
+                <a:uFill>
+                  <a:solidFill>
+                    <a:srgbClr val="ffffff"/>
+                  </a:solidFill>
+                </a:uFill>
+                <a:latin typeface="Calibri"/>
+                <a:ea typeface="DejaVu Sans"/>
+              </a:rPr>
+              <a:t>Views that manage other view inside them are ViewGroups.</a:t>
+            </a:r>
+            <a:endParaRPr b="0" lang="en-US" sz="1800" spc="-1" strike="noStrike">
+              <a:solidFill>
+                <a:srgbClr val="000000"/>
+              </a:solidFill>
+              <a:uFill>
+                <a:solidFill>
+                  <a:srgbClr val="ffffff"/>
+                </a:solidFill>
+              </a:uFill>
+              <a:latin typeface="Arial"/>
+            </a:endParaRPr>
+          </a:p>
+          <a:p>
+            <a:pPr marL="285840" indent="-284400">
               <a:lnSpc>
                 <a:spcPct val="100000"/>
               </a:lnSpc>
-            </a:pPr>
-            <a:endParaRPr b="0" lang="en-US" sz="1800" spc="-1" strike="noStrike">
-              <a:solidFill>
-                <a:srgbClr val="000000"/>
-              </a:solidFill>
-              <a:uFill>
-                <a:solidFill>
-                  <a:srgbClr val="ffffff"/>
-                </a:solidFill>
-              </a:uFill>
-              <a:latin typeface="Arial"/>
-            </a:endParaRPr>
-          </a:p>
-        </p:txBody>
-      </p:sp>
-      <p:pic>
-        <p:nvPicPr>
-          <p:cNvPr id="98" name="Picture 2" descr=""/>
-          <p:cNvPicPr/>
-          <p:nvPr/>
-        </p:nvPicPr>
-        <p:blipFill>
-          <a:blip r:embed="rId1"/>
-          <a:stretch/>
-        </p:blipFill>
-        <p:spPr>
-          <a:xfrm>
-            <a:off x="3525840" y="495360"/>
-            <a:ext cx="4357800" cy="5639400"/>
-          </a:xfrm>
-          <a:prstGeom prst="rect">
-            <a:avLst/>
-          </a:prstGeom>
-          <a:ln>
-            <a:noFill/>
-          </a:ln>
-        </p:spPr>
-      </p:pic>
+              <a:buClr>
+                <a:srgbClr val="000000"/>
+              </a:buClr>
+              <a:buFont typeface="Arial"/>
+              <a:buChar char="•"/>
+            </a:pPr>
+            <a:r>
+              <a:rPr b="0" lang="en-US" sz="2400" spc="-1" strike="noStrike">
+                <a:solidFill>
+                  <a:srgbClr val="000000"/>
+                </a:solidFill>
+                <a:uFill>
+                  <a:solidFill>
+                    <a:srgbClr val="ffffff"/>
+                  </a:solidFill>
+                </a:uFill>
+                <a:latin typeface="Calibri"/>
+                <a:ea typeface="DejaVu Sans"/>
+              </a:rPr>
+              <a:t>ViewGroups are like containers that have rules to place other views.</a:t>
+            </a:r>
+            <a:endParaRPr b="0" lang="en-US" sz="1800" spc="-1" strike="noStrike">
+              <a:solidFill>
+                <a:srgbClr val="000000"/>
+              </a:solidFill>
+              <a:uFill>
+                <a:solidFill>
+                  <a:srgbClr val="ffffff"/>
+                </a:solidFill>
+              </a:uFill>
+              <a:latin typeface="Arial"/>
+            </a:endParaRPr>
+          </a:p>
+          <a:p>
+            <a:pPr marL="285840" indent="-284400">
+              <a:lnSpc>
+                <a:spcPct val="100000"/>
+              </a:lnSpc>
+              <a:buClr>
+                <a:srgbClr val="000000"/>
+              </a:buClr>
+              <a:buFont typeface="Arial"/>
+              <a:buChar char="•"/>
+            </a:pPr>
+            <a:r>
+              <a:rPr b="0" lang="en-US" sz="2400" spc="-1" strike="noStrike">
+                <a:solidFill>
+                  <a:srgbClr val="000000"/>
+                </a:solidFill>
+                <a:uFill>
+                  <a:solidFill>
+                    <a:srgbClr val="ffffff"/>
+                  </a:solidFill>
+                </a:uFill>
+                <a:latin typeface="Calibri"/>
+                <a:ea typeface="DejaVu Sans"/>
+              </a:rPr>
+              <a:t>By default, there is always a ViewGroup element declared in layout file.</a:t>
+            </a:r>
+            <a:endParaRPr b="0" lang="en-US" sz="1800" spc="-1" strike="noStrike">
+              <a:solidFill>
+                <a:srgbClr val="000000"/>
+              </a:solidFill>
+              <a:uFill>
+                <a:solidFill>
+                  <a:srgbClr val="ffffff"/>
+                </a:solidFill>
+              </a:uFill>
+              <a:latin typeface="Arial"/>
+            </a:endParaRPr>
+          </a:p>
+        </p:txBody>
+      </p:sp>
     </p:spTree>
   </p:cSld>
   <p:timing>
@@ -6506,14 +6606,14 @@
       </p:grpSpPr>
       <p:sp>
         <p:nvSpPr>
-          <p:cNvPr id="99" name="CustomShape 1"/>
+          <p:cNvPr id="101" name="CustomShape 1"/>
           <p:cNvSpPr/>
           <p:nvPr/>
         </p:nvSpPr>
         <p:spPr>
           <a:xfrm>
             <a:off x="562320" y="266760"/>
-            <a:ext cx="10514520" cy="1324440"/>
+            <a:ext cx="10514160" cy="1324080"/>
           </a:xfrm>
           <a:prstGeom prst="rect">
             <a:avLst/>
@@ -6550,32 +6650,32 @@
                 <a:latin typeface="Calibri Light"/>
                 <a:ea typeface="DejaVu Sans"/>
               </a:rPr>
-              <a:t>Views and ViewGroup</a:t>
-            </a:r>
-            <a:endParaRPr b="0" lang="en-US" sz="1800" spc="-1" strike="noStrike">
-              <a:solidFill>
-                <a:srgbClr val="000000"/>
-              </a:solidFill>
-              <a:uFill>
-                <a:solidFill>
-                  <a:srgbClr val="ffffff"/>
-                </a:solidFill>
-              </a:uFill>
-              <a:latin typeface="Arial"/>
-            </a:endParaRPr>
-          </a:p>
-        </p:txBody>
-      </p:sp>
-      <p:sp>
-        <p:nvSpPr>
-          <p:cNvPr id="100" name="CustomShape 2"/>
+              <a:t>Adding Interactivity (1/2): Hello World App</a:t>
+            </a:r>
+            <a:endParaRPr b="0" lang="en-US" sz="1800" spc="-1" strike="noStrike">
+              <a:solidFill>
+                <a:srgbClr val="000000"/>
+              </a:solidFill>
+              <a:uFill>
+                <a:solidFill>
+                  <a:srgbClr val="ffffff"/>
+                </a:solidFill>
+              </a:uFill>
+              <a:latin typeface="Arial"/>
+            </a:endParaRPr>
+          </a:p>
+        </p:txBody>
+      </p:sp>
+      <p:sp>
+        <p:nvSpPr>
+          <p:cNvPr id="102" name="CustomShape 2"/>
           <p:cNvSpPr/>
           <p:nvPr/>
         </p:nvSpPr>
         <p:spPr>
           <a:xfrm>
             <a:off x="495360" y="1589040"/>
-            <a:ext cx="10733760" cy="1552680"/>
+            <a:ext cx="10733400" cy="3288960"/>
           </a:xfrm>
           <a:prstGeom prst="rect">
             <a:avLst/>
@@ -6594,7 +6694,7 @@
         <p:txBody>
           <a:bodyPr lIns="90000" rIns="90000" tIns="45000" bIns="45000"/>
           <a:p>
-            <a:pPr marL="285840" indent="-284760">
+            <a:pPr marL="285840" indent="-284400">
               <a:lnSpc>
                 <a:spcPct val="100000"/>
               </a:lnSpc>
@@ -6617,22 +6717,22 @@
                 <a:latin typeface="Calibri"/>
                 <a:ea typeface="DejaVu Sans"/>
               </a:rPr>
-              <a:t>Everything is a View, Button, TextView, ImageView etc.</a:t>
-            </a:r>
-            <a:endParaRPr b="0" lang="en-US" sz="1800" spc="-1" strike="noStrike">
-              <a:solidFill>
-                <a:srgbClr val="000000"/>
-              </a:solidFill>
-              <a:uFill>
-                <a:solidFill>
-                  <a:srgbClr val="ffffff"/>
-                </a:solidFill>
-              </a:uFill>
-              <a:latin typeface="Arial"/>
-            </a:endParaRPr>
-          </a:p>
-          <a:p>
-            <a:pPr marL="285840" indent="-284760">
+              <a:t>Use of ID in xml file to give views unique id. (unique in same file)</a:t>
+            </a:r>
+            <a:endParaRPr b="0" lang="en-US" sz="1800" spc="-1" strike="noStrike">
+              <a:solidFill>
+                <a:srgbClr val="000000"/>
+              </a:solidFill>
+              <a:uFill>
+                <a:solidFill>
+                  <a:srgbClr val="ffffff"/>
+                </a:solidFill>
+              </a:uFill>
+              <a:latin typeface="Arial"/>
+            </a:endParaRPr>
+          </a:p>
+          <a:p>
+            <a:pPr marL="285840" indent="-284400">
               <a:lnSpc>
                 <a:spcPct val="100000"/>
               </a:lnSpc>
@@ -6655,22 +6755,22 @@
                 <a:latin typeface="Calibri"/>
                 <a:ea typeface="DejaVu Sans"/>
               </a:rPr>
-              <a:t>Views that manage other view inside them are ViewGroups.</a:t>
-            </a:r>
-            <a:endParaRPr b="0" lang="en-US" sz="1800" spc="-1" strike="noStrike">
-              <a:solidFill>
-                <a:srgbClr val="000000"/>
-              </a:solidFill>
-              <a:uFill>
-                <a:solidFill>
-                  <a:srgbClr val="ffffff"/>
-                </a:solidFill>
-              </a:uFill>
-              <a:latin typeface="Arial"/>
-            </a:endParaRPr>
-          </a:p>
-          <a:p>
-            <a:pPr marL="285840" indent="-284760">
+              <a:t>Main Activity setContentView method</a:t>
+            </a:r>
+            <a:endParaRPr b="0" lang="en-US" sz="1800" spc="-1" strike="noStrike">
+              <a:solidFill>
+                <a:srgbClr val="000000"/>
+              </a:solidFill>
+              <a:uFill>
+                <a:solidFill>
+                  <a:srgbClr val="ffffff"/>
+                </a:solidFill>
+              </a:uFill>
+              <a:latin typeface="Arial"/>
+            </a:endParaRPr>
+          </a:p>
+          <a:p>
+            <a:pPr marL="285840" indent="-284400">
               <a:lnSpc>
                 <a:spcPct val="100000"/>
               </a:lnSpc>
@@ -6693,22 +6793,22 @@
                 <a:latin typeface="Calibri"/>
                 <a:ea typeface="DejaVu Sans"/>
               </a:rPr>
-              <a:t>ViewGroups are like containers that have rules to place other views.</a:t>
-            </a:r>
-            <a:endParaRPr b="0" lang="en-US" sz="1800" spc="-1" strike="noStrike">
-              <a:solidFill>
-                <a:srgbClr val="000000"/>
-              </a:solidFill>
-              <a:uFill>
-                <a:solidFill>
-                  <a:srgbClr val="ffffff"/>
-                </a:solidFill>
-              </a:uFill>
-              <a:latin typeface="Arial"/>
-            </a:endParaRPr>
-          </a:p>
-          <a:p>
-            <a:pPr marL="285840" indent="-284760">
+              <a:t>Add id to TextView.</a:t>
+            </a:r>
+            <a:endParaRPr b="0" lang="en-US" sz="1800" spc="-1" strike="noStrike">
+              <a:solidFill>
+                <a:srgbClr val="000000"/>
+              </a:solidFill>
+              <a:uFill>
+                <a:solidFill>
+                  <a:srgbClr val="ffffff"/>
+                </a:solidFill>
+              </a:uFill>
+              <a:latin typeface="Arial"/>
+            </a:endParaRPr>
+          </a:p>
+          <a:p>
+            <a:pPr marL="285840" indent="-284400">
               <a:lnSpc>
                 <a:spcPct val="100000"/>
               </a:lnSpc>
@@ -6731,8 +6831,155 @@
                 <a:latin typeface="Calibri"/>
                 <a:ea typeface="DejaVu Sans"/>
               </a:rPr>
-              <a:t>By default, there is always a ViewGroup element declared in layout file.</a:t>
-            </a:r>
+              <a:t>Create TextView object in java code.</a:t>
+            </a:r>
+            <a:endParaRPr b="0" lang="en-US" sz="1800" spc="-1" strike="noStrike">
+              <a:solidFill>
+                <a:srgbClr val="000000"/>
+              </a:solidFill>
+              <a:uFill>
+                <a:solidFill>
+                  <a:srgbClr val="ffffff"/>
+                </a:solidFill>
+              </a:uFill>
+              <a:latin typeface="Arial"/>
+            </a:endParaRPr>
+          </a:p>
+          <a:p>
+            <a:pPr marL="285840" indent="-284400">
+              <a:lnSpc>
+                <a:spcPct val="100000"/>
+              </a:lnSpc>
+              <a:buClr>
+                <a:srgbClr val="000000"/>
+              </a:buClr>
+              <a:buFont typeface="Arial"/>
+              <a:buChar char="•"/>
+            </a:pPr>
+            <a:r>
+              <a:rPr b="0" lang="en-US" sz="2400" spc="-1" strike="noStrike">
+                <a:solidFill>
+                  <a:srgbClr val="000000"/>
+                </a:solidFill>
+                <a:uFill>
+                  <a:solidFill>
+                    <a:srgbClr val="ffffff"/>
+                  </a:solidFill>
+                </a:uFill>
+                <a:latin typeface="Calibri"/>
+                <a:ea typeface="DejaVu Sans"/>
+              </a:rPr>
+              <a:t>Use findViewById() method to access TextView reference that is displayed on the screen.</a:t>
+            </a:r>
+            <a:endParaRPr b="0" lang="en-US" sz="1800" spc="-1" strike="noStrike">
+              <a:solidFill>
+                <a:srgbClr val="000000"/>
+              </a:solidFill>
+              <a:uFill>
+                <a:solidFill>
+                  <a:srgbClr val="ffffff"/>
+                </a:solidFill>
+              </a:uFill>
+              <a:latin typeface="Arial"/>
+            </a:endParaRPr>
+          </a:p>
+          <a:p>
+            <a:pPr marL="285840" indent="-284400">
+              <a:lnSpc>
+                <a:spcPct val="100000"/>
+              </a:lnSpc>
+              <a:buClr>
+                <a:srgbClr val="000000"/>
+              </a:buClr>
+              <a:buFont typeface="Arial"/>
+              <a:buChar char="•"/>
+            </a:pPr>
+            <a:r>
+              <a:rPr b="0" lang="en-US" sz="2400" spc="-1" strike="noStrike">
+                <a:solidFill>
+                  <a:srgbClr val="000000"/>
+                </a:solidFill>
+                <a:uFill>
+                  <a:solidFill>
+                    <a:srgbClr val="ffffff"/>
+                  </a:solidFill>
+                </a:uFill>
+                <a:latin typeface="Calibri"/>
+                <a:ea typeface="DejaVu Sans"/>
+              </a:rPr>
+              <a:t>Use setText() method to change text.</a:t>
+            </a:r>
+            <a:endParaRPr b="0" lang="en-US" sz="1800" spc="-1" strike="noStrike">
+              <a:solidFill>
+                <a:srgbClr val="000000"/>
+              </a:solidFill>
+              <a:uFill>
+                <a:solidFill>
+                  <a:srgbClr val="ffffff"/>
+                </a:solidFill>
+              </a:uFill>
+              <a:latin typeface="Arial"/>
+            </a:endParaRPr>
+          </a:p>
+          <a:p>
+            <a:pPr marL="285840" indent="-284400">
+              <a:lnSpc>
+                <a:spcPct val="100000"/>
+              </a:lnSpc>
+              <a:buClr>
+                <a:srgbClr val="000000"/>
+              </a:buClr>
+              <a:buFont typeface="Arial"/>
+              <a:buChar char="•"/>
+            </a:pPr>
+            <a:r>
+              <a:rPr b="0" lang="en-US" sz="2400" spc="-1" strike="noStrike">
+                <a:solidFill>
+                  <a:srgbClr val="000000"/>
+                </a:solidFill>
+                <a:uFill>
+                  <a:solidFill>
+                    <a:srgbClr val="ffffff"/>
+                  </a:solidFill>
+                </a:uFill>
+                <a:latin typeface="Calibri"/>
+                <a:ea typeface="DejaVu Sans"/>
+              </a:rPr>
+              <a:t>OnCreate code is executed when Activity is</a:t>
+            </a:r>
+            <a:r>
+              <a:rPr b="1" lang="en-US" sz="2400" spc="-1" strike="noStrike">
+                <a:solidFill>
+                  <a:srgbClr val="000000"/>
+                </a:solidFill>
+                <a:uFill>
+                  <a:solidFill>
+                    <a:srgbClr val="ffffff"/>
+                  </a:solidFill>
+                </a:uFill>
+                <a:latin typeface="Calibri"/>
+                <a:ea typeface="DejaVu Sans"/>
+              </a:rPr>
+              <a:t> being created.</a:t>
+            </a:r>
+            <a:endParaRPr b="0" lang="en-US" sz="1800" spc="-1" strike="noStrike">
+              <a:solidFill>
+                <a:srgbClr val="000000"/>
+              </a:solidFill>
+              <a:uFill>
+                <a:solidFill>
+                  <a:srgbClr val="ffffff"/>
+                </a:solidFill>
+              </a:uFill>
+              <a:latin typeface="Arial"/>
+            </a:endParaRPr>
+          </a:p>
+          <a:p>
+            <a:pPr>
+              <a:lnSpc>
+                <a:spcPct val="100000"/>
+              </a:lnSpc>
+            </a:pPr>
             <a:endParaRPr b="0" lang="en-US" sz="1800" spc="-1" strike="noStrike">
               <a:solidFill>
                 <a:srgbClr val="000000"/>
@@ -6798,14 +7045,14 @@
       </p:grpSpPr>
       <p:sp>
         <p:nvSpPr>
-          <p:cNvPr id="101" name="CustomShape 1"/>
+          <p:cNvPr id="103" name="CustomShape 1"/>
           <p:cNvSpPr/>
           <p:nvPr/>
         </p:nvSpPr>
         <p:spPr>
           <a:xfrm>
             <a:off x="562320" y="266760"/>
-            <a:ext cx="10514520" cy="1324440"/>
+            <a:ext cx="10514160" cy="1324080"/>
           </a:xfrm>
           <a:prstGeom prst="rect">
             <a:avLst/>
@@ -6842,32 +7089,32 @@
                 <a:latin typeface="Calibri Light"/>
                 <a:ea typeface="DejaVu Sans"/>
               </a:rPr>
-              <a:t>Adding Interactivity (1/2): Hello World App</a:t>
-            </a:r>
-            <a:endParaRPr b="0" lang="en-US" sz="1800" spc="-1" strike="noStrike">
-              <a:solidFill>
-                <a:srgbClr val="000000"/>
-              </a:solidFill>
-              <a:uFill>
-                <a:solidFill>
-                  <a:srgbClr val="ffffff"/>
-                </a:solidFill>
-              </a:uFill>
-              <a:latin typeface="Arial"/>
-            </a:endParaRPr>
-          </a:p>
-        </p:txBody>
-      </p:sp>
-      <p:sp>
-        <p:nvSpPr>
-          <p:cNvPr id="102" name="CustomShape 2"/>
+              <a:t>Adding Interactivity (2/2) : Button</a:t>
+            </a:r>
+            <a:endParaRPr b="0" lang="en-US" sz="1800" spc="-1" strike="noStrike">
+              <a:solidFill>
+                <a:srgbClr val="000000"/>
+              </a:solidFill>
+              <a:uFill>
+                <a:solidFill>
+                  <a:srgbClr val="ffffff"/>
+                </a:solidFill>
+              </a:uFill>
+              <a:latin typeface="Arial"/>
+            </a:endParaRPr>
+          </a:p>
+        </p:txBody>
+      </p:sp>
+      <p:sp>
+        <p:nvSpPr>
+          <p:cNvPr id="104" name="CustomShape 2"/>
           <p:cNvSpPr/>
           <p:nvPr/>
         </p:nvSpPr>
         <p:spPr>
           <a:xfrm>
             <a:off x="495360" y="1589040"/>
-            <a:ext cx="10733760" cy="3289320"/>
+            <a:ext cx="10733400" cy="4477680"/>
           </a:xfrm>
           <a:prstGeom prst="rect">
             <a:avLst/>
@@ -6886,7 +7133,7 @@
         <p:txBody>
           <a:bodyPr lIns="90000" rIns="90000" tIns="45000" bIns="45000"/>
           <a:p>
-            <a:pPr marL="285840" indent="-284760">
+            <a:pPr marL="285840" indent="-284400">
               <a:lnSpc>
                 <a:spcPct val="100000"/>
               </a:lnSpc>
@@ -6909,22 +7156,22 @@
                 <a:latin typeface="Calibri"/>
                 <a:ea typeface="DejaVu Sans"/>
               </a:rPr>
-              <a:t>Use of ID in xml file to give views unique id. (unique in same file)</a:t>
-            </a:r>
-            <a:endParaRPr b="0" lang="en-US" sz="1800" spc="-1" strike="noStrike">
-              <a:solidFill>
-                <a:srgbClr val="000000"/>
-              </a:solidFill>
-              <a:uFill>
-                <a:solidFill>
-                  <a:srgbClr val="ffffff"/>
-                </a:solidFill>
-              </a:uFill>
-              <a:latin typeface="Arial"/>
-            </a:endParaRPr>
-          </a:p>
-          <a:p>
-            <a:pPr marL="285840" indent="-284760">
+              <a:t>OnClick events.</a:t>
+            </a:r>
+            <a:endParaRPr b="0" lang="en-US" sz="1800" spc="-1" strike="noStrike">
+              <a:solidFill>
+                <a:srgbClr val="000000"/>
+              </a:solidFill>
+              <a:uFill>
+                <a:solidFill>
+                  <a:srgbClr val="ffffff"/>
+                </a:solidFill>
+              </a:uFill>
+              <a:latin typeface="Arial"/>
+            </a:endParaRPr>
+          </a:p>
+          <a:p>
+            <a:pPr marL="285840" indent="-284400">
               <a:lnSpc>
                 <a:spcPct val="100000"/>
               </a:lnSpc>
@@ -6947,22 +7194,22 @@
                 <a:latin typeface="Calibri"/>
                 <a:ea typeface="DejaVu Sans"/>
               </a:rPr>
-              <a:t>Main Activity setContentView method</a:t>
-            </a:r>
-            <a:endParaRPr b="0" lang="en-US" sz="1800" spc="-1" strike="noStrike">
-              <a:solidFill>
-                <a:srgbClr val="000000"/>
-              </a:solidFill>
-              <a:uFill>
-                <a:solidFill>
-                  <a:srgbClr val="ffffff"/>
-                </a:solidFill>
-              </a:uFill>
-              <a:latin typeface="Arial"/>
-            </a:endParaRPr>
-          </a:p>
-          <a:p>
-            <a:pPr marL="285840" indent="-284760">
+              <a:t>Adding new View : Button</a:t>
+            </a:r>
+            <a:endParaRPr b="0" lang="en-US" sz="1800" spc="-1" strike="noStrike">
+              <a:solidFill>
+                <a:srgbClr val="000000"/>
+              </a:solidFill>
+              <a:uFill>
+                <a:solidFill>
+                  <a:srgbClr val="ffffff"/>
+                </a:solidFill>
+              </a:uFill>
+              <a:latin typeface="Arial"/>
+            </a:endParaRPr>
+          </a:p>
+          <a:p>
+            <a:pPr marL="285840" indent="-284400">
               <a:lnSpc>
                 <a:spcPct val="100000"/>
               </a:lnSpc>
@@ -6985,22 +7232,22 @@
                 <a:latin typeface="Calibri"/>
                 <a:ea typeface="DejaVu Sans"/>
               </a:rPr>
-              <a:t>Add id to TextView.</a:t>
-            </a:r>
-            <a:endParaRPr b="0" lang="en-US" sz="1800" spc="-1" strike="noStrike">
-              <a:solidFill>
-                <a:srgbClr val="000000"/>
-              </a:solidFill>
-              <a:uFill>
-                <a:solidFill>
-                  <a:srgbClr val="ffffff"/>
-                </a:solidFill>
-              </a:uFill>
-              <a:latin typeface="Arial"/>
-            </a:endParaRPr>
-          </a:p>
-          <a:p>
-            <a:pPr marL="285840" indent="-284760">
+              <a:t>XML Attributes</a:t>
+            </a:r>
+            <a:endParaRPr b="0" lang="en-US" sz="1800" spc="-1" strike="noStrike">
+              <a:solidFill>
+                <a:srgbClr val="000000"/>
+              </a:solidFill>
+              <a:uFill>
+                <a:solidFill>
+                  <a:srgbClr val="ffffff"/>
+                </a:solidFill>
+              </a:uFill>
+              <a:latin typeface="Arial"/>
+            </a:endParaRPr>
+          </a:p>
+          <a:p>
+            <a:pPr marL="285840" indent="-284400">
               <a:lnSpc>
                 <a:spcPct val="100000"/>
               </a:lnSpc>
@@ -7038,7 +7285,7 @@
             </a:endParaRPr>
           </a:p>
           <a:p>
-            <a:pPr marL="285840" indent="-284760">
+            <a:pPr marL="285840" indent="-284400">
               <a:lnSpc>
                 <a:spcPct val="100000"/>
               </a:lnSpc>
@@ -7076,7 +7323,7 @@
             </a:endParaRPr>
           </a:p>
           <a:p>
-            <a:pPr marL="285840" indent="-284760">
+            <a:pPr marL="285840" indent="-284400">
               <a:lnSpc>
                 <a:spcPct val="100000"/>
               </a:lnSpc>
@@ -7099,22 +7346,22 @@
                 <a:latin typeface="Calibri"/>
                 <a:ea typeface="DejaVu Sans"/>
               </a:rPr>
-              <a:t>Use setText() method to change text.</a:t>
-            </a:r>
-            <a:endParaRPr b="0" lang="en-US" sz="1800" spc="-1" strike="noStrike">
-              <a:solidFill>
-                <a:srgbClr val="000000"/>
-              </a:solidFill>
-              <a:uFill>
-                <a:solidFill>
-                  <a:srgbClr val="ffffff"/>
-                </a:solidFill>
-              </a:uFill>
-              <a:latin typeface="Arial"/>
-            </a:endParaRPr>
-          </a:p>
-          <a:p>
-            <a:pPr marL="285840" indent="-284760">
+              <a:t>Adding onClick event using onClickListener</a:t>
+            </a:r>
+            <a:endParaRPr b="0" lang="en-US" sz="1800" spc="-1" strike="noStrike">
+              <a:solidFill>
+                <a:srgbClr val="000000"/>
+              </a:solidFill>
+              <a:uFill>
+                <a:solidFill>
+                  <a:srgbClr val="ffffff"/>
+                </a:solidFill>
+              </a:uFill>
+              <a:latin typeface="Arial"/>
+            </a:endParaRPr>
+          </a:p>
+          <a:p>
+            <a:pPr marL="285840" indent="-284400">
               <a:lnSpc>
                 <a:spcPct val="100000"/>
               </a:lnSpc>
@@ -7137,10 +7384,33 @@
                 <a:latin typeface="Calibri"/>
                 <a:ea typeface="DejaVu Sans"/>
               </a:rPr>
-              <a:t>OnCreate code is executed when Activity is</a:t>
-            </a:r>
-            <a:r>
-              <a:rPr b="1" lang="en-US" sz="2400" spc="-1" strike="noStrike">
+              <a:t>Change text of the TextView when button is clicked.</a:t>
+            </a:r>
+            <a:endParaRPr b="0" lang="en-US" sz="1800" spc="-1" strike="noStrike">
+              <a:solidFill>
+                <a:srgbClr val="000000"/>
+              </a:solidFill>
+              <a:uFill>
+                <a:solidFill>
+                  <a:srgbClr val="ffffff"/>
+                </a:solidFill>
+              </a:uFill>
+              <a:latin typeface="Arial"/>
+            </a:endParaRPr>
+          </a:p>
+          <a:p>
+            <a:pPr marL="285840" indent="-284400">
+              <a:lnSpc>
+                <a:spcPct val="100000"/>
+              </a:lnSpc>
+              <a:buClr>
+                <a:srgbClr val="000000"/>
+              </a:buClr>
+              <a:buFont typeface="Arial"/>
+              <a:buChar char="•"/>
+            </a:pPr>
+            <a:r>
+              <a:rPr b="0" lang="en-US" sz="2400" spc="-1" strike="noStrike">
                 <a:solidFill>
                   <a:srgbClr val="000000"/>
                 </a:solidFill>
@@ -7152,26 +7422,170 @@
                 <a:latin typeface="Calibri"/>
                 <a:ea typeface="DejaVu Sans"/>
               </a:rPr>
-              <a:t> being created.</a:t>
-            </a:r>
-            <a:endParaRPr b="0" lang="en-US" sz="1800" spc="-1" strike="noStrike">
-              <a:solidFill>
-                <a:srgbClr val="000000"/>
-              </a:solidFill>
-              <a:uFill>
-                <a:solidFill>
-                  <a:srgbClr val="ffffff"/>
-                </a:solidFill>
-              </a:uFill>
-              <a:latin typeface="Arial"/>
-            </a:endParaRPr>
-          </a:p>
-          <a:p>
-            <a:pPr>
+              <a:t>The onClick implementation:</a:t>
+            </a:r>
+            <a:endParaRPr b="0" lang="en-US" sz="1800" spc="-1" strike="noStrike">
+              <a:solidFill>
+                <a:srgbClr val="000000"/>
+              </a:solidFill>
+              <a:uFill>
+                <a:solidFill>
+                  <a:srgbClr val="ffffff"/>
+                </a:solidFill>
+              </a:uFill>
+              <a:latin typeface="Arial"/>
+            </a:endParaRPr>
+          </a:p>
+          <a:p>
+            <a:pPr lvl="4" marL="1080000" indent="-214920">
               <a:lnSpc>
                 <a:spcPct val="100000"/>
               </a:lnSpc>
-            </a:pPr>
+              <a:buClr>
+                <a:srgbClr val="000000"/>
+              </a:buClr>
+              <a:buSzPct val="45000"/>
+              <a:buFont typeface="Wingdings" charset="2"/>
+              <a:buChar char=""/>
+            </a:pPr>
+            <a:r>
+              <a:rPr b="0" lang="en-US" sz="2400" spc="-1" strike="noStrike">
+                <a:solidFill>
+                  <a:srgbClr val="000000"/>
+                </a:solidFill>
+                <a:uFill>
+                  <a:solidFill>
+                    <a:srgbClr val="ffffff"/>
+                  </a:solidFill>
+                </a:uFill>
+                <a:latin typeface="Calibri"/>
+                <a:ea typeface="DejaVu Sans"/>
+              </a:rPr>
+              <a:t> </a:t>
+            </a:r>
+            <a:r>
+              <a:rPr b="0" lang="en-US" sz="2400" spc="-1" strike="noStrike">
+                <a:solidFill>
+                  <a:srgbClr val="000000"/>
+                </a:solidFill>
+                <a:uFill>
+                  <a:solidFill>
+                    <a:srgbClr val="ffffff"/>
+                  </a:solidFill>
+                </a:uFill>
+                <a:latin typeface="Calibri"/>
+                <a:ea typeface="DejaVu Sans"/>
+              </a:rPr>
+              <a:t>Anonymous Class</a:t>
+            </a:r>
+            <a:endParaRPr b="0" lang="en-US" sz="1800" spc="-1" strike="noStrike">
+              <a:solidFill>
+                <a:srgbClr val="000000"/>
+              </a:solidFill>
+              <a:uFill>
+                <a:solidFill>
+                  <a:srgbClr val="ffffff"/>
+                </a:solidFill>
+              </a:uFill>
+              <a:latin typeface="Arial"/>
+            </a:endParaRPr>
+          </a:p>
+          <a:p>
+            <a:pPr lvl="4" marL="1080000" indent="-214920">
+              <a:lnSpc>
+                <a:spcPct val="100000"/>
+              </a:lnSpc>
+              <a:buClr>
+                <a:srgbClr val="000000"/>
+              </a:buClr>
+              <a:buSzPct val="45000"/>
+              <a:buFont typeface="Wingdings" charset="2"/>
+              <a:buChar char=""/>
+            </a:pPr>
+            <a:r>
+              <a:rPr b="0" lang="en-US" sz="2400" spc="-1" strike="noStrike">
+                <a:solidFill>
+                  <a:srgbClr val="000000"/>
+                </a:solidFill>
+                <a:uFill>
+                  <a:solidFill>
+                    <a:srgbClr val="ffffff"/>
+                  </a:solidFill>
+                </a:uFill>
+                <a:latin typeface="Calibri"/>
+                <a:ea typeface="DejaVu Sans"/>
+              </a:rPr>
+              <a:t> </a:t>
+            </a:r>
+            <a:r>
+              <a:rPr b="0" lang="en-US" sz="2400" spc="-1" strike="noStrike">
+                <a:solidFill>
+                  <a:srgbClr val="000000"/>
+                </a:solidFill>
+                <a:uFill>
+                  <a:solidFill>
+                    <a:srgbClr val="ffffff"/>
+                  </a:solidFill>
+                </a:uFill>
+                <a:latin typeface="Calibri"/>
+                <a:ea typeface="DejaVu Sans"/>
+              </a:rPr>
+              <a:t>Instance object</a:t>
+            </a:r>
+            <a:endParaRPr b="0" lang="en-US" sz="1800" spc="-1" strike="noStrike">
+              <a:solidFill>
+                <a:srgbClr val="000000"/>
+              </a:solidFill>
+              <a:uFill>
+                <a:solidFill>
+                  <a:srgbClr val="ffffff"/>
+                </a:solidFill>
+              </a:uFill>
+              <a:latin typeface="Arial"/>
+            </a:endParaRPr>
+          </a:p>
+          <a:p>
+            <a:pPr lvl="4" marL="1080000" indent="-214920">
+              <a:lnSpc>
+                <a:spcPct val="100000"/>
+              </a:lnSpc>
+              <a:buClr>
+                <a:srgbClr val="000000"/>
+              </a:buClr>
+              <a:buSzPct val="45000"/>
+              <a:buFont typeface="Wingdings" charset="2"/>
+              <a:buChar char=""/>
+            </a:pPr>
+            <a:r>
+              <a:rPr b="0" lang="en-US" sz="2400" spc="-1" strike="noStrike">
+                <a:solidFill>
+                  <a:srgbClr val="000000"/>
+                </a:solidFill>
+                <a:uFill>
+                  <a:solidFill>
+                    <a:srgbClr val="ffffff"/>
+                  </a:solidFill>
+                </a:uFill>
+                <a:latin typeface="Calibri"/>
+                <a:ea typeface="DejaVu Sans"/>
+              </a:rPr>
+              <a:t> </a:t>
+            </a:r>
+            <a:r>
+              <a:rPr b="0" lang="en-US" sz="2400" spc="-1" strike="noStrike">
+                <a:solidFill>
+                  <a:srgbClr val="000000"/>
+                </a:solidFill>
+                <a:uFill>
+                  <a:solidFill>
+                    <a:srgbClr val="ffffff"/>
+                  </a:solidFill>
+                </a:uFill>
+                <a:latin typeface="Calibri"/>
+                <a:ea typeface="DejaVu Sans"/>
+              </a:rPr>
+              <a:t>Implement interface in Activity</a:t>
+            </a:r>
             <a:endParaRPr b="0" lang="en-US" sz="1800" spc="-1" strike="noStrike">
               <a:solidFill>
                 <a:srgbClr val="000000"/>
@@ -7237,14 +7651,14 @@
       </p:grpSpPr>
       <p:sp>
         <p:nvSpPr>
-          <p:cNvPr id="103" name="CustomShape 1"/>
+          <p:cNvPr id="105" name="CustomShape 1"/>
           <p:cNvSpPr/>
           <p:nvPr/>
         </p:nvSpPr>
         <p:spPr>
           <a:xfrm>
             <a:off x="562320" y="266760"/>
-            <a:ext cx="10514520" cy="1324440"/>
+            <a:ext cx="10514160" cy="1324080"/>
           </a:xfrm>
           <a:prstGeom prst="rect">
             <a:avLst/>
@@ -7281,32 +7695,32 @@
                 <a:latin typeface="Calibri Light"/>
                 <a:ea typeface="DejaVu Sans"/>
               </a:rPr>
-              <a:t>Adding Interactivity (2/2) : Button</a:t>
-            </a:r>
-            <a:endParaRPr b="0" lang="en-US" sz="1800" spc="-1" strike="noStrike">
-              <a:solidFill>
-                <a:srgbClr val="000000"/>
-              </a:solidFill>
-              <a:uFill>
-                <a:solidFill>
-                  <a:srgbClr val="ffffff"/>
-                </a:solidFill>
-              </a:uFill>
-              <a:latin typeface="Arial"/>
-            </a:endParaRPr>
-          </a:p>
-        </p:txBody>
-      </p:sp>
-      <p:sp>
-        <p:nvSpPr>
-          <p:cNvPr id="104" name="CustomShape 2"/>
+              <a:t>Running the app</a:t>
+            </a:r>
+            <a:endParaRPr b="0" lang="en-US" sz="1800" spc="-1" strike="noStrike">
+              <a:solidFill>
+                <a:srgbClr val="000000"/>
+              </a:solidFill>
+              <a:uFill>
+                <a:solidFill>
+                  <a:srgbClr val="ffffff"/>
+                </a:solidFill>
+              </a:uFill>
+              <a:latin typeface="Arial"/>
+            </a:endParaRPr>
+          </a:p>
+        </p:txBody>
+      </p:sp>
+      <p:sp>
+        <p:nvSpPr>
+          <p:cNvPr id="106" name="CustomShape 2"/>
           <p:cNvSpPr/>
           <p:nvPr/>
         </p:nvSpPr>
         <p:spPr>
           <a:xfrm>
             <a:off x="495360" y="1589040"/>
-            <a:ext cx="10733760" cy="4478040"/>
+            <a:ext cx="10733400" cy="5575680"/>
           </a:xfrm>
           <a:prstGeom prst="rect">
             <a:avLst/>
@@ -7325,7 +7739,7 @@
         <p:txBody>
           <a:bodyPr lIns="90000" rIns="90000" tIns="45000" bIns="45000"/>
           <a:p>
-            <a:pPr marL="285840" indent="-284760">
+            <a:pPr marL="285840" indent="-284400">
               <a:lnSpc>
                 <a:spcPct val="100000"/>
               </a:lnSpc>
@@ -7348,22 +7762,22 @@
                 <a:latin typeface="Calibri"/>
                 <a:ea typeface="DejaVu Sans"/>
               </a:rPr>
-              <a:t>OnClick events.</a:t>
-            </a:r>
-            <a:endParaRPr b="0" lang="en-US" sz="1800" spc="-1" strike="noStrike">
-              <a:solidFill>
-                <a:srgbClr val="000000"/>
-              </a:solidFill>
-              <a:uFill>
-                <a:solidFill>
-                  <a:srgbClr val="ffffff"/>
-                </a:solidFill>
-              </a:uFill>
-              <a:latin typeface="Arial"/>
-            </a:endParaRPr>
-          </a:p>
-          <a:p>
-            <a:pPr marL="285840" indent="-284760">
+              <a:t>SDK Requirements</a:t>
+            </a:r>
+            <a:endParaRPr b="0" lang="en-US" sz="1800" spc="-1" strike="noStrike">
+              <a:solidFill>
+                <a:srgbClr val="000000"/>
+              </a:solidFill>
+              <a:uFill>
+                <a:solidFill>
+                  <a:srgbClr val="ffffff"/>
+                </a:solidFill>
+              </a:uFill>
+              <a:latin typeface="Arial"/>
+            </a:endParaRPr>
+          </a:p>
+          <a:p>
+            <a:pPr marL="285840" indent="-284400">
               <a:lnSpc>
                 <a:spcPct val="100000"/>
               </a:lnSpc>
@@ -7386,22 +7800,22 @@
                 <a:latin typeface="Calibri"/>
                 <a:ea typeface="DejaVu Sans"/>
               </a:rPr>
-              <a:t>Adding new View : Button</a:t>
-            </a:r>
-            <a:endParaRPr b="0" lang="en-US" sz="1800" spc="-1" strike="noStrike">
-              <a:solidFill>
-                <a:srgbClr val="000000"/>
-              </a:solidFill>
-              <a:uFill>
-                <a:solidFill>
-                  <a:srgbClr val="ffffff"/>
-                </a:solidFill>
-              </a:uFill>
-              <a:latin typeface="Arial"/>
-            </a:endParaRPr>
-          </a:p>
-          <a:p>
-            <a:pPr marL="285840" indent="-284760">
+              <a:t>Running on Emulator</a:t>
+            </a:r>
+            <a:endParaRPr b="0" lang="en-US" sz="1800" spc="-1" strike="noStrike">
+              <a:solidFill>
+                <a:srgbClr val="000000"/>
+              </a:solidFill>
+              <a:uFill>
+                <a:solidFill>
+                  <a:srgbClr val="ffffff"/>
+                </a:solidFill>
+              </a:uFill>
+              <a:latin typeface="Arial"/>
+            </a:endParaRPr>
+          </a:p>
+          <a:p>
+            <a:pPr lvl="1" marL="743040" indent="-284400">
               <a:lnSpc>
                 <a:spcPct val="100000"/>
               </a:lnSpc>
@@ -7424,22 +7838,22 @@
                 <a:latin typeface="Calibri"/>
                 <a:ea typeface="DejaVu Sans"/>
               </a:rPr>
-              <a:t>XML Attributes</a:t>
-            </a:r>
-            <a:endParaRPr b="0" lang="en-US" sz="1800" spc="-1" strike="noStrike">
-              <a:solidFill>
-                <a:srgbClr val="000000"/>
-              </a:solidFill>
-              <a:uFill>
-                <a:solidFill>
-                  <a:srgbClr val="ffffff"/>
-                </a:solidFill>
-              </a:uFill>
-              <a:latin typeface="Arial"/>
-            </a:endParaRPr>
-          </a:p>
-          <a:p>
-            <a:pPr marL="285840" indent="-284760">
+              <a:t>Using AVD Manager.</a:t>
+            </a:r>
+            <a:endParaRPr b="0" lang="en-US" sz="1800" spc="-1" strike="noStrike">
+              <a:solidFill>
+                <a:srgbClr val="000000"/>
+              </a:solidFill>
+              <a:uFill>
+                <a:solidFill>
+                  <a:srgbClr val="ffffff"/>
+                </a:solidFill>
+              </a:uFill>
+              <a:latin typeface="Arial"/>
+            </a:endParaRPr>
+          </a:p>
+          <a:p>
+            <a:pPr lvl="2" marL="1200240" indent="-284400">
               <a:lnSpc>
                 <a:spcPct val="100000"/>
               </a:lnSpc>
@@ -7462,22 +7876,22 @@
                 <a:latin typeface="Calibri"/>
                 <a:ea typeface="DejaVu Sans"/>
               </a:rPr>
-              <a:t>Create TextView object in java code.</a:t>
-            </a:r>
-            <a:endParaRPr b="0" lang="en-US" sz="1800" spc="-1" strike="noStrike">
-              <a:solidFill>
-                <a:srgbClr val="000000"/>
-              </a:solidFill>
-              <a:uFill>
-                <a:solidFill>
-                  <a:srgbClr val="ffffff"/>
-                </a:solidFill>
-              </a:uFill>
-              <a:latin typeface="Arial"/>
-            </a:endParaRPr>
-          </a:p>
-          <a:p>
-            <a:pPr marL="285840" indent="-284760">
+              <a:t>Open AVD</a:t>
+            </a:r>
+            <a:endParaRPr b="0" lang="en-US" sz="1800" spc="-1" strike="noStrike">
+              <a:solidFill>
+                <a:srgbClr val="000000"/>
+              </a:solidFill>
+              <a:uFill>
+                <a:solidFill>
+                  <a:srgbClr val="ffffff"/>
+                </a:solidFill>
+              </a:uFill>
+              <a:latin typeface="Arial"/>
+            </a:endParaRPr>
+          </a:p>
+          <a:p>
+            <a:pPr lvl="2" marL="1200240" indent="-284400">
               <a:lnSpc>
                 <a:spcPct val="100000"/>
               </a:lnSpc>
@@ -7500,22 +7914,22 @@
                 <a:latin typeface="Calibri"/>
                 <a:ea typeface="DejaVu Sans"/>
               </a:rPr>
-              <a:t>Use findViewById() method to access TextView reference that is displayed on the screen.</a:t>
-            </a:r>
-            <a:endParaRPr b="0" lang="en-US" sz="1800" spc="-1" strike="noStrike">
-              <a:solidFill>
-                <a:srgbClr val="000000"/>
-              </a:solidFill>
-              <a:uFill>
-                <a:solidFill>
-                  <a:srgbClr val="ffffff"/>
-                </a:solidFill>
-              </a:uFill>
-              <a:latin typeface="Arial"/>
-            </a:endParaRPr>
-          </a:p>
-          <a:p>
-            <a:pPr marL="285840" indent="-284760">
+              <a:t>Select Create New  device</a:t>
+            </a:r>
+            <a:endParaRPr b="0" lang="en-US" sz="1800" spc="-1" strike="noStrike">
+              <a:solidFill>
+                <a:srgbClr val="000000"/>
+              </a:solidFill>
+              <a:uFill>
+                <a:solidFill>
+                  <a:srgbClr val="ffffff"/>
+                </a:solidFill>
+              </a:uFill>
+              <a:latin typeface="Arial"/>
+            </a:endParaRPr>
+          </a:p>
+          <a:p>
+            <a:pPr lvl="2" marL="1200240" indent="-284400">
               <a:lnSpc>
                 <a:spcPct val="100000"/>
               </a:lnSpc>
@@ -7538,22 +7952,22 @@
                 <a:latin typeface="Calibri"/>
                 <a:ea typeface="DejaVu Sans"/>
               </a:rPr>
-              <a:t>Adding onClick event using onClickListener</a:t>
-            </a:r>
-            <a:endParaRPr b="0" lang="en-US" sz="1800" spc="-1" strike="noStrike">
-              <a:solidFill>
-                <a:srgbClr val="000000"/>
-              </a:solidFill>
-              <a:uFill>
-                <a:solidFill>
-                  <a:srgbClr val="ffffff"/>
-                </a:solidFill>
-              </a:uFill>
-              <a:latin typeface="Arial"/>
-            </a:endParaRPr>
-          </a:p>
-          <a:p>
-            <a:pPr marL="285840" indent="-284760">
+              <a:t>Select Resolution</a:t>
+            </a:r>
+            <a:endParaRPr b="0" lang="en-US" sz="1800" spc="-1" strike="noStrike">
+              <a:solidFill>
+                <a:srgbClr val="000000"/>
+              </a:solidFill>
+              <a:uFill>
+                <a:solidFill>
+                  <a:srgbClr val="ffffff"/>
+                </a:solidFill>
+              </a:uFill>
+              <a:latin typeface="Arial"/>
+            </a:endParaRPr>
+          </a:p>
+          <a:p>
+            <a:pPr lvl="2" marL="1200240" indent="-284400">
               <a:lnSpc>
                 <a:spcPct val="100000"/>
               </a:lnSpc>
@@ -7576,22 +7990,22 @@
                 <a:latin typeface="Calibri"/>
                 <a:ea typeface="DejaVu Sans"/>
               </a:rPr>
-              <a:t>Change text of the TextView when button is clicked.</a:t>
-            </a:r>
-            <a:endParaRPr b="0" lang="en-US" sz="1800" spc="-1" strike="noStrike">
-              <a:solidFill>
-                <a:srgbClr val="000000"/>
-              </a:solidFill>
-              <a:uFill>
-                <a:solidFill>
-                  <a:srgbClr val="ffffff"/>
-                </a:solidFill>
-              </a:uFill>
-              <a:latin typeface="Arial"/>
-            </a:endParaRPr>
-          </a:p>
-          <a:p>
-            <a:pPr marL="285840" indent="-284760">
+              <a:t>Select system image</a:t>
+            </a:r>
+            <a:endParaRPr b="0" lang="en-US" sz="1800" spc="-1" strike="noStrike">
+              <a:solidFill>
+                <a:srgbClr val="000000"/>
+              </a:solidFill>
+              <a:uFill>
+                <a:solidFill>
+                  <a:srgbClr val="ffffff"/>
+                </a:solidFill>
+              </a:uFill>
+              <a:latin typeface="Arial"/>
+            </a:endParaRPr>
+          </a:p>
+          <a:p>
+            <a:pPr lvl="2" marL="1200240" indent="-284400">
               <a:lnSpc>
                 <a:spcPct val="100000"/>
               </a:lnSpc>
@@ -7614,31 +8028,48 @@
                 <a:latin typeface="Calibri"/>
                 <a:ea typeface="DejaVu Sans"/>
               </a:rPr>
-              <a:t>The onClick implementation:</a:t>
-            </a:r>
-            <a:endParaRPr b="0" lang="en-US" sz="1800" spc="-1" strike="noStrike">
-              <a:solidFill>
-                <a:srgbClr val="000000"/>
-              </a:solidFill>
-              <a:uFill>
-                <a:solidFill>
-                  <a:srgbClr val="ffffff"/>
-                </a:solidFill>
-              </a:uFill>
-              <a:latin typeface="Arial"/>
-            </a:endParaRPr>
-          </a:p>
-          <a:p>
-            <a:pPr lvl="4" marL="1080000" indent="-215280">
+              <a:t>Click finish</a:t>
+            </a:r>
+            <a:endParaRPr b="0" lang="en-US" sz="1800" spc="-1" strike="noStrike">
+              <a:solidFill>
+                <a:srgbClr val="000000"/>
+              </a:solidFill>
+              <a:uFill>
+                <a:solidFill>
+                  <a:srgbClr val="ffffff"/>
+                </a:solidFill>
+              </a:uFill>
+              <a:latin typeface="Arial"/>
+            </a:endParaRPr>
+          </a:p>
+          <a:p>
+            <a:pPr>
               <a:lnSpc>
                 <a:spcPct val="100000"/>
               </a:lnSpc>
+            </a:pPr>
+            <a:endParaRPr b="0" lang="en-US" sz="1800" spc="-1" strike="noStrike">
+              <a:solidFill>
+                <a:srgbClr val="000000"/>
+              </a:solidFill>
+              <a:uFill>
+                <a:solidFill>
+                  <a:srgbClr val="ffffff"/>
+                </a:solidFill>
+              </a:uFill>
+              <a:latin typeface="Arial"/>
+            </a:endParaRPr>
+          </a:p>
+          <a:p>
+            <a:pPr marL="285840" indent="-284400">
+              <a:lnSpc>
+                <a:spcPct val="100000"/>
+              </a:lnSpc>
               <a:buClr>
                 <a:srgbClr val="000000"/>
               </a:buClr>
-              <a:buSzPct val="45000"/>
-              <a:buFont typeface="Wingdings" charset="2"/>
-              <a:buChar char=""/>
+              <a:buFont typeface="Arial"/>
+              <a:buChar char="•"/>
             </a:pPr>
             <a:r>
               <a:rPr b="0" lang="en-US" sz="2400" spc="-1" strike="noStrike">
@@ -7653,8 +8084,31 @@
                 <a:latin typeface="Calibri"/>
                 <a:ea typeface="DejaVu Sans"/>
               </a:rPr>
-              <a:t> </a:t>
-            </a:r>
+              <a:t>Running on device</a:t>
+            </a:r>
+            <a:endParaRPr b="0" lang="en-US" sz="1800" spc="-1" strike="noStrike">
+              <a:solidFill>
+                <a:srgbClr val="000000"/>
+              </a:solidFill>
+              <a:uFill>
+                <a:solidFill>
+                  <a:srgbClr val="ffffff"/>
+                </a:solidFill>
+              </a:uFill>
+              <a:latin typeface="Arial"/>
+            </a:endParaRPr>
+          </a:p>
+          <a:p>
+            <a:pPr lvl="1" marL="800280" indent="-341640">
+              <a:lnSpc>
+                <a:spcPct val="100000"/>
+              </a:lnSpc>
+              <a:buClr>
+                <a:srgbClr val="000000"/>
+              </a:buClr>
+              <a:buFont typeface="Arial"/>
+              <a:buChar char="•"/>
+            </a:pPr>
             <a:r>
               <a:rPr b="0" lang="en-US" sz="2400" spc="-1" strike="noStrike">
                 <a:solidFill>
@@ -7668,31 +8122,30 @@
                 <a:latin typeface="Calibri"/>
                 <a:ea typeface="DejaVu Sans"/>
               </a:rPr>
-              <a:t>Anonymous Class</a:t>
-            </a:r>
-            <a:endParaRPr b="0" lang="en-US" sz="1800" spc="-1" strike="noStrike">
-              <a:solidFill>
-                <a:srgbClr val="000000"/>
-              </a:solidFill>
-              <a:uFill>
-                <a:solidFill>
-                  <a:srgbClr val="ffffff"/>
-                </a:solidFill>
-              </a:uFill>
-              <a:latin typeface="Arial"/>
-            </a:endParaRPr>
-          </a:p>
-          <a:p>
-            <a:pPr lvl="4" marL="1080000" indent="-215280">
+              <a:t>USB debugging feature.</a:t>
+            </a:r>
+            <a:endParaRPr b="0" lang="en-US" sz="1800" spc="-1" strike="noStrike">
+              <a:solidFill>
+                <a:srgbClr val="000000"/>
+              </a:solidFill>
+              <a:uFill>
+                <a:solidFill>
+                  <a:srgbClr val="ffffff"/>
+                </a:solidFill>
+              </a:uFill>
+              <a:latin typeface="Arial"/>
+            </a:endParaRPr>
+          </a:p>
+          <a:p>
+            <a:pPr lvl="1" marL="800280" indent="-341640">
               <a:lnSpc>
                 <a:spcPct val="100000"/>
               </a:lnSpc>
               <a:buClr>
                 <a:srgbClr val="000000"/>
               </a:buClr>
-              <a:buSzPct val="45000"/>
-              <a:buFont typeface="Wingdings" charset="2"/>
-              <a:buChar char=""/>
+              <a:buFont typeface="Arial"/>
+              <a:buChar char="•"/>
             </a:pPr>
             <a:r>
               <a:rPr b="0" lang="en-US" sz="2400" spc="-1" strike="noStrike">
@@ -7707,7 +8160,22 @@
                 <a:latin typeface="Calibri"/>
                 <a:ea typeface="DejaVu Sans"/>
               </a:rPr>
-              <a:t> </a:t>
+              <a:t>Goto Settings -&gt; About Device -&gt; Click on </a:t>
+            </a:r>
+            <a:r>
+              <a:rPr b="1" lang="en-US" sz="2400" spc="-1" strike="noStrike">
+                <a:solidFill>
+                  <a:srgbClr val="000000"/>
+                </a:solidFill>
+                <a:uFill>
+                  <a:solidFill>
+                    <a:srgbClr val="ffffff"/>
+                  </a:solidFill>
+                </a:uFill>
+                <a:latin typeface="Calibri"/>
+                <a:ea typeface="DejaVu Sans"/>
+              </a:rPr>
+              <a:t>Build Number </a:t>
             </a:r>
             <a:r>
               <a:rPr b="0" lang="en-US" sz="2400" spc="-1" strike="noStrike">
@@ -7722,62 +8190,62 @@
                 <a:latin typeface="Calibri"/>
                 <a:ea typeface="DejaVu Sans"/>
               </a:rPr>
-              <a:t>Instance object</a:t>
-            </a:r>
-            <a:endParaRPr b="0" lang="en-US" sz="1800" spc="-1" strike="noStrike">
-              <a:solidFill>
-                <a:srgbClr val="000000"/>
-              </a:solidFill>
-              <a:uFill>
-                <a:solidFill>
-                  <a:srgbClr val="ffffff"/>
-                </a:solidFill>
-              </a:uFill>
-              <a:latin typeface="Arial"/>
-            </a:endParaRPr>
-          </a:p>
-          <a:p>
-            <a:pPr lvl="4" marL="1080000" indent="-215280">
+              <a:t>9 times</a:t>
+            </a:r>
+            <a:endParaRPr b="0" lang="en-US" sz="1800" spc="-1" strike="noStrike">
+              <a:solidFill>
+                <a:srgbClr val="000000"/>
+              </a:solidFill>
+              <a:uFill>
+                <a:solidFill>
+                  <a:srgbClr val="ffffff"/>
+                </a:solidFill>
+              </a:uFill>
+              <a:latin typeface="Arial"/>
+            </a:endParaRPr>
+          </a:p>
+          <a:p>
+            <a:pPr>
               <a:lnSpc>
                 <a:spcPct val="100000"/>
               </a:lnSpc>
-              <a:buClr>
-                <a:srgbClr val="000000"/>
-              </a:buClr>
-              <a:buSzPct val="45000"/>
-              <a:buFont typeface="Wingdings" charset="2"/>
-              <a:buChar char=""/>
-            </a:pPr>
-            <a:r>
-              <a:rPr b="0" lang="en-US" sz="2400" spc="-1" strike="noStrike">
-                <a:solidFill>
-                  <a:srgbClr val="000000"/>
-                </a:solidFill>
-                <a:uFill>
-                  <a:solidFill>
-                    <a:srgbClr val="ffffff"/>
-                  </a:solidFill>
-                </a:uFill>
-                <a:latin typeface="Calibri"/>
-                <a:ea typeface="DejaVu Sans"/>
-              </a:rPr>
-              <a:t> </a:t>
-            </a:r>
-            <a:r>
-              <a:rPr b="0" lang="en-US" sz="2400" spc="-1" strike="noStrike">
-                <a:solidFill>
-                  <a:srgbClr val="000000"/>
-                </a:solidFill>
-                <a:uFill>
-                  <a:solidFill>
-                    <a:srgbClr val="ffffff"/>
-                  </a:solidFill>
-                </a:uFill>
-                <a:latin typeface="Calibri"/>
-                <a:ea typeface="DejaVu Sans"/>
-              </a:rPr>
-              <a:t>Implement interface in Activity</a:t>
-            </a:r>
+            </a:pPr>
+            <a:endParaRPr b="0" lang="en-US" sz="1800" spc="-1" strike="noStrike">
+              <a:solidFill>
+                <a:srgbClr val="000000"/>
+              </a:solidFill>
+              <a:uFill>
+                <a:solidFill>
+                  <a:srgbClr val="ffffff"/>
+                </a:solidFill>
+              </a:uFill>
+              <a:latin typeface="Arial"/>
+            </a:endParaRPr>
+          </a:p>
+          <a:p>
+            <a:pPr>
+              <a:lnSpc>
+                <a:spcPct val="100000"/>
+              </a:lnSpc>
+            </a:pPr>
+            <a:endParaRPr b="0" lang="en-US" sz="1800" spc="-1" strike="noStrike">
+              <a:solidFill>
+                <a:srgbClr val="000000"/>
+              </a:solidFill>
+              <a:uFill>
+                <a:solidFill>
+                  <a:srgbClr val="ffffff"/>
+                </a:solidFill>
+              </a:uFill>
+              <a:latin typeface="Arial"/>
+            </a:endParaRPr>
+          </a:p>
+          <a:p>
+            <a:pPr marL="457200">
+              <a:lnSpc>
+                <a:spcPct val="100000"/>
+              </a:lnSpc>
+            </a:pPr>
             <a:endParaRPr b="0" lang="en-US" sz="1800" spc="-1" strike="noStrike">
               <a:solidFill>
                 <a:srgbClr val="000000"/>
@@ -7843,14 +8311,14 @@
       </p:grpSpPr>
       <p:sp>
         <p:nvSpPr>
-          <p:cNvPr id="105" name="CustomShape 1"/>
+          <p:cNvPr id="107" name="CustomShape 1"/>
           <p:cNvSpPr/>
           <p:nvPr/>
         </p:nvSpPr>
         <p:spPr>
           <a:xfrm>
-            <a:off x="562320" y="266760"/>
-            <a:ext cx="10514520" cy="1324440"/>
+            <a:off x="701640" y="1280160"/>
+            <a:ext cx="11068920" cy="5451120"/>
           </a:xfrm>
           <a:prstGeom prst="rect">
             <a:avLst/>
@@ -7867,52 +8335,429 @@
           <a:fontRef idx="minor"/>
         </p:style>
         <p:txBody>
-          <a:bodyPr lIns="90000" rIns="90000" tIns="45000" bIns="45000" anchor="ctr"/>
-          <a:p>
-            <a:pPr>
-              <a:lnSpc>
-                <a:spcPct val="90000"/>
-              </a:lnSpc>
-            </a:pPr>
-            <a:r>
-              <a:rPr b="1" lang="en-US" sz="4800" spc="-1" strike="noStrike">
-                <a:solidFill>
-                  <a:srgbClr val="000000"/>
-                </a:solidFill>
-                <a:uFill>
-                  <a:solidFill>
-                    <a:srgbClr val="ffffff"/>
-                  </a:solidFill>
-                </a:uFill>
-                <a:latin typeface="Calibri Light"/>
-                <a:ea typeface="DejaVu Sans"/>
-              </a:rPr>
-              <a:t>Running the app</a:t>
-            </a:r>
-            <a:endParaRPr b="0" lang="en-US" sz="1800" spc="-1" strike="noStrike">
-              <a:solidFill>
-                <a:srgbClr val="000000"/>
-              </a:solidFill>
-              <a:uFill>
-                <a:solidFill>
-                  <a:srgbClr val="ffffff"/>
-                </a:solidFill>
-              </a:uFill>
-              <a:latin typeface="Arial"/>
-            </a:endParaRPr>
-          </a:p>
-        </p:txBody>
-      </p:sp>
-      <p:sp>
-        <p:nvSpPr>
-          <p:cNvPr id="106" name="CustomShape 2"/>
+          <a:bodyPr lIns="90000" rIns="90000" tIns="45000" bIns="45000"/>
+          <a:p>
+            <a:pPr marL="285840" indent="-284400">
+              <a:lnSpc>
+                <a:spcPct val="100000"/>
+              </a:lnSpc>
+              <a:buClr>
+                <a:srgbClr val="000000"/>
+              </a:buClr>
+              <a:buFont typeface="Arial"/>
+              <a:buChar char="•"/>
+            </a:pPr>
+            <a:r>
+              <a:rPr b="0" lang="en-US" sz="2200" spc="-1" strike="noStrike">
+                <a:solidFill>
+                  <a:srgbClr val="000000"/>
+                </a:solidFill>
+                <a:uFill>
+                  <a:solidFill>
+                    <a:srgbClr val="ffffff"/>
+                  </a:solidFill>
+                </a:uFill>
+                <a:latin typeface="Calibri"/>
+                <a:ea typeface="DejaVu Sans"/>
+              </a:rPr>
+              <a:t>Java is case sensitive.</a:t>
+            </a:r>
+            <a:endParaRPr b="0" lang="en-US" sz="1800" spc="-1" strike="noStrike">
+              <a:solidFill>
+                <a:srgbClr val="000000"/>
+              </a:solidFill>
+              <a:uFill>
+                <a:solidFill>
+                  <a:srgbClr val="ffffff"/>
+                </a:solidFill>
+              </a:uFill>
+              <a:latin typeface="Arial"/>
+            </a:endParaRPr>
+          </a:p>
+          <a:p>
+            <a:pPr marL="285840" indent="-284400">
+              <a:lnSpc>
+                <a:spcPct val="100000"/>
+              </a:lnSpc>
+              <a:buClr>
+                <a:srgbClr val="000000"/>
+              </a:buClr>
+              <a:buFont typeface="Arial"/>
+              <a:buChar char="•"/>
+            </a:pPr>
+            <a:r>
+              <a:rPr b="0" lang="en-US" sz="2200" spc="-1" strike="noStrike">
+                <a:solidFill>
+                  <a:srgbClr val="000000"/>
+                </a:solidFill>
+                <a:uFill>
+                  <a:solidFill>
+                    <a:srgbClr val="ffffff"/>
+                  </a:solidFill>
+                </a:uFill>
+                <a:latin typeface="Calibri"/>
+                <a:ea typeface="DejaVu Sans"/>
+              </a:rPr>
+              <a:t>For UI elements - Reference to an object that is not declared in xml, or is not inflated: NullPointerException</a:t>
+            </a:r>
+            <a:endParaRPr b="0" lang="en-US" sz="1800" spc="-1" strike="noStrike">
+              <a:solidFill>
+                <a:srgbClr val="000000"/>
+              </a:solidFill>
+              <a:uFill>
+                <a:solidFill>
+                  <a:srgbClr val="ffffff"/>
+                </a:solidFill>
+              </a:uFill>
+              <a:latin typeface="Arial"/>
+            </a:endParaRPr>
+          </a:p>
+          <a:p>
+            <a:pPr marL="285840" indent="-284400">
+              <a:lnSpc>
+                <a:spcPct val="100000"/>
+              </a:lnSpc>
+              <a:buClr>
+                <a:srgbClr val="000000"/>
+              </a:buClr>
+              <a:buFont typeface="Arial"/>
+              <a:buChar char="•"/>
+            </a:pPr>
+            <a:r>
+              <a:rPr b="0" lang="en-US" sz="2200" spc="-1" strike="noStrike">
+                <a:solidFill>
+                  <a:srgbClr val="000000"/>
+                </a:solidFill>
+                <a:uFill>
+                  <a:solidFill>
+                    <a:srgbClr val="ffffff"/>
+                  </a:solidFill>
+                </a:uFill>
+                <a:latin typeface="Calibri"/>
+                <a:ea typeface="DejaVu Sans"/>
+              </a:rPr>
+              <a:t>ClassCastException: when casting into wrong class type - e.g Button into TextView.</a:t>
+            </a:r>
+            <a:endParaRPr b="0" lang="en-US" sz="1800" spc="-1" strike="noStrike">
+              <a:solidFill>
+                <a:srgbClr val="000000"/>
+              </a:solidFill>
+              <a:uFill>
+                <a:solidFill>
+                  <a:srgbClr val="ffffff"/>
+                </a:solidFill>
+              </a:uFill>
+              <a:latin typeface="Arial"/>
+            </a:endParaRPr>
+          </a:p>
+          <a:p>
+            <a:pPr marL="285840" indent="-284400">
+              <a:lnSpc>
+                <a:spcPct val="100000"/>
+              </a:lnSpc>
+              <a:buClr>
+                <a:srgbClr val="000000"/>
+              </a:buClr>
+              <a:buFont typeface="Arial"/>
+              <a:buChar char="•"/>
+            </a:pPr>
+            <a:r>
+              <a:rPr b="0" lang="en-US" sz="2200" spc="-1" strike="noStrike">
+                <a:solidFill>
+                  <a:srgbClr val="000000"/>
+                </a:solidFill>
+                <a:uFill>
+                  <a:solidFill>
+                    <a:srgbClr val="ffffff"/>
+                  </a:solidFill>
+                </a:uFill>
+                <a:latin typeface="Calibri"/>
+                <a:ea typeface="DejaVu Sans"/>
+              </a:rPr>
+              <a:t>NumberFormatException: when input was text not number then calling </a:t>
+            </a:r>
+            <a:r>
+              <a:rPr b="0" i="1" lang="en-US" sz="2200" spc="-1" strike="noStrike">
+                <a:solidFill>
+                  <a:srgbClr val="000000"/>
+                </a:solidFill>
+                <a:uFill>
+                  <a:solidFill>
+                    <a:srgbClr val="ffffff"/>
+                  </a:solidFill>
+                </a:uFill>
+                <a:latin typeface="Calibri"/>
+                <a:ea typeface="DejaVu Sans"/>
+              </a:rPr>
+              <a:t>.parse </a:t>
+            </a:r>
+            <a:r>
+              <a:rPr b="0" lang="en-US" sz="2200" spc="-1" strike="noStrike">
+                <a:solidFill>
+                  <a:srgbClr val="000000"/>
+                </a:solidFill>
+                <a:uFill>
+                  <a:solidFill>
+                    <a:srgbClr val="ffffff"/>
+                  </a:solidFill>
+                </a:uFill>
+                <a:latin typeface="Calibri"/>
+                <a:ea typeface="DejaVu Sans"/>
+              </a:rPr>
+              <a:t>methods will result in this exception.</a:t>
+            </a:r>
+            <a:endParaRPr b="0" lang="en-US" sz="1800" spc="-1" strike="noStrike">
+              <a:solidFill>
+                <a:srgbClr val="000000"/>
+              </a:solidFill>
+              <a:uFill>
+                <a:solidFill>
+                  <a:srgbClr val="ffffff"/>
+                </a:solidFill>
+              </a:uFill>
+              <a:latin typeface="Arial"/>
+            </a:endParaRPr>
+          </a:p>
+          <a:p>
+            <a:pPr marL="285840" indent="-284400">
+              <a:lnSpc>
+                <a:spcPct val="100000"/>
+              </a:lnSpc>
+              <a:buClr>
+                <a:srgbClr val="000000"/>
+              </a:buClr>
+              <a:buFont typeface="Arial"/>
+              <a:buChar char="•"/>
+            </a:pPr>
+            <a:r>
+              <a:rPr b="0" lang="en-US" sz="2200" spc="-1" strike="noStrike">
+                <a:solidFill>
+                  <a:srgbClr val="000000"/>
+                </a:solidFill>
+                <a:uFill>
+                  <a:solidFill>
+                    <a:srgbClr val="ffffff"/>
+                  </a:solidFill>
+                </a:uFill>
+                <a:latin typeface="Calibri"/>
+                <a:ea typeface="DejaVu Sans"/>
+              </a:rPr>
+              <a:t>Security Exception: Using a feature ofwhich the permission was not declared in the  AndroidManifest.xml file.</a:t>
+            </a:r>
+            <a:endParaRPr b="0" lang="en-US" sz="1800" spc="-1" strike="noStrike">
+              <a:solidFill>
+                <a:srgbClr val="000000"/>
+              </a:solidFill>
+              <a:uFill>
+                <a:solidFill>
+                  <a:srgbClr val="ffffff"/>
+                </a:solidFill>
+              </a:uFill>
+              <a:latin typeface="Arial"/>
+            </a:endParaRPr>
+          </a:p>
+          <a:p>
+            <a:pPr marL="285840" indent="-284400">
+              <a:lnSpc>
+                <a:spcPct val="100000"/>
+              </a:lnSpc>
+              <a:buClr>
+                <a:srgbClr val="000000"/>
+              </a:buClr>
+              <a:buFont typeface="Arial"/>
+              <a:buChar char="•"/>
+            </a:pPr>
+            <a:r>
+              <a:rPr b="0" lang="en-US" sz="2200" spc="-1" strike="noStrike">
+                <a:solidFill>
+                  <a:srgbClr val="000000"/>
+                </a:solidFill>
+                <a:uFill>
+                  <a:solidFill>
+                    <a:srgbClr val="ffffff"/>
+                  </a:solidFill>
+                </a:uFill>
+                <a:latin typeface="Calibri"/>
+                <a:ea typeface="DejaVu Sans"/>
+              </a:rPr>
+              <a:t>ActivityNotFoundException: Accessing activity that was not declared, or may have been deleted.</a:t>
+            </a:r>
+            <a:endParaRPr b="0" lang="en-US" sz="1800" spc="-1" strike="noStrike">
+              <a:solidFill>
+                <a:srgbClr val="000000"/>
+              </a:solidFill>
+              <a:uFill>
+                <a:solidFill>
+                  <a:srgbClr val="ffffff"/>
+                </a:solidFill>
+              </a:uFill>
+              <a:latin typeface="Arial"/>
+            </a:endParaRPr>
+          </a:p>
+          <a:p>
+            <a:pPr marL="285840" indent="-284400">
+              <a:lnSpc>
+                <a:spcPct val="100000"/>
+              </a:lnSpc>
+              <a:buClr>
+                <a:srgbClr val="000000"/>
+              </a:buClr>
+              <a:buFont typeface="Arial"/>
+              <a:buChar char="•"/>
+            </a:pPr>
+            <a:r>
+              <a:rPr b="0" lang="en-US" sz="2200" spc="-1" strike="noStrike">
+                <a:solidFill>
+                  <a:srgbClr val="000000"/>
+                </a:solidFill>
+                <a:uFill>
+                  <a:solidFill>
+                    <a:srgbClr val="ffffff"/>
+                  </a:solidFill>
+                </a:uFill>
+                <a:latin typeface="Calibri"/>
+                <a:ea typeface="DejaVu Sans"/>
+              </a:rPr>
+              <a:t>InflateException : This exception is thrown When an error conditions are occurred during creating views.</a:t>
+            </a:r>
+            <a:endParaRPr b="0" lang="en-US" sz="1800" spc="-1" strike="noStrike">
+              <a:solidFill>
+                <a:srgbClr val="000000"/>
+              </a:solidFill>
+              <a:uFill>
+                <a:solidFill>
+                  <a:srgbClr val="ffffff"/>
+                </a:solidFill>
+              </a:uFill>
+              <a:latin typeface="Arial"/>
+            </a:endParaRPr>
+          </a:p>
+          <a:p>
+            <a:pPr marL="285840" indent="-284400">
+              <a:lnSpc>
+                <a:spcPct val="100000"/>
+              </a:lnSpc>
+              <a:buClr>
+                <a:srgbClr val="000000"/>
+              </a:buClr>
+              <a:buFont typeface="Arial"/>
+              <a:buChar char="•"/>
+            </a:pPr>
+            <a:r>
+              <a:rPr b="0" lang="en-US" sz="2200" spc="-1" strike="noStrike">
+                <a:solidFill>
+                  <a:srgbClr val="000000"/>
+                </a:solidFill>
+                <a:uFill>
+                  <a:solidFill>
+                    <a:srgbClr val="ffffff"/>
+                  </a:solidFill>
+                </a:uFill>
+                <a:latin typeface="Calibri"/>
+                <a:ea typeface="DejaVu Sans"/>
+              </a:rPr>
+              <a:t>StackOverflowError: Infinite recursion/loops.</a:t>
+            </a:r>
+            <a:endParaRPr b="0" lang="en-US" sz="1800" spc="-1" strike="noStrike">
+              <a:solidFill>
+                <a:srgbClr val="000000"/>
+              </a:solidFill>
+              <a:uFill>
+                <a:solidFill>
+                  <a:srgbClr val="ffffff"/>
+                </a:solidFill>
+              </a:uFill>
+              <a:latin typeface="Arial"/>
+            </a:endParaRPr>
+          </a:p>
+          <a:p>
+            <a:pPr marL="285840" indent="-284400">
+              <a:lnSpc>
+                <a:spcPct val="100000"/>
+              </a:lnSpc>
+              <a:buClr>
+                <a:srgbClr val="000000"/>
+              </a:buClr>
+              <a:buFont typeface="Arial"/>
+              <a:buChar char="•"/>
+            </a:pPr>
+            <a:r>
+              <a:rPr b="0" lang="en-US" sz="2200" spc="-1" strike="noStrike">
+                <a:solidFill>
+                  <a:srgbClr val="000000"/>
+                </a:solidFill>
+                <a:uFill>
+                  <a:solidFill>
+                    <a:srgbClr val="ffffff"/>
+                  </a:solidFill>
+                </a:uFill>
+                <a:latin typeface="Calibri"/>
+                <a:ea typeface="DejaVu Sans"/>
+              </a:rPr>
+              <a:t>OutOfMemoryError: Asking system to allocate more memory that was allowed.</a:t>
+            </a:r>
+            <a:endParaRPr b="0" lang="en-US" sz="1800" spc="-1" strike="noStrike">
+              <a:solidFill>
+                <a:srgbClr val="000000"/>
+              </a:solidFill>
+              <a:uFill>
+                <a:solidFill>
+                  <a:srgbClr val="ffffff"/>
+                </a:solidFill>
+              </a:uFill>
+              <a:latin typeface="Arial"/>
+            </a:endParaRPr>
+          </a:p>
+          <a:p>
+            <a:pPr marL="285840" indent="-284400">
+              <a:lnSpc>
+                <a:spcPct val="100000"/>
+              </a:lnSpc>
+              <a:buClr>
+                <a:srgbClr val="000000"/>
+              </a:buClr>
+              <a:buFont typeface="Arial"/>
+              <a:buChar char="•"/>
+            </a:pPr>
+            <a:r>
+              <a:rPr b="0" lang="en-US" sz="2200" spc="-1" strike="noStrike">
+                <a:solidFill>
+                  <a:srgbClr val="000000"/>
+                </a:solidFill>
+                <a:uFill>
+                  <a:solidFill>
+                    <a:srgbClr val="ffffff"/>
+                  </a:solidFill>
+                </a:uFill>
+                <a:latin typeface="Calibri"/>
+                <a:ea typeface="DejaVu Sans"/>
+              </a:rPr>
+              <a:t>Application Not Responding (ANR) : Mainly comes when you are making network function,or some long process.</a:t>
+            </a:r>
+            <a:endParaRPr b="0" lang="en-US" sz="1800" spc="-1" strike="noStrike">
+              <a:solidFill>
+                <a:srgbClr val="000000"/>
+              </a:solidFill>
+              <a:uFill>
+                <a:solidFill>
+                  <a:srgbClr val="ffffff"/>
+                </a:solidFill>
+              </a:uFill>
+              <a:latin typeface="Arial"/>
+            </a:endParaRPr>
+          </a:p>
+        </p:txBody>
+      </p:sp>
+      <p:sp>
+        <p:nvSpPr>
+          <p:cNvPr id="108" name="CustomShape 2"/>
           <p:cNvSpPr/>
           <p:nvPr/>
         </p:nvSpPr>
         <p:spPr>
           <a:xfrm>
-            <a:off x="495360" y="1589040"/>
-            <a:ext cx="10733760" cy="5576040"/>
+            <a:off x="562320" y="266760"/>
+            <a:ext cx="10514160" cy="1324080"/>
           </a:xfrm>
           <a:prstGeom prst="rect">
             <a:avLst/>
@@ -7929,515 +8774,28 @@
           <a:fontRef idx="minor"/>
         </p:style>
         <p:txBody>
-          <a:bodyPr lIns="90000" rIns="90000" tIns="45000" bIns="45000"/>
-          <a:p>
-            <a:pPr marL="285840" indent="-284760">
-              <a:lnSpc>
-                <a:spcPct val="100000"/>
-              </a:lnSpc>
-              <a:buClr>
-                <a:srgbClr val="000000"/>
-              </a:buClr>
-              <a:buFont typeface="Arial"/>
-              <a:buChar char="•"/>
-            </a:pPr>
-            <a:r>
-              <a:rPr b="0" lang="en-US" sz="2400" spc="-1" strike="noStrike">
-                <a:solidFill>
-                  <a:srgbClr val="000000"/>
-                </a:solidFill>
-                <a:uFill>
-                  <a:solidFill>
-                    <a:srgbClr val="ffffff"/>
-                  </a:solidFill>
-                </a:uFill>
-                <a:latin typeface="Calibri"/>
-                <a:ea typeface="DejaVu Sans"/>
-              </a:rPr>
-              <a:t>SDK Requirements</a:t>
-            </a:r>
-            <a:endParaRPr b="0" lang="en-US" sz="1800" spc="-1" strike="noStrike">
-              <a:solidFill>
-                <a:srgbClr val="000000"/>
-              </a:solidFill>
-              <a:uFill>
-                <a:solidFill>
-                  <a:srgbClr val="ffffff"/>
-                </a:solidFill>
-              </a:uFill>
-              <a:latin typeface="Arial"/>
-            </a:endParaRPr>
-          </a:p>
-          <a:p>
-            <a:pPr marL="285840" indent="-284760">
-              <a:lnSpc>
-                <a:spcPct val="100000"/>
-              </a:lnSpc>
-              <a:buClr>
-                <a:srgbClr val="000000"/>
-              </a:buClr>
-              <a:buFont typeface="Arial"/>
-              <a:buChar char="•"/>
-            </a:pPr>
-            <a:r>
-              <a:rPr b="0" lang="en-US" sz="2400" spc="-1" strike="noStrike">
-                <a:solidFill>
-                  <a:srgbClr val="000000"/>
-                </a:solidFill>
-                <a:uFill>
-                  <a:solidFill>
-                    <a:srgbClr val="ffffff"/>
-                  </a:solidFill>
-                </a:uFill>
-                <a:latin typeface="Calibri"/>
-                <a:ea typeface="DejaVu Sans"/>
-              </a:rPr>
-              <a:t>Running on Emulator</a:t>
-            </a:r>
-            <a:endParaRPr b="0" lang="en-US" sz="1800" spc="-1" strike="noStrike">
-              <a:solidFill>
-                <a:srgbClr val="000000"/>
-              </a:solidFill>
-              <a:uFill>
-                <a:solidFill>
-                  <a:srgbClr val="ffffff"/>
-                </a:solidFill>
-              </a:uFill>
-              <a:latin typeface="Arial"/>
-            </a:endParaRPr>
-          </a:p>
-          <a:p>
-            <a:pPr lvl="1" marL="743040" indent="-284760">
-              <a:lnSpc>
-                <a:spcPct val="100000"/>
-              </a:lnSpc>
-              <a:buClr>
-                <a:srgbClr val="000000"/>
-              </a:buClr>
-              <a:buFont typeface="Arial"/>
-              <a:buChar char="•"/>
-            </a:pPr>
-            <a:r>
-              <a:rPr b="0" lang="en-US" sz="2400" spc="-1" strike="noStrike">
-                <a:solidFill>
-                  <a:srgbClr val="000000"/>
-                </a:solidFill>
-                <a:uFill>
-                  <a:solidFill>
-                    <a:srgbClr val="ffffff"/>
-                  </a:solidFill>
-                </a:uFill>
-                <a:latin typeface="Calibri"/>
-                <a:ea typeface="DejaVu Sans"/>
-              </a:rPr>
-              <a:t>Using AVD Manager.</a:t>
-            </a:r>
-            <a:endParaRPr b="0" lang="en-US" sz="1800" spc="-1" strike="noStrike">
-              <a:solidFill>
-                <a:srgbClr val="000000"/>
-              </a:solidFill>
-              <a:uFill>
-                <a:solidFill>
-                  <a:srgbClr val="ffffff"/>
-                </a:solidFill>
-              </a:uFill>
-              <a:latin typeface="Arial"/>
-            </a:endParaRPr>
-          </a:p>
-          <a:p>
-            <a:pPr lvl="2" marL="1200240" indent="-284760">
-              <a:lnSpc>
-                <a:spcPct val="100000"/>
-              </a:lnSpc>
-              <a:buClr>
-                <a:srgbClr val="000000"/>
-              </a:buClr>
-              <a:buFont typeface="Arial"/>
-              <a:buChar char="•"/>
-            </a:pPr>
-            <a:r>
-              <a:rPr b="0" lang="en-US" sz="2400" spc="-1" strike="noStrike">
-                <a:solidFill>
-                  <a:srgbClr val="000000"/>
-                </a:solidFill>
-                <a:uFill>
-                  <a:solidFill>
-                    <a:srgbClr val="ffffff"/>
-                  </a:solidFill>
-                </a:uFill>
-                <a:latin typeface="Calibri"/>
-                <a:ea typeface="DejaVu Sans"/>
-              </a:rPr>
-              <a:t>Open AVD</a:t>
-            </a:r>
-            <a:endParaRPr b="0" lang="en-US" sz="1800" spc="-1" strike="noStrike">
-              <a:solidFill>
-                <a:srgbClr val="000000"/>
-              </a:solidFill>
-              <a:uFill>
-                <a:solidFill>
-                  <a:srgbClr val="ffffff"/>
-                </a:solidFill>
-              </a:uFill>
-              <a:latin typeface="Arial"/>
-            </a:endParaRPr>
-          </a:p>
-          <a:p>
-            <a:pPr lvl="2" marL="1200240" indent="-284760">
-              <a:lnSpc>
-                <a:spcPct val="100000"/>
-              </a:lnSpc>
-              <a:buClr>
-                <a:srgbClr val="000000"/>
-              </a:buClr>
-              <a:buFont typeface="Arial"/>
-              <a:buChar char="•"/>
-            </a:pPr>
-            <a:r>
-              <a:rPr b="0" lang="en-US" sz="2400" spc="-1" strike="noStrike">
-                <a:solidFill>
-                  <a:srgbClr val="000000"/>
-                </a:solidFill>
-                <a:uFill>
-                  <a:solidFill>
-                    <a:srgbClr val="ffffff"/>
-                  </a:solidFill>
-                </a:uFill>
-                <a:latin typeface="Calibri"/>
-                <a:ea typeface="DejaVu Sans"/>
-              </a:rPr>
-              <a:t>Select Create New  device</a:t>
-            </a:r>
-            <a:endParaRPr b="0" lang="en-US" sz="1800" spc="-1" strike="noStrike">
-              <a:solidFill>
-                <a:srgbClr val="000000"/>
-              </a:solidFill>
-              <a:uFill>
-                <a:solidFill>
-                  <a:srgbClr val="ffffff"/>
-                </a:solidFill>
-              </a:uFill>
-              <a:latin typeface="Arial"/>
-            </a:endParaRPr>
-          </a:p>
-          <a:p>
-            <a:pPr lvl="2" marL="1200240" indent="-284760">
-              <a:lnSpc>
-                <a:spcPct val="100000"/>
-              </a:lnSpc>
-              <a:buClr>
-                <a:srgbClr val="000000"/>
-              </a:buClr>
-              <a:buFont typeface="Arial"/>
-              <a:buChar char="•"/>
-            </a:pPr>
-            <a:r>
-              <a:rPr b="0" lang="en-US" sz="2400" spc="-1" strike="noStrike">
-                <a:solidFill>
-                  <a:srgbClr val="000000"/>
-                </a:solidFill>
-                <a:uFill>
-                  <a:solidFill>
-                    <a:srgbClr val="ffffff"/>
-                  </a:solidFill>
-                </a:uFill>
-                <a:latin typeface="Calibri"/>
-                <a:ea typeface="DejaVu Sans"/>
-              </a:rPr>
-              <a:t>Select Resolution</a:t>
-            </a:r>
-            <a:endParaRPr b="0" lang="en-US" sz="1800" spc="-1" strike="noStrike">
-              <a:solidFill>
-                <a:srgbClr val="000000"/>
-              </a:solidFill>
-              <a:uFill>
-                <a:solidFill>
-                  <a:srgbClr val="ffffff"/>
-                </a:solidFill>
-              </a:uFill>
-              <a:latin typeface="Arial"/>
-            </a:endParaRPr>
-          </a:p>
-          <a:p>
-            <a:pPr lvl="2" marL="1200240" indent="-284760">
-              <a:lnSpc>
-                <a:spcPct val="100000"/>
-              </a:lnSpc>
-              <a:buClr>
-                <a:srgbClr val="000000"/>
-              </a:buClr>
-              <a:buFont typeface="Arial"/>
-              <a:buChar char="•"/>
-            </a:pPr>
-            <a:r>
-              <a:rPr b="0" lang="en-US" sz="2400" spc="-1" strike="noStrike">
-                <a:solidFill>
-                  <a:srgbClr val="000000"/>
-                </a:solidFill>
-                <a:uFill>
-                  <a:solidFill>
-                    <a:srgbClr val="ffffff"/>
-                  </a:solidFill>
-                </a:uFill>
-                <a:latin typeface="Calibri"/>
-                <a:ea typeface="DejaVu Sans"/>
-              </a:rPr>
-              <a:t>Select system image</a:t>
-            </a:r>
-            <a:endParaRPr b="0" lang="en-US" sz="1800" spc="-1" strike="noStrike">
-              <a:solidFill>
-                <a:srgbClr val="000000"/>
-              </a:solidFill>
-              <a:uFill>
-                <a:solidFill>
-                  <a:srgbClr val="ffffff"/>
-                </a:solidFill>
-              </a:uFill>
-              <a:latin typeface="Arial"/>
-            </a:endParaRPr>
-          </a:p>
-          <a:p>
-            <a:pPr lvl="2" marL="1200240" indent="-284760">
-              <a:lnSpc>
-                <a:spcPct val="100000"/>
-              </a:lnSpc>
-              <a:buClr>
-                <a:srgbClr val="000000"/>
-              </a:buClr>
-              <a:buFont typeface="Arial"/>
-              <a:buChar char="•"/>
-            </a:pPr>
-            <a:r>
-              <a:rPr b="0" lang="en-US" sz="2400" spc="-1" strike="noStrike">
-                <a:solidFill>
-                  <a:srgbClr val="000000"/>
-                </a:solidFill>
-                <a:uFill>
-                  <a:solidFill>
-                    <a:srgbClr val="ffffff"/>
-                  </a:solidFill>
-                </a:uFill>
-                <a:latin typeface="Calibri"/>
-                <a:ea typeface="DejaVu Sans"/>
-              </a:rPr>
-              <a:t>Click finish</a:t>
-            </a:r>
-            <a:endParaRPr b="0" lang="en-US" sz="1800" spc="-1" strike="noStrike">
-              <a:solidFill>
-                <a:srgbClr val="000000"/>
-              </a:solidFill>
-              <a:uFill>
-                <a:solidFill>
-                  <a:srgbClr val="ffffff"/>
-                </a:solidFill>
-              </a:uFill>
-              <a:latin typeface="Arial"/>
-            </a:endParaRPr>
-          </a:p>
+          <a:bodyPr lIns="90000" rIns="90000" tIns="45000" bIns="45000" anchor="ctr"/>
           <a:p>
             <a:pPr>
               <a:lnSpc>
-                <a:spcPct val="100000"/>
-              </a:lnSpc>
-            </a:pPr>
-            <a:endParaRPr b="0" lang="en-US" sz="1800" spc="-1" strike="noStrike">
-              <a:solidFill>
-                <a:srgbClr val="000000"/>
-              </a:solidFill>
-              <a:uFill>
-                <a:solidFill>
-                  <a:srgbClr val="ffffff"/>
-                </a:solidFill>
-              </a:uFill>
-              <a:latin typeface="Arial"/>
-            </a:endParaRPr>
-          </a:p>
-          <a:p>
-            <a:pPr marL="285840" indent="-284760">
-              <a:lnSpc>
-                <a:spcPct val="100000"/>
-              </a:lnSpc>
-              <a:buClr>
-                <a:srgbClr val="000000"/>
-              </a:buClr>
-              <a:buFont typeface="Arial"/>
-              <a:buChar char="•"/>
-            </a:pPr>
-            <a:r>
-              <a:rPr b="0" lang="en-US" sz="2400" spc="-1" strike="noStrike">
-                <a:solidFill>
-                  <a:srgbClr val="000000"/>
-                </a:solidFill>
-                <a:uFill>
-                  <a:solidFill>
-                    <a:srgbClr val="ffffff"/>
-                  </a:solidFill>
-                </a:uFill>
-                <a:latin typeface="Calibri"/>
-                <a:ea typeface="DejaVu Sans"/>
-              </a:rPr>
-              <a:t>Running on device</a:t>
-            </a:r>
-            <a:endParaRPr b="0" lang="en-US" sz="1800" spc="-1" strike="noStrike">
-              <a:solidFill>
-                <a:srgbClr val="000000"/>
-              </a:solidFill>
-              <a:uFill>
-                <a:solidFill>
-                  <a:srgbClr val="ffffff"/>
-                </a:solidFill>
-              </a:uFill>
-              <a:latin typeface="Arial"/>
-            </a:endParaRPr>
-          </a:p>
-          <a:p>
-            <a:pPr lvl="1" marL="800280" indent="-342000">
-              <a:lnSpc>
-                <a:spcPct val="100000"/>
-              </a:lnSpc>
-              <a:buClr>
-                <a:srgbClr val="000000"/>
-              </a:buClr>
-              <a:buFont typeface="Arial"/>
-              <a:buChar char="•"/>
-            </a:pPr>
-            <a:r>
-              <a:rPr b="0" lang="en-US" sz="2400" spc="-1" strike="noStrike">
-                <a:solidFill>
-                  <a:srgbClr val="000000"/>
-                </a:solidFill>
-                <a:uFill>
-                  <a:solidFill>
-                    <a:srgbClr val="ffffff"/>
-                  </a:solidFill>
-                </a:uFill>
-                <a:latin typeface="Calibri"/>
-                <a:ea typeface="DejaVu Sans"/>
-              </a:rPr>
-              <a:t>USB debugging feature.</a:t>
-            </a:r>
-            <a:endParaRPr b="0" lang="en-US" sz="1800" spc="-1" strike="noStrike">
-              <a:solidFill>
-                <a:srgbClr val="000000"/>
-              </a:solidFill>
-              <a:uFill>
-                <a:solidFill>
-                  <a:srgbClr val="ffffff"/>
-                </a:solidFill>
-              </a:uFill>
-              <a:latin typeface="Arial"/>
-            </a:endParaRPr>
-          </a:p>
-          <a:p>
-            <a:pPr lvl="1" marL="800280" indent="-342000">
-              <a:lnSpc>
-                <a:spcPct val="100000"/>
-              </a:lnSpc>
-              <a:buClr>
-                <a:srgbClr val="000000"/>
-              </a:buClr>
-              <a:buFont typeface="Arial"/>
-              <a:buChar char="•"/>
-            </a:pPr>
-            <a:r>
-              <a:rPr b="0" lang="en-US" sz="2400" spc="-1" strike="noStrike">
-                <a:solidFill>
-                  <a:srgbClr val="000000"/>
-                </a:solidFill>
-                <a:uFill>
-                  <a:solidFill>
-                    <a:srgbClr val="ffffff"/>
-                  </a:solidFill>
-                </a:uFill>
-                <a:latin typeface="Calibri"/>
-                <a:ea typeface="DejaVu Sans"/>
-              </a:rPr>
-              <a:t>Goto Settings -&gt; About Device -&gt; Click on </a:t>
-            </a:r>
-            <a:r>
-              <a:rPr b="1" lang="en-US" sz="2400" spc="-1" strike="noStrike">
-                <a:solidFill>
-                  <a:srgbClr val="000000"/>
-                </a:solidFill>
-                <a:uFill>
-                  <a:solidFill>
-                    <a:srgbClr val="ffffff"/>
-                  </a:solidFill>
-                </a:uFill>
-                <a:latin typeface="Calibri"/>
-                <a:ea typeface="DejaVu Sans"/>
-              </a:rPr>
-              <a:t>Build Number </a:t>
-            </a:r>
-            <a:r>
-              <a:rPr b="0" lang="en-US" sz="2400" spc="-1" strike="noStrike">
-                <a:solidFill>
-                  <a:srgbClr val="000000"/>
-                </a:solidFill>
-                <a:uFill>
-                  <a:solidFill>
-                    <a:srgbClr val="ffffff"/>
-                  </a:solidFill>
-                </a:uFill>
-                <a:latin typeface="Calibri"/>
-                <a:ea typeface="DejaVu Sans"/>
-              </a:rPr>
-              <a:t>9 times</a:t>
-            </a:r>
-            <a:endParaRPr b="0" lang="en-US" sz="1800" spc="-1" strike="noStrike">
-              <a:solidFill>
-                <a:srgbClr val="000000"/>
-              </a:solidFill>
-              <a:uFill>
-                <a:solidFill>
-                  <a:srgbClr val="ffffff"/>
-                </a:solidFill>
-              </a:uFill>
-              <a:latin typeface="Arial"/>
-            </a:endParaRPr>
-          </a:p>
-          <a:p>
-            <a:pPr>
-              <a:lnSpc>
-                <a:spcPct val="100000"/>
-              </a:lnSpc>
-            </a:pPr>
-            <a:endParaRPr b="0" lang="en-US" sz="1800" spc="-1" strike="noStrike">
-              <a:solidFill>
-                <a:srgbClr val="000000"/>
-              </a:solidFill>
-              <a:uFill>
-                <a:solidFill>
-                  <a:srgbClr val="ffffff"/>
-                </a:solidFill>
-              </a:uFill>
-              <a:latin typeface="Arial"/>
-            </a:endParaRPr>
-          </a:p>
-          <a:p>
-            <a:pPr>
-              <a:lnSpc>
-                <a:spcPct val="100000"/>
-              </a:lnSpc>
-            </a:pPr>
-            <a:endParaRPr b="0" lang="en-US" sz="1800" spc="-1" strike="noStrike">
-              <a:solidFill>
-                <a:srgbClr val="000000"/>
-              </a:solidFill>
-              <a:uFill>
-                <a:solidFill>
-                  <a:srgbClr val="ffffff"/>
-                </a:solidFill>
-              </a:uFill>
-              <a:latin typeface="Arial"/>
-            </a:endParaRPr>
-          </a:p>
-          <a:p>
-            <a:pPr marL="457200">
-              <a:lnSpc>
-                <a:spcPct val="100000"/>
-              </a:lnSpc>
-            </a:pPr>
+                <a:spcPct val="90000"/>
+              </a:lnSpc>
+            </a:pPr>
+            <a:r>
+              <a:rPr b="1" lang="en-US" sz="4800" spc="-1" strike="noStrike">
+                <a:solidFill>
+                  <a:srgbClr val="000000"/>
+                </a:solidFill>
+                <a:uFill>
+                  <a:solidFill>
+                    <a:srgbClr val="ffffff"/>
+                  </a:solidFill>
+                </a:uFill>
+                <a:latin typeface="Calibri Light"/>
+                <a:ea typeface="DejaVu Sans"/>
+              </a:rPr>
+              <a:t>Common Errors and Exceptions</a:t>
+            </a:r>
             <a:endParaRPr b="0" lang="en-US" sz="1800" spc="-1" strike="noStrike">
               <a:solidFill>
                 <a:srgbClr val="000000"/>
@@ -8503,14 +8861,14 @@
       </p:grpSpPr>
       <p:sp>
         <p:nvSpPr>
-          <p:cNvPr id="107" name="CustomShape 1"/>
+          <p:cNvPr id="109" name="CustomShape 1"/>
           <p:cNvSpPr/>
           <p:nvPr/>
         </p:nvSpPr>
         <p:spPr>
           <a:xfrm>
-            <a:off x="701640" y="1280160"/>
-            <a:ext cx="11069280" cy="5451480"/>
+            <a:off x="562320" y="266760"/>
+            <a:ext cx="10514160" cy="1324080"/>
           </a:xfrm>
           <a:prstGeom prst="rect">
             <a:avLst/>
@@ -8527,429 +8885,52 @@
           <a:fontRef idx="minor"/>
         </p:style>
         <p:txBody>
-          <a:bodyPr lIns="90000" rIns="90000" tIns="45000" bIns="45000"/>
-          <a:p>
-            <a:pPr marL="285840" indent="-284760">
-              <a:lnSpc>
-                <a:spcPct val="100000"/>
-              </a:lnSpc>
-              <a:buClr>
-                <a:srgbClr val="000000"/>
-              </a:buClr>
-              <a:buFont typeface="Arial"/>
-              <a:buChar char="•"/>
-            </a:pPr>
-            <a:r>
-              <a:rPr b="0" lang="en-US" sz="2200" spc="-1" strike="noStrike">
-                <a:solidFill>
-                  <a:srgbClr val="000000"/>
-                </a:solidFill>
-                <a:uFill>
-                  <a:solidFill>
-                    <a:srgbClr val="ffffff"/>
-                  </a:solidFill>
-                </a:uFill>
-                <a:latin typeface="Calibri"/>
-                <a:ea typeface="DejaVu Sans"/>
-              </a:rPr>
-              <a:t>Java is case sensitive.</a:t>
-            </a:r>
-            <a:endParaRPr b="0" lang="en-US" sz="1800" spc="-1" strike="noStrike">
-              <a:solidFill>
-                <a:srgbClr val="000000"/>
-              </a:solidFill>
-              <a:uFill>
-                <a:solidFill>
-                  <a:srgbClr val="ffffff"/>
-                </a:solidFill>
-              </a:uFill>
-              <a:latin typeface="Arial"/>
-            </a:endParaRPr>
-          </a:p>
-          <a:p>
-            <a:pPr marL="285840" indent="-284760">
-              <a:lnSpc>
-                <a:spcPct val="100000"/>
-              </a:lnSpc>
-              <a:buClr>
-                <a:srgbClr val="000000"/>
-              </a:buClr>
-              <a:buFont typeface="Arial"/>
-              <a:buChar char="•"/>
-            </a:pPr>
-            <a:r>
-              <a:rPr b="0" lang="en-US" sz="2200" spc="-1" strike="noStrike">
-                <a:solidFill>
-                  <a:srgbClr val="000000"/>
-                </a:solidFill>
-                <a:uFill>
-                  <a:solidFill>
-                    <a:srgbClr val="ffffff"/>
-                  </a:solidFill>
-                </a:uFill>
-                <a:latin typeface="Calibri"/>
-                <a:ea typeface="DejaVu Sans"/>
-              </a:rPr>
-              <a:t>For UI elements - Reference to an object that is not declared in xml, or is not inflated: NullPointerException</a:t>
-            </a:r>
-            <a:endParaRPr b="0" lang="en-US" sz="1800" spc="-1" strike="noStrike">
-              <a:solidFill>
-                <a:srgbClr val="000000"/>
-              </a:solidFill>
-              <a:uFill>
-                <a:solidFill>
-                  <a:srgbClr val="ffffff"/>
-                </a:solidFill>
-              </a:uFill>
-              <a:latin typeface="Arial"/>
-            </a:endParaRPr>
-          </a:p>
-          <a:p>
-            <a:pPr marL="285840" indent="-284760">
-              <a:lnSpc>
-                <a:spcPct val="100000"/>
-              </a:lnSpc>
-              <a:buClr>
-                <a:srgbClr val="000000"/>
-              </a:buClr>
-              <a:buFont typeface="Arial"/>
-              <a:buChar char="•"/>
-            </a:pPr>
-            <a:r>
-              <a:rPr b="0" lang="en-US" sz="2200" spc="-1" strike="noStrike">
-                <a:solidFill>
-                  <a:srgbClr val="000000"/>
-                </a:solidFill>
-                <a:uFill>
-                  <a:solidFill>
-                    <a:srgbClr val="ffffff"/>
-                  </a:solidFill>
-                </a:uFill>
-                <a:latin typeface="Calibri"/>
-                <a:ea typeface="DejaVu Sans"/>
-              </a:rPr>
-              <a:t>ClassCastException: when casting into wrong class type - e.g Button into TextView.</a:t>
-            </a:r>
-            <a:endParaRPr b="0" lang="en-US" sz="1800" spc="-1" strike="noStrike">
-              <a:solidFill>
-                <a:srgbClr val="000000"/>
-              </a:solidFill>
-              <a:uFill>
-                <a:solidFill>
-                  <a:srgbClr val="ffffff"/>
-                </a:solidFill>
-              </a:uFill>
-              <a:latin typeface="Arial"/>
-            </a:endParaRPr>
-          </a:p>
-          <a:p>
-            <a:pPr marL="285840" indent="-284760">
-              <a:lnSpc>
-                <a:spcPct val="100000"/>
-              </a:lnSpc>
-              <a:buClr>
-                <a:srgbClr val="000000"/>
-              </a:buClr>
-              <a:buFont typeface="Arial"/>
-              <a:buChar char="•"/>
-            </a:pPr>
-            <a:r>
-              <a:rPr b="0" lang="en-US" sz="2200" spc="-1" strike="noStrike">
-                <a:solidFill>
-                  <a:srgbClr val="000000"/>
-                </a:solidFill>
-                <a:uFill>
-                  <a:solidFill>
-                    <a:srgbClr val="ffffff"/>
-                  </a:solidFill>
-                </a:uFill>
-                <a:latin typeface="Calibri"/>
-                <a:ea typeface="DejaVu Sans"/>
-              </a:rPr>
-              <a:t>NumberFormatException: when input was text not number then calling </a:t>
-            </a:r>
-            <a:r>
-              <a:rPr b="0" i="1" lang="en-US" sz="2200" spc="-1" strike="noStrike">
-                <a:solidFill>
-                  <a:srgbClr val="000000"/>
-                </a:solidFill>
-                <a:uFill>
-                  <a:solidFill>
-                    <a:srgbClr val="ffffff"/>
-                  </a:solidFill>
-                </a:uFill>
-                <a:latin typeface="Calibri"/>
-                <a:ea typeface="DejaVu Sans"/>
-              </a:rPr>
-              <a:t>.parse </a:t>
-            </a:r>
-            <a:r>
-              <a:rPr b="0" lang="en-US" sz="2200" spc="-1" strike="noStrike">
-                <a:solidFill>
-                  <a:srgbClr val="000000"/>
-                </a:solidFill>
-                <a:uFill>
-                  <a:solidFill>
-                    <a:srgbClr val="ffffff"/>
-                  </a:solidFill>
-                </a:uFill>
-                <a:latin typeface="Calibri"/>
-                <a:ea typeface="DejaVu Sans"/>
-              </a:rPr>
-              <a:t>methods will result in this exception.</a:t>
-            </a:r>
-            <a:endParaRPr b="0" lang="en-US" sz="1800" spc="-1" strike="noStrike">
-              <a:solidFill>
-                <a:srgbClr val="000000"/>
-              </a:solidFill>
-              <a:uFill>
-                <a:solidFill>
-                  <a:srgbClr val="ffffff"/>
-                </a:solidFill>
-              </a:uFill>
-              <a:latin typeface="Arial"/>
-            </a:endParaRPr>
-          </a:p>
-          <a:p>
-            <a:pPr marL="285840" indent="-284760">
-              <a:lnSpc>
-                <a:spcPct val="100000"/>
-              </a:lnSpc>
-              <a:buClr>
-                <a:srgbClr val="000000"/>
-              </a:buClr>
-              <a:buFont typeface="Arial"/>
-              <a:buChar char="•"/>
-            </a:pPr>
-            <a:r>
-              <a:rPr b="0" lang="en-US" sz="2200" spc="-1" strike="noStrike">
-                <a:solidFill>
-                  <a:srgbClr val="000000"/>
-                </a:solidFill>
-                <a:uFill>
-                  <a:solidFill>
-                    <a:srgbClr val="ffffff"/>
-                  </a:solidFill>
-                </a:uFill>
-                <a:latin typeface="Calibri"/>
-                <a:ea typeface="DejaVu Sans"/>
-              </a:rPr>
-              <a:t>Security Exception: Using a feature ofwhich the permission was not declared in the  AndroidManifest.xml file.</a:t>
-            </a:r>
-            <a:endParaRPr b="0" lang="en-US" sz="1800" spc="-1" strike="noStrike">
-              <a:solidFill>
-                <a:srgbClr val="000000"/>
-              </a:solidFill>
-              <a:uFill>
-                <a:solidFill>
-                  <a:srgbClr val="ffffff"/>
-                </a:solidFill>
-              </a:uFill>
-              <a:latin typeface="Arial"/>
-            </a:endParaRPr>
-          </a:p>
-          <a:p>
-            <a:pPr marL="285840" indent="-284760">
-              <a:lnSpc>
-                <a:spcPct val="100000"/>
-              </a:lnSpc>
-              <a:buClr>
-                <a:srgbClr val="000000"/>
-              </a:buClr>
-              <a:buFont typeface="Arial"/>
-              <a:buChar char="•"/>
-            </a:pPr>
-            <a:r>
-              <a:rPr b="0" lang="en-US" sz="2200" spc="-1" strike="noStrike">
-                <a:solidFill>
-                  <a:srgbClr val="000000"/>
-                </a:solidFill>
-                <a:uFill>
-                  <a:solidFill>
-                    <a:srgbClr val="ffffff"/>
-                  </a:solidFill>
-                </a:uFill>
-                <a:latin typeface="Calibri"/>
-                <a:ea typeface="DejaVu Sans"/>
-              </a:rPr>
-              <a:t>ActivityNotFoundException: Accessing activity that was not declared, or may have been deleted.</a:t>
-            </a:r>
-            <a:endParaRPr b="0" lang="en-US" sz="1800" spc="-1" strike="noStrike">
-              <a:solidFill>
-                <a:srgbClr val="000000"/>
-              </a:solidFill>
-              <a:uFill>
-                <a:solidFill>
-                  <a:srgbClr val="ffffff"/>
-                </a:solidFill>
-              </a:uFill>
-              <a:latin typeface="Arial"/>
-            </a:endParaRPr>
-          </a:p>
-          <a:p>
-            <a:pPr marL="285840" indent="-284760">
-              <a:lnSpc>
-                <a:spcPct val="100000"/>
-              </a:lnSpc>
-              <a:buClr>
-                <a:srgbClr val="000000"/>
-              </a:buClr>
-              <a:buFont typeface="Arial"/>
-              <a:buChar char="•"/>
-            </a:pPr>
-            <a:r>
-              <a:rPr b="0" lang="en-US" sz="2200" spc="-1" strike="noStrike">
-                <a:solidFill>
-                  <a:srgbClr val="000000"/>
-                </a:solidFill>
-                <a:uFill>
-                  <a:solidFill>
-                    <a:srgbClr val="ffffff"/>
-                  </a:solidFill>
-                </a:uFill>
-                <a:latin typeface="Calibri"/>
-                <a:ea typeface="DejaVu Sans"/>
-              </a:rPr>
-              <a:t>InflateException : This exception is thrown When an error conditions are occurred during creating views.</a:t>
-            </a:r>
-            <a:endParaRPr b="0" lang="en-US" sz="1800" spc="-1" strike="noStrike">
-              <a:solidFill>
-                <a:srgbClr val="000000"/>
-              </a:solidFill>
-              <a:uFill>
-                <a:solidFill>
-                  <a:srgbClr val="ffffff"/>
-                </a:solidFill>
-              </a:uFill>
-              <a:latin typeface="Arial"/>
-            </a:endParaRPr>
-          </a:p>
-          <a:p>
-            <a:pPr marL="285840" indent="-284760">
-              <a:lnSpc>
-                <a:spcPct val="100000"/>
-              </a:lnSpc>
-              <a:buClr>
-                <a:srgbClr val="000000"/>
-              </a:buClr>
-              <a:buFont typeface="Arial"/>
-              <a:buChar char="•"/>
-            </a:pPr>
-            <a:r>
-              <a:rPr b="0" lang="en-US" sz="2200" spc="-1" strike="noStrike">
-                <a:solidFill>
-                  <a:srgbClr val="000000"/>
-                </a:solidFill>
-                <a:uFill>
-                  <a:solidFill>
-                    <a:srgbClr val="ffffff"/>
-                  </a:solidFill>
-                </a:uFill>
-                <a:latin typeface="Calibri"/>
-                <a:ea typeface="DejaVu Sans"/>
-              </a:rPr>
-              <a:t>StackOverflowError: Infinite recursion/loops.</a:t>
-            </a:r>
-            <a:endParaRPr b="0" lang="en-US" sz="1800" spc="-1" strike="noStrike">
-              <a:solidFill>
-                <a:srgbClr val="000000"/>
-              </a:solidFill>
-              <a:uFill>
-                <a:solidFill>
-                  <a:srgbClr val="ffffff"/>
-                </a:solidFill>
-              </a:uFill>
-              <a:latin typeface="Arial"/>
-            </a:endParaRPr>
-          </a:p>
-          <a:p>
-            <a:pPr marL="285840" indent="-284760">
-              <a:lnSpc>
-                <a:spcPct val="100000"/>
-              </a:lnSpc>
-              <a:buClr>
-                <a:srgbClr val="000000"/>
-              </a:buClr>
-              <a:buFont typeface="Arial"/>
-              <a:buChar char="•"/>
-            </a:pPr>
-            <a:r>
-              <a:rPr b="0" lang="en-US" sz="2200" spc="-1" strike="noStrike">
-                <a:solidFill>
-                  <a:srgbClr val="000000"/>
-                </a:solidFill>
-                <a:uFill>
-                  <a:solidFill>
-                    <a:srgbClr val="ffffff"/>
-                  </a:solidFill>
-                </a:uFill>
-                <a:latin typeface="Calibri"/>
-                <a:ea typeface="DejaVu Sans"/>
-              </a:rPr>
-              <a:t>OutOfMemoryError: Asking system to allocate more memory that was allowed.</a:t>
-            </a:r>
-            <a:endParaRPr b="0" lang="en-US" sz="1800" spc="-1" strike="noStrike">
-              <a:solidFill>
-                <a:srgbClr val="000000"/>
-              </a:solidFill>
-              <a:uFill>
-                <a:solidFill>
-                  <a:srgbClr val="ffffff"/>
-                </a:solidFill>
-              </a:uFill>
-              <a:latin typeface="Arial"/>
-            </a:endParaRPr>
-          </a:p>
-          <a:p>
-            <a:pPr marL="285840" indent="-284760">
-              <a:lnSpc>
-                <a:spcPct val="100000"/>
-              </a:lnSpc>
-              <a:buClr>
-                <a:srgbClr val="000000"/>
-              </a:buClr>
-              <a:buFont typeface="Arial"/>
-              <a:buChar char="•"/>
-            </a:pPr>
-            <a:r>
-              <a:rPr b="0" lang="en-US" sz="2200" spc="-1" strike="noStrike">
-                <a:solidFill>
-                  <a:srgbClr val="000000"/>
-                </a:solidFill>
-                <a:uFill>
-                  <a:solidFill>
-                    <a:srgbClr val="ffffff"/>
-                  </a:solidFill>
-                </a:uFill>
-                <a:latin typeface="Calibri"/>
-                <a:ea typeface="DejaVu Sans"/>
-              </a:rPr>
-              <a:t>Application Not Responding (ANR) : Mainly comes when you are making network function,or some long process.</a:t>
-            </a:r>
-            <a:endParaRPr b="0" lang="en-US" sz="1800" spc="-1" strike="noStrike">
-              <a:solidFill>
-                <a:srgbClr val="000000"/>
-              </a:solidFill>
-              <a:uFill>
-                <a:solidFill>
-                  <a:srgbClr val="ffffff"/>
-                </a:solidFill>
-              </a:uFill>
-              <a:latin typeface="Arial"/>
-            </a:endParaRPr>
-          </a:p>
-        </p:txBody>
-      </p:sp>
-      <p:sp>
-        <p:nvSpPr>
-          <p:cNvPr id="108" name="CustomShape 2"/>
+          <a:bodyPr lIns="90000" rIns="90000" tIns="45000" bIns="45000" anchor="ctr"/>
+          <a:p>
+            <a:pPr>
+              <a:lnSpc>
+                <a:spcPct val="90000"/>
+              </a:lnSpc>
+            </a:pPr>
+            <a:r>
+              <a:rPr b="1" lang="en-US" sz="4800" spc="-1" strike="noStrike">
+                <a:solidFill>
+                  <a:srgbClr val="000000"/>
+                </a:solidFill>
+                <a:uFill>
+                  <a:solidFill>
+                    <a:srgbClr val="ffffff"/>
+                  </a:solidFill>
+                </a:uFill>
+                <a:latin typeface="Calibri Light"/>
+                <a:ea typeface="DejaVu Sans"/>
+              </a:rPr>
+              <a:t>Resources</a:t>
+            </a:r>
+            <a:endParaRPr b="0" lang="en-US" sz="1800" spc="-1" strike="noStrike">
+              <a:solidFill>
+                <a:srgbClr val="000000"/>
+              </a:solidFill>
+              <a:uFill>
+                <a:solidFill>
+                  <a:srgbClr val="ffffff"/>
+                </a:solidFill>
+              </a:uFill>
+              <a:latin typeface="Arial"/>
+            </a:endParaRPr>
+          </a:p>
+        </p:txBody>
+      </p:sp>
+      <p:sp>
+        <p:nvSpPr>
+          <p:cNvPr id="110" name="CustomShape 2"/>
           <p:cNvSpPr/>
           <p:nvPr/>
         </p:nvSpPr>
         <p:spPr>
           <a:xfrm>
-            <a:off x="562320" y="266760"/>
-            <a:ext cx="10514520" cy="1324440"/>
+            <a:off x="495360" y="1589040"/>
+            <a:ext cx="10733400" cy="1826640"/>
           </a:xfrm>
           <a:prstGeom prst="rect">
             <a:avLst/>
@@ -8966,28 +8947,89 @@
           <a:fontRef idx="minor"/>
         </p:style>
         <p:txBody>
-          <a:bodyPr lIns="90000" rIns="90000" tIns="45000" bIns="45000" anchor="ctr"/>
+          <a:bodyPr lIns="90000" rIns="90000" tIns="45000" bIns="45000"/>
+          <a:p>
+            <a:pPr lvl="1" marL="743040" indent="-284400">
+              <a:lnSpc>
+                <a:spcPct val="100000"/>
+              </a:lnSpc>
+              <a:buClr>
+                <a:srgbClr val="000000"/>
+              </a:buClr>
+              <a:buFont typeface="Arial"/>
+              <a:buChar char="•"/>
+            </a:pPr>
+            <a:r>
+              <a:rPr b="0" lang="en-US" sz="2400" spc="-1" strike="noStrike">
+                <a:solidFill>
+                  <a:srgbClr val="000000"/>
+                </a:solidFill>
+                <a:uFill>
+                  <a:solidFill>
+                    <a:srgbClr val="ffffff"/>
+                  </a:solidFill>
+                </a:uFill>
+                <a:latin typeface="Calibri"/>
+                <a:ea typeface="DejaVu Sans"/>
+              </a:rPr>
+              <a:t>Udacity Android development course</a:t>
+            </a:r>
+            <a:endParaRPr b="0" lang="en-US" sz="1800" spc="-1" strike="noStrike">
+              <a:solidFill>
+                <a:srgbClr val="000000"/>
+              </a:solidFill>
+              <a:uFill>
+                <a:solidFill>
+                  <a:srgbClr val="ffffff"/>
+                </a:solidFill>
+              </a:uFill>
+              <a:latin typeface="Arial"/>
+            </a:endParaRPr>
+          </a:p>
+          <a:p>
+            <a:pPr lvl="1" marL="743040" indent="-284400">
+              <a:lnSpc>
+                <a:spcPct val="100000"/>
+              </a:lnSpc>
+              <a:buClr>
+                <a:srgbClr val="000000"/>
+              </a:buClr>
+              <a:buFont typeface="Arial"/>
+              <a:buChar char="•"/>
+            </a:pPr>
+            <a:r>
+              <a:rPr b="0" lang="en-US" sz="2400" spc="-1" strike="noStrike">
+                <a:solidFill>
+                  <a:srgbClr val="000000"/>
+                </a:solidFill>
+                <a:uFill>
+                  <a:solidFill>
+                    <a:srgbClr val="ffffff"/>
+                  </a:solidFill>
+                </a:uFill>
+                <a:latin typeface="Calibri"/>
+                <a:ea typeface="DejaVu Sans"/>
+              </a:rPr>
+              <a:t>Android Developer Resources</a:t>
+            </a:r>
+            <a:endParaRPr b="0" lang="en-US" sz="1800" spc="-1" strike="noStrike">
+              <a:solidFill>
+                <a:srgbClr val="000000"/>
+              </a:solidFill>
+              <a:uFill>
+                <a:solidFill>
+                  <a:srgbClr val="ffffff"/>
+                </a:solidFill>
+              </a:uFill>
+              <a:latin typeface="Arial"/>
+            </a:endParaRPr>
+          </a:p>
           <a:p>
             <a:pPr>
               <a:lnSpc>
-                <a:spcPct val="90000"/>
-              </a:lnSpc>
-            </a:pPr>
-            <a:r>
-              <a:rPr b="1" lang="en-US" sz="4800" spc="-1" strike="noStrike">
-                <a:solidFill>
-                  <a:srgbClr val="000000"/>
-                </a:solidFill>
-                <a:uFill>
-                  <a:solidFill>
-                    <a:srgbClr val="ffffff"/>
-                  </a:solidFill>
-                </a:uFill>
-                <a:latin typeface="Calibri Light"/>
-                <a:ea typeface="DejaVu Sans"/>
-              </a:rPr>
-              <a:t>Common Errors and Exceptions</a:t>
-            </a:r>
+                <a:spcPct val="100000"/>
+              </a:lnSpc>
+            </a:pPr>
             <a:endParaRPr b="0" lang="en-US" sz="1800" spc="-1" strike="noStrike">
               <a:solidFill>
                 <a:srgbClr val="000000"/>
@@ -9011,240 +9053,6 @@
           <p:childTnLst>
             <p:seq>
               <p:cTn id="32" nodeType="mainSeq"/>
-              <p:prevCondLst>
-                <p:cond delay="0" evt="onPrev">
-                  <p:tgtEl>
-                    <p:sldTgt/>
-                  </p:tgtEl>
-                </p:cond>
-              </p:prevCondLst>
-              <p:nextCondLst>
-                <p:cond delay="0" evt="onNext">
-                  <p:tgtEl>
-                    <p:sldTgt/>
-                  </p:tgtEl>
-                </p:cond>
-              </p:nextCondLst>
-            </p:seq>
-          </p:childTnLst>
-        </p:cTn>
-      </p:par>
-    </p:tnLst>
-  </p:timing>
-</p:sld>
-</file>
-
-<file path=ppt/slides/slide17.xml><?xml version="1.0" encoding="utf-8"?>
-<p:sld xmlns:a="http://schemas.openxmlformats.org/drawingml/2006/main" xmlns:p="http://schemas.openxmlformats.org/presentationml/2006/main" xmlns:r="http://schemas.openxmlformats.org/officeDocument/2006/relationships" xmlns:p14="http://schemas.microsoft.com/office/powerpoint/2010/main" xmlns:p15="http://schemas.microsoft.com/office/powerpoint/2012/main" xmlns:mc="http://schemas.openxmlformats.org/markup-compatibility/2006">
-  <p:cSld>
-    <p:spTree>
-      <p:nvGrpSpPr>
-        <p:cNvPr id="1" name=""/>
-        <p:cNvGrpSpPr/>
-        <p:nvPr/>
-      </p:nvGrpSpPr>
-      <p:grpSpPr>
-        <a:xfrm>
-          <a:off x="0" y="0"/>
-          <a:ext cx="0" cy="0"/>
-          <a:chOff x="0" y="0"/>
-          <a:chExt cx="0" cy="0"/>
-        </a:xfrm>
-      </p:grpSpPr>
-      <p:sp>
-        <p:nvSpPr>
-          <p:cNvPr id="109" name="CustomShape 1"/>
-          <p:cNvSpPr/>
-          <p:nvPr/>
-        </p:nvSpPr>
-        <p:spPr>
-          <a:xfrm>
-            <a:off x="562320" y="266760"/>
-            <a:ext cx="10514520" cy="1324440"/>
-          </a:xfrm>
-          <a:prstGeom prst="rect">
-            <a:avLst/>
-          </a:prstGeom>
-          <a:noFill/>
-          <a:ln>
-            <a:noFill/>
-          </a:ln>
-        </p:spPr>
-        <p:style>
-          <a:lnRef idx="0"/>
-          <a:fillRef idx="0"/>
-          <a:effectRef idx="0"/>
-          <a:fontRef idx="minor"/>
-        </p:style>
-        <p:txBody>
-          <a:bodyPr lIns="90000" rIns="90000" tIns="45000" bIns="45000" anchor="ctr"/>
-          <a:p>
-            <a:pPr>
-              <a:lnSpc>
-                <a:spcPct val="90000"/>
-              </a:lnSpc>
-            </a:pPr>
-            <a:r>
-              <a:rPr b="1" lang="en-US" sz="4800" spc="-1" strike="noStrike">
-                <a:solidFill>
-                  <a:srgbClr val="000000"/>
-                </a:solidFill>
-                <a:uFill>
-                  <a:solidFill>
-                    <a:srgbClr val="ffffff"/>
-                  </a:solidFill>
-                </a:uFill>
-                <a:latin typeface="Calibri Light"/>
-                <a:ea typeface="DejaVu Sans"/>
-              </a:rPr>
-              <a:t>Resources</a:t>
-            </a:r>
-            <a:endParaRPr b="0" lang="en-US" sz="1800" spc="-1" strike="noStrike">
-              <a:solidFill>
-                <a:srgbClr val="000000"/>
-              </a:solidFill>
-              <a:uFill>
-                <a:solidFill>
-                  <a:srgbClr val="ffffff"/>
-                </a:solidFill>
-              </a:uFill>
-              <a:latin typeface="Arial"/>
-            </a:endParaRPr>
-          </a:p>
-        </p:txBody>
-      </p:sp>
-      <p:sp>
-        <p:nvSpPr>
-          <p:cNvPr id="110" name="CustomShape 2"/>
-          <p:cNvSpPr/>
-          <p:nvPr/>
-        </p:nvSpPr>
-        <p:spPr>
-          <a:xfrm>
-            <a:off x="495360" y="1589040"/>
-            <a:ext cx="10733760" cy="1827000"/>
-          </a:xfrm>
-          <a:prstGeom prst="rect">
-            <a:avLst/>
-          </a:prstGeom>
-          <a:noFill/>
-          <a:ln>
-            <a:noFill/>
-          </a:ln>
-        </p:spPr>
-        <p:style>
-          <a:lnRef idx="0"/>
-          <a:fillRef idx="0"/>
-          <a:effectRef idx="0"/>
-          <a:fontRef idx="minor"/>
-        </p:style>
-        <p:txBody>
-          <a:bodyPr lIns="90000" rIns="90000" tIns="45000" bIns="45000"/>
-          <a:p>
-            <a:pPr lvl="1" marL="743040" indent="-284760">
-              <a:lnSpc>
-                <a:spcPct val="100000"/>
-              </a:lnSpc>
-              <a:buClr>
-                <a:srgbClr val="000000"/>
-              </a:buClr>
-              <a:buFont typeface="Arial"/>
-              <a:buChar char="•"/>
-            </a:pPr>
-            <a:r>
-              <a:rPr b="0" lang="en-US" sz="2400" spc="-1" strike="noStrike">
-                <a:solidFill>
-                  <a:srgbClr val="000000"/>
-                </a:solidFill>
-                <a:uFill>
-                  <a:solidFill>
-                    <a:srgbClr val="ffffff"/>
-                  </a:solidFill>
-                </a:uFill>
-                <a:latin typeface="Calibri"/>
-                <a:ea typeface="DejaVu Sans"/>
-              </a:rPr>
-              <a:t>Udacity Android development course</a:t>
-            </a:r>
-            <a:endParaRPr b="0" lang="en-US" sz="1800" spc="-1" strike="noStrike">
-              <a:solidFill>
-                <a:srgbClr val="000000"/>
-              </a:solidFill>
-              <a:uFill>
-                <a:solidFill>
-                  <a:srgbClr val="ffffff"/>
-                </a:solidFill>
-              </a:uFill>
-              <a:latin typeface="Arial"/>
-            </a:endParaRPr>
-          </a:p>
-          <a:p>
-            <a:pPr lvl="1" marL="743040" indent="-284760">
-              <a:lnSpc>
-                <a:spcPct val="100000"/>
-              </a:lnSpc>
-              <a:buClr>
-                <a:srgbClr val="000000"/>
-              </a:buClr>
-              <a:buFont typeface="Arial"/>
-              <a:buChar char="•"/>
-            </a:pPr>
-            <a:r>
-              <a:rPr b="0" lang="en-US" sz="2400" spc="-1" strike="noStrike">
-                <a:solidFill>
-                  <a:srgbClr val="000000"/>
-                </a:solidFill>
-                <a:uFill>
-                  <a:solidFill>
-                    <a:srgbClr val="ffffff"/>
-                  </a:solidFill>
-                </a:uFill>
-                <a:latin typeface="Calibri"/>
-                <a:ea typeface="DejaVu Sans"/>
-              </a:rPr>
-              <a:t>Android Developer Resources</a:t>
-            </a:r>
-            <a:endParaRPr b="0" lang="en-US" sz="1800" spc="-1" strike="noStrike">
-              <a:solidFill>
-                <a:srgbClr val="000000"/>
-              </a:solidFill>
-              <a:uFill>
-                <a:solidFill>
-                  <a:srgbClr val="ffffff"/>
-                </a:solidFill>
-              </a:uFill>
-              <a:latin typeface="Arial"/>
-            </a:endParaRPr>
-          </a:p>
-          <a:p>
-            <a:pPr>
-              <a:lnSpc>
-                <a:spcPct val="100000"/>
-              </a:lnSpc>
-            </a:pPr>
-            <a:endParaRPr b="0" lang="en-US" sz="1800" spc="-1" strike="noStrike">
-              <a:solidFill>
-                <a:srgbClr val="000000"/>
-              </a:solidFill>
-              <a:uFill>
-                <a:solidFill>
-                  <a:srgbClr val="ffffff"/>
-                </a:solidFill>
-              </a:uFill>
-              <a:latin typeface="Arial"/>
-            </a:endParaRPr>
-          </a:p>
-        </p:txBody>
-      </p:sp>
-    </p:spTree>
-  </p:cSld>
-  <p:timing>
-    <p:tnLst>
-      <p:par>
-        <p:cTn id="33" dur="indefinite" restart="never" nodeType="tmRoot">
-          <p:childTnLst>
-            <p:seq>
-              <p:cTn id="34" nodeType="mainSeq"/>
               <p:prevCondLst>
                 <p:cond delay="0" evt="onPrev">
                   <p:tgtEl>
@@ -9287,14 +9095,14 @@
       </p:grpSpPr>
       <p:sp>
         <p:nvSpPr>
-          <p:cNvPr id="79" name="CustomShape 1"/>
+          <p:cNvPr id="80" name="CustomShape 1"/>
           <p:cNvSpPr/>
           <p:nvPr/>
         </p:nvSpPr>
         <p:spPr>
           <a:xfrm>
             <a:off x="562320" y="266760"/>
-            <a:ext cx="10514520" cy="1324440"/>
+            <a:ext cx="10514160" cy="1324080"/>
           </a:xfrm>
           <a:prstGeom prst="rect">
             <a:avLst/>
@@ -9349,14 +9157,14 @@
       </p:sp>
       <p:sp>
         <p:nvSpPr>
-          <p:cNvPr id="80" name="CustomShape 2"/>
+          <p:cNvPr id="81" name="CustomShape 2"/>
           <p:cNvSpPr/>
           <p:nvPr/>
         </p:nvSpPr>
         <p:spPr>
           <a:xfrm>
             <a:off x="495360" y="1589040"/>
-            <a:ext cx="10733760" cy="3290040"/>
+            <a:ext cx="10733400" cy="3289680"/>
           </a:xfrm>
           <a:prstGeom prst="rect">
             <a:avLst/>
@@ -9375,7 +9183,7 @@
         <p:txBody>
           <a:bodyPr lIns="90000" rIns="90000" tIns="45000" bIns="45000"/>
           <a:p>
-            <a:pPr marL="285840" indent="-284760">
+            <a:pPr marL="285840" indent="-284400">
               <a:lnSpc>
                 <a:spcPct val="100000"/>
               </a:lnSpc>
@@ -9413,7 +9221,7 @@
             </a:endParaRPr>
           </a:p>
           <a:p>
-            <a:pPr marL="285840" indent="-284760">
+            <a:pPr marL="285840" indent="-284400">
               <a:lnSpc>
                 <a:spcPct val="100000"/>
               </a:lnSpc>
@@ -9451,7 +9259,7 @@
             </a:endParaRPr>
           </a:p>
           <a:p>
-            <a:pPr marL="285840" indent="-284760">
+            <a:pPr marL="285840" indent="-284400">
               <a:lnSpc>
                 <a:spcPct val="100000"/>
               </a:lnSpc>
@@ -9489,7 +9297,7 @@
             </a:endParaRPr>
           </a:p>
           <a:p>
-            <a:pPr marL="285840" indent="-284760">
+            <a:pPr marL="285840" indent="-284400">
               <a:lnSpc>
                 <a:spcPct val="100000"/>
               </a:lnSpc>
@@ -9527,7 +9335,7 @@
             </a:endParaRPr>
           </a:p>
           <a:p>
-            <a:pPr marL="285840" indent="-284760">
+            <a:pPr marL="285840" indent="-284400">
               <a:lnSpc>
                 <a:spcPct val="100000"/>
               </a:lnSpc>
@@ -9565,7 +9373,7 @@
             </a:endParaRPr>
           </a:p>
           <a:p>
-            <a:pPr marL="285840" indent="-284760">
+            <a:pPr marL="285840" indent="-284400">
               <a:lnSpc>
                 <a:spcPct val="100000"/>
               </a:lnSpc>
@@ -9603,7 +9411,7 @@
             </a:endParaRPr>
           </a:p>
           <a:p>
-            <a:pPr lvl="1" marL="743040" indent="-284760">
+            <a:pPr lvl="1" marL="743040" indent="-284400">
               <a:lnSpc>
                 <a:spcPct val="100000"/>
               </a:lnSpc>
@@ -9641,7 +9449,7 @@
             </a:endParaRPr>
           </a:p>
           <a:p>
-            <a:pPr lvl="1" marL="743040" indent="-284760">
+            <a:pPr lvl="1" marL="743040" indent="-284400">
               <a:lnSpc>
                 <a:spcPct val="100000"/>
               </a:lnSpc>
@@ -9664,22 +9472,22 @@
                 <a:latin typeface="Calibri"/>
                 <a:ea typeface="DejaVu Sans"/>
               </a:rPr>
-              <a:t>Most installed OS on mobile devices (66% market share globally - August 2016).</a:t>
-            </a:r>
-            <a:endParaRPr b="0" lang="en-US" sz="1800" spc="-1" strike="noStrike">
-              <a:solidFill>
-                <a:srgbClr val="000000"/>
-              </a:solidFill>
-              <a:uFill>
-                <a:solidFill>
-                  <a:srgbClr val="ffffff"/>
-                </a:solidFill>
-              </a:uFill>
-              <a:latin typeface="Arial"/>
-            </a:endParaRPr>
-          </a:p>
-          <a:p>
-            <a:pPr lvl="1" marL="743040" indent="-284760">
+              <a:t>Most installed OS on mobile devices (66% globally - August 2016).</a:t>
+            </a:r>
+            <a:endParaRPr b="0" lang="en-US" sz="1800" spc="-1" strike="noStrike">
+              <a:solidFill>
+                <a:srgbClr val="000000"/>
+              </a:solidFill>
+              <a:uFill>
+                <a:solidFill>
+                  <a:srgbClr val="ffffff"/>
+                </a:solidFill>
+              </a:uFill>
+              <a:latin typeface="Arial"/>
+            </a:endParaRPr>
+          </a:p>
+          <a:p>
+            <a:pPr lvl="1" marL="743040" indent="-284400">
               <a:lnSpc>
                 <a:spcPct val="100000"/>
               </a:lnSpc>
@@ -9732,7 +9540,7 @@
                 <a:latin typeface="Calibri"/>
                 <a:ea typeface="DejaVu Sans"/>
               </a:rPr>
-              <a:t> most required career skill (mobile development) according to LinkedIn (2015).</a:t>
+              <a:t> most required career skill (mobile development) according to LinkedIn.com (2015).</a:t>
             </a:r>
             <a:endParaRPr b="0" lang="en-US" sz="1800" spc="-1" strike="noStrike">
               <a:solidFill>
@@ -9817,14 +9625,14 @@
       </p:grpSpPr>
       <p:sp>
         <p:nvSpPr>
-          <p:cNvPr id="81" name="CustomShape 1"/>
+          <p:cNvPr id="82" name="CustomShape 1"/>
           <p:cNvSpPr/>
           <p:nvPr/>
         </p:nvSpPr>
         <p:spPr>
           <a:xfrm>
             <a:off x="562320" y="266760"/>
-            <a:ext cx="10514520" cy="1324440"/>
+            <a:ext cx="10514160" cy="1324080"/>
           </a:xfrm>
           <a:prstGeom prst="rect">
             <a:avLst/>
@@ -9879,14 +9687,14 @@
       </p:sp>
       <p:sp>
         <p:nvSpPr>
-          <p:cNvPr id="82" name="CustomShape 2"/>
+          <p:cNvPr id="83" name="CustomShape 2"/>
           <p:cNvSpPr/>
           <p:nvPr/>
         </p:nvSpPr>
         <p:spPr>
           <a:xfrm>
             <a:off x="495360" y="1589040"/>
-            <a:ext cx="10733760" cy="1827000"/>
+            <a:ext cx="10733400" cy="1826640"/>
           </a:xfrm>
           <a:prstGeom prst="rect">
             <a:avLst/>
@@ -9905,7 +9713,7 @@
         <p:txBody>
           <a:bodyPr lIns="90000" rIns="90000" tIns="45000" bIns="45000"/>
           <a:p>
-            <a:pPr marL="285840" indent="-284760">
+            <a:pPr marL="285840" indent="-284400">
               <a:lnSpc>
                 <a:spcPct val="100000"/>
               </a:lnSpc>
@@ -9958,7 +9766,7 @@
             </a:endParaRPr>
           </a:p>
           <a:p>
-            <a:pPr marL="285840" indent="-284760">
+            <a:pPr marL="285840" indent="-284400">
               <a:lnSpc>
                 <a:spcPct val="100000"/>
               </a:lnSpc>
@@ -9996,7 +9804,7 @@
             </a:endParaRPr>
           </a:p>
           <a:p>
-            <a:pPr marL="285840" indent="-284760">
+            <a:pPr marL="285840" indent="-284400">
               <a:lnSpc>
                 <a:spcPct val="100000"/>
               </a:lnSpc>
@@ -10034,7 +9842,7 @@
             </a:endParaRPr>
           </a:p>
           <a:p>
-            <a:pPr marL="285840" indent="-284760">
+            <a:pPr marL="285840" indent="-284400">
               <a:lnSpc>
                 <a:spcPct val="100000"/>
               </a:lnSpc>
@@ -10072,7 +9880,7 @@
             </a:endParaRPr>
           </a:p>
           <a:p>
-            <a:pPr marL="285840" indent="-284760">
+            <a:pPr marL="285840" indent="-284400">
               <a:lnSpc>
                 <a:spcPct val="100000"/>
               </a:lnSpc>
@@ -10180,14 +9988,14 @@
       </p:grpSpPr>
       <p:sp>
         <p:nvSpPr>
-          <p:cNvPr id="83" name="CustomShape 1"/>
+          <p:cNvPr id="84" name="CustomShape 1"/>
           <p:cNvSpPr/>
           <p:nvPr/>
         </p:nvSpPr>
         <p:spPr>
           <a:xfrm>
             <a:off x="562320" y="266760"/>
-            <a:ext cx="10514520" cy="1324440"/>
+            <a:ext cx="10514160" cy="1324080"/>
           </a:xfrm>
           <a:prstGeom prst="rect">
             <a:avLst/>
@@ -10242,7 +10050,7 @@
       </p:sp>
       <p:pic>
         <p:nvPicPr>
-          <p:cNvPr id="84" name="" descr=""/>
+          <p:cNvPr id="85" name="" descr=""/>
           <p:cNvPicPr/>
           <p:nvPr/>
         </p:nvPicPr>
@@ -10253,7 +10061,7 @@
         <p:spPr>
           <a:xfrm>
             <a:off x="2834640" y="1371600"/>
-            <a:ext cx="6773040" cy="4846320"/>
+            <a:ext cx="6772680" cy="4845960"/>
           </a:xfrm>
           <a:prstGeom prst="rect">
             <a:avLst/>
@@ -10314,14 +10122,14 @@
       </p:grpSpPr>
       <p:sp>
         <p:nvSpPr>
-          <p:cNvPr id="85" name="CustomShape 1"/>
+          <p:cNvPr id="86" name="CustomShape 1"/>
           <p:cNvSpPr/>
           <p:nvPr/>
         </p:nvSpPr>
         <p:spPr>
           <a:xfrm>
             <a:off x="562320" y="266760"/>
-            <a:ext cx="10514520" cy="1324440"/>
+            <a:ext cx="10514160" cy="1324080"/>
           </a:xfrm>
           <a:prstGeom prst="rect">
             <a:avLst/>
@@ -10376,14 +10184,14 @@
       </p:sp>
       <p:sp>
         <p:nvSpPr>
-          <p:cNvPr id="86" name="CustomShape 2"/>
+          <p:cNvPr id="87" name="CustomShape 2"/>
           <p:cNvSpPr/>
           <p:nvPr/>
         </p:nvSpPr>
         <p:spPr>
           <a:xfrm>
             <a:off x="495360" y="1589040"/>
-            <a:ext cx="10733760" cy="2558520"/>
+            <a:ext cx="10733400" cy="2558160"/>
           </a:xfrm>
           <a:prstGeom prst="rect">
             <a:avLst/>
@@ -10402,7 +10210,7 @@
         <p:txBody>
           <a:bodyPr lIns="90000" rIns="90000" tIns="45000" bIns="45000"/>
           <a:p>
-            <a:pPr marL="285840" indent="-284760">
+            <a:pPr marL="285840" indent="-284400">
               <a:lnSpc>
                 <a:spcPct val="100000"/>
               </a:lnSpc>
@@ -10425,22 +10233,22 @@
                 <a:latin typeface="Calibri"/>
                 <a:ea typeface="DejaVu Sans"/>
               </a:rPr>
-              <a:t>JDK</a:t>
-            </a:r>
-            <a:endParaRPr b="0" lang="en-US" sz="1800" spc="-1" strike="noStrike">
-              <a:solidFill>
-                <a:srgbClr val="000000"/>
-              </a:solidFill>
-              <a:uFill>
-                <a:solidFill>
-                  <a:srgbClr val="ffffff"/>
-                </a:solidFill>
-              </a:uFill>
-              <a:latin typeface="Arial"/>
-            </a:endParaRPr>
-          </a:p>
-          <a:p>
-            <a:pPr marL="285840" indent="-284760">
+              <a:t>JDK (from Oracle).</a:t>
+            </a:r>
+            <a:endParaRPr b="0" lang="en-US" sz="1800" spc="-1" strike="noStrike">
+              <a:solidFill>
+                <a:srgbClr val="000000"/>
+              </a:solidFill>
+              <a:uFill>
+                <a:solidFill>
+                  <a:srgbClr val="ffffff"/>
+                </a:solidFill>
+              </a:uFill>
+              <a:latin typeface="Arial"/>
+            </a:endParaRPr>
+          </a:p>
+          <a:p>
+            <a:pPr marL="285840" indent="-284400">
               <a:lnSpc>
                 <a:spcPct val="100000"/>
               </a:lnSpc>
@@ -10463,22 +10271,22 @@
                 <a:latin typeface="Calibri"/>
                 <a:ea typeface="DejaVu Sans"/>
               </a:rPr>
-              <a:t>Android Studio</a:t>
-            </a:r>
-            <a:endParaRPr b="0" lang="en-US" sz="1800" spc="-1" strike="noStrike">
-              <a:solidFill>
-                <a:srgbClr val="000000"/>
-              </a:solidFill>
-              <a:uFill>
-                <a:solidFill>
-                  <a:srgbClr val="ffffff"/>
-                </a:solidFill>
-              </a:uFill>
-              <a:latin typeface="Arial"/>
-            </a:endParaRPr>
-          </a:p>
-          <a:p>
-            <a:pPr marL="285840" indent="-284760">
+              <a:t>Android Studio (from Google).</a:t>
+            </a:r>
+            <a:endParaRPr b="0" lang="en-US" sz="1800" spc="-1" strike="noStrike">
+              <a:solidFill>
+                <a:srgbClr val="000000"/>
+              </a:solidFill>
+              <a:uFill>
+                <a:solidFill>
+                  <a:srgbClr val="ffffff"/>
+                </a:solidFill>
+              </a:uFill>
+              <a:latin typeface="Arial"/>
+            </a:endParaRPr>
+          </a:p>
+          <a:p>
+            <a:pPr marL="285840" indent="-284400">
               <a:lnSpc>
                 <a:spcPct val="100000"/>
               </a:lnSpc>
@@ -10501,22 +10309,22 @@
                 <a:latin typeface="Calibri"/>
                 <a:ea typeface="DejaVu Sans"/>
               </a:rPr>
-              <a:t>Android SDKs</a:t>
-            </a:r>
-            <a:endParaRPr b="0" lang="en-US" sz="1800" spc="-1" strike="noStrike">
-              <a:solidFill>
-                <a:srgbClr val="000000"/>
-              </a:solidFill>
-              <a:uFill>
-                <a:solidFill>
-                  <a:srgbClr val="ffffff"/>
-                </a:solidFill>
-              </a:uFill>
-              <a:latin typeface="Arial"/>
-            </a:endParaRPr>
-          </a:p>
-          <a:p>
-            <a:pPr marL="285840" indent="-284760">
+              <a:t>Android SDKs.</a:t>
+            </a:r>
+            <a:endParaRPr b="0" lang="en-US" sz="1800" spc="-1" strike="noStrike">
+              <a:solidFill>
+                <a:srgbClr val="000000"/>
+              </a:solidFill>
+              <a:uFill>
+                <a:solidFill>
+                  <a:srgbClr val="ffffff"/>
+                </a:solidFill>
+              </a:uFill>
+              <a:latin typeface="Arial"/>
+            </a:endParaRPr>
+          </a:p>
+          <a:p>
+            <a:pPr marL="285840" indent="-284400">
               <a:lnSpc>
                 <a:spcPct val="100000"/>
               </a:lnSpc>
@@ -10554,7 +10362,7 @@
             </a:endParaRPr>
           </a:p>
           <a:p>
-            <a:pPr lvl="1" marL="743040" indent="-284760">
+            <a:pPr lvl="1" marL="743040" indent="-284400">
               <a:lnSpc>
                 <a:spcPct val="100000"/>
               </a:lnSpc>
@@ -10592,7 +10400,7 @@
             </a:endParaRPr>
           </a:p>
           <a:p>
-            <a:pPr lvl="1" marL="743040" indent="-284760">
+            <a:pPr lvl="1" marL="743040" indent="-284400">
               <a:lnSpc>
                 <a:spcPct val="100000"/>
               </a:lnSpc>
@@ -10700,14 +10508,14 @@
       </p:grpSpPr>
       <p:sp>
         <p:nvSpPr>
-          <p:cNvPr id="87" name="CustomShape 1"/>
+          <p:cNvPr id="88" name="CustomShape 1"/>
           <p:cNvSpPr/>
           <p:nvPr/>
         </p:nvSpPr>
         <p:spPr>
           <a:xfrm>
             <a:off x="562320" y="266760"/>
-            <a:ext cx="10514520" cy="1324440"/>
+            <a:ext cx="10514160" cy="1324080"/>
           </a:xfrm>
           <a:prstGeom prst="rect">
             <a:avLst/>
@@ -10762,14 +10570,14 @@
       </p:sp>
       <p:sp>
         <p:nvSpPr>
-          <p:cNvPr id="88" name="CustomShape 2"/>
+          <p:cNvPr id="89" name="CustomShape 2"/>
           <p:cNvSpPr/>
           <p:nvPr/>
         </p:nvSpPr>
         <p:spPr>
           <a:xfrm>
             <a:off x="495360" y="1589040"/>
-            <a:ext cx="10733760" cy="1827000"/>
+            <a:ext cx="10733400" cy="1826640"/>
           </a:xfrm>
           <a:prstGeom prst="rect">
             <a:avLst/>
@@ -10788,7 +10596,7 @@
         <p:txBody>
           <a:bodyPr lIns="90000" rIns="90000" tIns="45000" bIns="45000"/>
           <a:p>
-            <a:pPr lvl="1" marL="743040" indent="-284760">
+            <a:pPr lvl="1" marL="743040" indent="-284400">
               <a:lnSpc>
                 <a:spcPct val="100000"/>
               </a:lnSpc>
@@ -10826,7 +10634,7 @@
             </a:endParaRPr>
           </a:p>
           <a:p>
-            <a:pPr lvl="1" marL="743040" indent="-284760">
+            <a:pPr lvl="1" marL="743040" indent="-284400">
               <a:lnSpc>
                 <a:spcPct val="100000"/>
               </a:lnSpc>
@@ -10864,7 +10672,7 @@
             </a:endParaRPr>
           </a:p>
           <a:p>
-            <a:pPr lvl="1" marL="743040" indent="-284760">
+            <a:pPr lvl="1" marL="743040" indent="-284400">
               <a:lnSpc>
                 <a:spcPct val="100000"/>
               </a:lnSpc>
@@ -10902,7 +10710,7 @@
             </a:endParaRPr>
           </a:p>
           <a:p>
-            <a:pPr lvl="1" marL="743040" indent="-284760">
+            <a:pPr lvl="1" marL="743040" indent="-284400">
               <a:lnSpc>
                 <a:spcPct val="100000"/>
               </a:lnSpc>
@@ -10926,6 +10734,44 @@
                 <a:ea typeface="DejaVu Sans"/>
               </a:rPr>
               <a:t>Messages – Shows build messages and error.</a:t>
+            </a:r>
+            <a:endParaRPr b="0" lang="en-US" sz="1800" spc="-1" strike="noStrike">
+              <a:solidFill>
+                <a:srgbClr val="000000"/>
+              </a:solidFill>
+              <a:uFill>
+                <a:solidFill>
+                  <a:srgbClr val="ffffff"/>
+                </a:solidFill>
+              </a:uFill>
+              <a:latin typeface="Arial"/>
+            </a:endParaRPr>
+          </a:p>
+          <a:p>
+            <a:pPr lvl="1" marL="743040" indent="-284400">
+              <a:lnSpc>
+                <a:spcPct val="100000"/>
+              </a:lnSpc>
+              <a:buClr>
+                <a:srgbClr val="000000"/>
+              </a:buClr>
+              <a:buFont typeface="Arial"/>
+              <a:buChar char="•"/>
+            </a:pPr>
+            <a:r>
+              <a:rPr b="0" lang="en-US" sz="2400" spc="-1" strike="noStrike">
+                <a:solidFill>
+                  <a:srgbClr val="000000"/>
+                </a:solidFill>
+                <a:uFill>
+                  <a:solidFill>
+                    <a:srgbClr val="ffffff"/>
+                  </a:solidFill>
+                </a:uFill>
+                <a:latin typeface="Calibri"/>
+                <a:ea typeface="DejaVu Sans"/>
+              </a:rPr>
+              <a:t>Toolbar : Run, Build, Debug, AVD, SDK Manager.</a:t>
             </a:r>
             <a:endParaRPr b="0" lang="en-US" sz="1800" spc="-1" strike="noStrike">
               <a:solidFill>
@@ -11008,29 +10854,610 @@
           <a:chExt cx="0" cy="0"/>
         </a:xfrm>
       </p:grpSpPr>
-      <p:pic>
-        <p:nvPicPr>
-          <p:cNvPr id="89" name="" descr=""/>
-          <p:cNvPicPr/>
+      <p:sp>
+        <p:nvSpPr>
+          <p:cNvPr id="90" name="CustomShape 1"/>
+          <p:cNvSpPr/>
           <p:nvPr/>
-        </p:nvPicPr>
-        <p:blipFill>
-          <a:blip r:embed="rId1"/>
-          <a:stretch/>
-        </p:blipFill>
-        <p:spPr>
-          <a:xfrm>
-            <a:off x="1645920" y="182880"/>
-            <a:ext cx="8758800" cy="6582600"/>
-          </a:xfrm>
-          <a:prstGeom prst="rect">
-            <a:avLst/>
-          </a:prstGeom>
+        </p:nvSpPr>
+        <p:spPr>
+          <a:xfrm>
+            <a:off x="562320" y="266760"/>
+            <a:ext cx="10514160" cy="1324080"/>
+          </a:xfrm>
+          <a:prstGeom prst="rect">
+            <a:avLst/>
+          </a:prstGeom>
+          <a:noFill/>
           <a:ln>
             <a:noFill/>
           </a:ln>
         </p:spPr>
-      </p:pic>
+        <p:style>
+          <a:lnRef idx="0"/>
+          <a:fillRef idx="0"/>
+          <a:effectRef idx="0"/>
+          <a:fontRef idx="minor"/>
+        </p:style>
+        <p:txBody>
+          <a:bodyPr lIns="90000" rIns="90000" tIns="45000" bIns="45000" anchor="ctr"/>
+          <a:p>
+            <a:pPr>
+              <a:lnSpc>
+                <a:spcPct val="90000"/>
+              </a:lnSpc>
+            </a:pPr>
+            <a:r>
+              <a:rPr b="1" lang="en-US" sz="4800" spc="-1" strike="noStrike">
+                <a:solidFill>
+                  <a:srgbClr val="000000"/>
+                </a:solidFill>
+                <a:uFill>
+                  <a:solidFill>
+                    <a:srgbClr val="ffffff"/>
+                  </a:solidFill>
+                </a:uFill>
+                <a:latin typeface="Calibri Light"/>
+                <a:ea typeface="DejaVu Sans"/>
+              </a:rPr>
+              <a:t>Project Structure</a:t>
+            </a:r>
+            <a:endParaRPr b="0" lang="en-US" sz="1800" spc="-1" strike="noStrike">
+              <a:solidFill>
+                <a:srgbClr val="000000"/>
+              </a:solidFill>
+              <a:uFill>
+                <a:solidFill>
+                  <a:srgbClr val="ffffff"/>
+                </a:solidFill>
+              </a:uFill>
+              <a:latin typeface="Arial"/>
+            </a:endParaRPr>
+          </a:p>
+        </p:txBody>
+      </p:sp>
+      <p:sp>
+        <p:nvSpPr>
+          <p:cNvPr id="91" name="CustomShape 2"/>
+          <p:cNvSpPr/>
+          <p:nvPr/>
+        </p:nvSpPr>
+        <p:spPr>
+          <a:xfrm>
+            <a:off x="495360" y="1589040"/>
+            <a:ext cx="10733400" cy="4386960"/>
+          </a:xfrm>
+          <a:prstGeom prst="rect">
+            <a:avLst/>
+          </a:prstGeom>
+          <a:noFill/>
+          <a:ln>
+            <a:noFill/>
+          </a:ln>
+        </p:spPr>
+        <p:style>
+          <a:lnRef idx="0"/>
+          <a:fillRef idx="0"/>
+          <a:effectRef idx="0"/>
+          <a:fontRef idx="minor"/>
+        </p:style>
+        <p:txBody>
+          <a:bodyPr lIns="90000" rIns="90000" tIns="45000" bIns="45000"/>
+          <a:p>
+            <a:pPr lvl="1" marL="743040" indent="-284400">
+              <a:lnSpc>
+                <a:spcPct val="100000"/>
+              </a:lnSpc>
+              <a:buClr>
+                <a:srgbClr val="000000"/>
+              </a:buClr>
+              <a:buFont typeface="Arial"/>
+              <a:buChar char="•"/>
+            </a:pPr>
+            <a:r>
+              <a:rPr b="1" i="1" lang="en-US" sz="2400" spc="-1" strike="noStrike">
+                <a:solidFill>
+                  <a:srgbClr val="000000"/>
+                </a:solidFill>
+                <a:uFill>
+                  <a:solidFill>
+                    <a:srgbClr val="ffffff"/>
+                  </a:solidFill>
+                </a:uFill>
+                <a:latin typeface="Calibri"/>
+                <a:ea typeface="DejaVu Sans"/>
+              </a:rPr>
+              <a:t>src</a:t>
+            </a:r>
+            <a:r>
+              <a:rPr b="0" lang="en-US" sz="2400" spc="-1" strike="noStrike">
+                <a:solidFill>
+                  <a:srgbClr val="000000"/>
+                </a:solidFill>
+                <a:uFill>
+                  <a:solidFill>
+                    <a:srgbClr val="ffffff"/>
+                  </a:solidFill>
+                </a:uFill>
+                <a:latin typeface="Calibri"/>
+                <a:ea typeface="DejaVu Sans"/>
+              </a:rPr>
+              <a:t> Folder - All source code and resource folders.</a:t>
+            </a:r>
+            <a:endParaRPr b="0" lang="en-US" sz="1800" spc="-1" strike="noStrike">
+              <a:solidFill>
+                <a:srgbClr val="000000"/>
+              </a:solidFill>
+              <a:uFill>
+                <a:solidFill>
+                  <a:srgbClr val="ffffff"/>
+                </a:solidFill>
+              </a:uFill>
+              <a:latin typeface="Arial"/>
+            </a:endParaRPr>
+          </a:p>
+          <a:p>
+            <a:pPr lvl="1" marL="743040" indent="-284400">
+              <a:lnSpc>
+                <a:spcPct val="100000"/>
+              </a:lnSpc>
+              <a:buClr>
+                <a:srgbClr val="000000"/>
+              </a:buClr>
+              <a:buFont typeface="Arial"/>
+              <a:buChar char="•"/>
+            </a:pPr>
+            <a:r>
+              <a:rPr b="1" i="1" lang="en-US" sz="2400" spc="-1" strike="noStrike">
+                <a:solidFill>
+                  <a:srgbClr val="000000"/>
+                </a:solidFill>
+                <a:uFill>
+                  <a:solidFill>
+                    <a:srgbClr val="ffffff"/>
+                  </a:solidFill>
+                </a:uFill>
+                <a:latin typeface="Calibri"/>
+                <a:ea typeface="DejaVu Sans"/>
+              </a:rPr>
+              <a:t>java</a:t>
+            </a:r>
+            <a:r>
+              <a:rPr b="0" lang="en-US" sz="2400" spc="-1" strike="noStrike">
+                <a:solidFill>
+                  <a:srgbClr val="000000"/>
+                </a:solidFill>
+                <a:uFill>
+                  <a:solidFill>
+                    <a:srgbClr val="ffffff"/>
+                  </a:solidFill>
+                </a:uFill>
+                <a:latin typeface="Calibri"/>
+                <a:ea typeface="DejaVu Sans"/>
+              </a:rPr>
+              <a:t> Folder -  All source code files.</a:t>
+            </a:r>
+            <a:endParaRPr b="0" lang="en-US" sz="1800" spc="-1" strike="noStrike">
+              <a:solidFill>
+                <a:srgbClr val="000000"/>
+              </a:solidFill>
+              <a:uFill>
+                <a:solidFill>
+                  <a:srgbClr val="ffffff"/>
+                </a:solidFill>
+              </a:uFill>
+              <a:latin typeface="Arial"/>
+            </a:endParaRPr>
+          </a:p>
+          <a:p>
+            <a:pPr lvl="1" marL="743040" indent="-284400">
+              <a:lnSpc>
+                <a:spcPct val="100000"/>
+              </a:lnSpc>
+              <a:buClr>
+                <a:srgbClr val="000000"/>
+              </a:buClr>
+              <a:buFont typeface="Arial"/>
+              <a:buChar char="•"/>
+            </a:pPr>
+            <a:r>
+              <a:rPr b="1" i="1" lang="en-US" sz="2400" spc="-1" strike="noStrike">
+                <a:solidFill>
+                  <a:srgbClr val="000000"/>
+                </a:solidFill>
+                <a:uFill>
+                  <a:solidFill>
+                    <a:srgbClr val="ffffff"/>
+                  </a:solidFill>
+                </a:uFill>
+                <a:latin typeface="Calibri"/>
+                <a:ea typeface="DejaVu Sans"/>
+              </a:rPr>
+              <a:t>res</a:t>
+            </a:r>
+            <a:r>
+              <a:rPr b="0" lang="en-US" sz="2400" spc="-1" strike="noStrike">
+                <a:solidFill>
+                  <a:srgbClr val="000000"/>
+                </a:solidFill>
+                <a:uFill>
+                  <a:solidFill>
+                    <a:srgbClr val="ffffff"/>
+                  </a:solidFill>
+                </a:uFill>
+                <a:latin typeface="Calibri"/>
+                <a:ea typeface="DejaVu Sans"/>
+              </a:rPr>
+              <a:t> Folder - resource folders that contains images, layouts etc.</a:t>
+            </a:r>
+            <a:endParaRPr b="0" lang="en-US" sz="1800" spc="-1" strike="noStrike">
+              <a:solidFill>
+                <a:srgbClr val="000000"/>
+              </a:solidFill>
+              <a:uFill>
+                <a:solidFill>
+                  <a:srgbClr val="ffffff"/>
+                </a:solidFill>
+              </a:uFill>
+              <a:latin typeface="Arial"/>
+            </a:endParaRPr>
+          </a:p>
+          <a:p>
+            <a:pPr lvl="1" marL="743040" indent="-284400">
+              <a:lnSpc>
+                <a:spcPct val="100000"/>
+              </a:lnSpc>
+              <a:buClr>
+                <a:srgbClr val="000000"/>
+              </a:buClr>
+              <a:buFont typeface="Arial"/>
+              <a:buChar char="•"/>
+            </a:pPr>
+            <a:r>
+              <a:rPr b="1" i="1" lang="en-US" sz="2400" spc="-1" strike="noStrike">
+                <a:solidFill>
+                  <a:srgbClr val="000000"/>
+                </a:solidFill>
+                <a:uFill>
+                  <a:solidFill>
+                    <a:srgbClr val="ffffff"/>
+                  </a:solidFill>
+                </a:uFill>
+                <a:latin typeface="Calibri"/>
+                <a:ea typeface="DejaVu Sans"/>
+              </a:rPr>
+              <a:t>libs</a:t>
+            </a:r>
+            <a:r>
+              <a:rPr b="0" lang="en-US" sz="2400" spc="-1" strike="noStrike">
+                <a:solidFill>
+                  <a:srgbClr val="000000"/>
+                </a:solidFill>
+                <a:uFill>
+                  <a:solidFill>
+                    <a:srgbClr val="ffffff"/>
+                  </a:solidFill>
+                </a:uFill>
+                <a:latin typeface="Calibri"/>
+                <a:ea typeface="DejaVu Sans"/>
+              </a:rPr>
+              <a:t> Folder - private or local library files.</a:t>
+            </a:r>
+            <a:endParaRPr b="0" lang="en-US" sz="1800" spc="-1" strike="noStrike">
+              <a:solidFill>
+                <a:srgbClr val="000000"/>
+              </a:solidFill>
+              <a:uFill>
+                <a:solidFill>
+                  <a:srgbClr val="ffffff"/>
+                </a:solidFill>
+              </a:uFill>
+              <a:latin typeface="Arial"/>
+            </a:endParaRPr>
+          </a:p>
+          <a:p>
+            <a:pPr lvl="1" marL="743040" indent="-284400">
+              <a:lnSpc>
+                <a:spcPct val="100000"/>
+              </a:lnSpc>
+              <a:buClr>
+                <a:srgbClr val="000000"/>
+              </a:buClr>
+              <a:buFont typeface="Arial"/>
+              <a:buChar char="•"/>
+            </a:pPr>
+            <a:r>
+              <a:rPr b="1" i="1" lang="en-US" sz="2400" spc="-1" strike="noStrike">
+                <a:solidFill>
+                  <a:srgbClr val="000000"/>
+                </a:solidFill>
+                <a:uFill>
+                  <a:solidFill>
+                    <a:srgbClr val="ffffff"/>
+                  </a:solidFill>
+                </a:uFill>
+                <a:latin typeface="Calibri"/>
+                <a:ea typeface="DejaVu Sans"/>
+              </a:rPr>
+              <a:t>build</a:t>
+            </a:r>
+            <a:r>
+              <a:rPr b="0" lang="en-US" sz="2400" spc="-1" strike="noStrike">
+                <a:solidFill>
+                  <a:srgbClr val="000000"/>
+                </a:solidFill>
+                <a:uFill>
+                  <a:solidFill>
+                    <a:srgbClr val="ffffff"/>
+                  </a:solidFill>
+                </a:uFill>
+                <a:latin typeface="Calibri"/>
+                <a:ea typeface="DejaVu Sans"/>
+              </a:rPr>
+              <a:t> Folder - apk* files.</a:t>
+            </a:r>
+            <a:endParaRPr b="0" lang="en-US" sz="1800" spc="-1" strike="noStrike">
+              <a:solidFill>
+                <a:srgbClr val="000000"/>
+              </a:solidFill>
+              <a:uFill>
+                <a:solidFill>
+                  <a:srgbClr val="ffffff"/>
+                </a:solidFill>
+              </a:uFill>
+              <a:latin typeface="Arial"/>
+            </a:endParaRPr>
+          </a:p>
+          <a:p>
+            <a:pPr lvl="1" marL="743040" indent="-284400">
+              <a:lnSpc>
+                <a:spcPct val="100000"/>
+              </a:lnSpc>
+              <a:buClr>
+                <a:srgbClr val="000000"/>
+              </a:buClr>
+              <a:buFont typeface="Arial"/>
+              <a:buChar char="•"/>
+            </a:pPr>
+            <a:r>
+              <a:rPr b="1" i="1" lang="en-US" sz="2400" spc="-1" strike="noStrike">
+                <a:solidFill>
+                  <a:srgbClr val="000000"/>
+                </a:solidFill>
+                <a:uFill>
+                  <a:solidFill>
+                    <a:srgbClr val="ffffff"/>
+                  </a:solidFill>
+                </a:uFill>
+                <a:latin typeface="Calibri"/>
+                <a:ea typeface="DejaVu Sans"/>
+              </a:rPr>
+              <a:t>values</a:t>
+            </a:r>
+            <a:r>
+              <a:rPr b="0" lang="en-US" sz="2400" spc="-1" strike="noStrike">
+                <a:solidFill>
+                  <a:srgbClr val="000000"/>
+                </a:solidFill>
+                <a:uFill>
+                  <a:solidFill>
+                    <a:srgbClr val="ffffff"/>
+                  </a:solidFill>
+                </a:uFill>
+                <a:latin typeface="Calibri"/>
+                <a:ea typeface="DejaVu Sans"/>
+              </a:rPr>
+              <a:t> Folder </a:t>
+            </a:r>
+            <a:endParaRPr b="0" lang="en-US" sz="1800" spc="-1" strike="noStrike">
+              <a:solidFill>
+                <a:srgbClr val="000000"/>
+              </a:solidFill>
+              <a:uFill>
+                <a:solidFill>
+                  <a:srgbClr val="ffffff"/>
+                </a:solidFill>
+              </a:uFill>
+              <a:latin typeface="Arial"/>
+            </a:endParaRPr>
+          </a:p>
+          <a:p>
+            <a:pPr lvl="2" marL="1200240" indent="-284400">
+              <a:lnSpc>
+                <a:spcPct val="100000"/>
+              </a:lnSpc>
+              <a:buClr>
+                <a:srgbClr val="000000"/>
+              </a:buClr>
+              <a:buFont typeface="Arial"/>
+              <a:buChar char="•"/>
+            </a:pPr>
+            <a:r>
+              <a:rPr b="1" i="1" lang="en-US" sz="2400" spc="-1" strike="noStrike">
+                <a:solidFill>
+                  <a:srgbClr val="000000"/>
+                </a:solidFill>
+                <a:uFill>
+                  <a:solidFill>
+                    <a:srgbClr val="ffffff"/>
+                  </a:solidFill>
+                </a:uFill>
+                <a:latin typeface="Calibri"/>
+                <a:ea typeface="DejaVu Sans"/>
+              </a:rPr>
+              <a:t>colors</a:t>
+            </a:r>
+            <a:r>
+              <a:rPr b="0" lang="en-US" sz="2400" spc="-1" strike="noStrike">
+                <a:solidFill>
+                  <a:srgbClr val="000000"/>
+                </a:solidFill>
+                <a:uFill>
+                  <a:solidFill>
+                    <a:srgbClr val="ffffff"/>
+                  </a:solidFill>
+                </a:uFill>
+                <a:latin typeface="Calibri"/>
+                <a:ea typeface="DejaVu Sans"/>
+              </a:rPr>
+              <a:t>: define color variables.</a:t>
+            </a:r>
+            <a:endParaRPr b="0" lang="en-US" sz="1800" spc="-1" strike="noStrike">
+              <a:solidFill>
+                <a:srgbClr val="000000"/>
+              </a:solidFill>
+              <a:uFill>
+                <a:solidFill>
+                  <a:srgbClr val="ffffff"/>
+                </a:solidFill>
+              </a:uFill>
+              <a:latin typeface="Arial"/>
+            </a:endParaRPr>
+          </a:p>
+          <a:p>
+            <a:pPr lvl="2" marL="1200240" indent="-284400">
+              <a:lnSpc>
+                <a:spcPct val="100000"/>
+              </a:lnSpc>
+              <a:buClr>
+                <a:srgbClr val="000000"/>
+              </a:buClr>
+              <a:buFont typeface="Arial"/>
+              <a:buChar char="•"/>
+            </a:pPr>
+            <a:r>
+              <a:rPr b="1" i="1" lang="en-US" sz="2400" spc="-1" strike="noStrike">
+                <a:solidFill>
+                  <a:srgbClr val="000000"/>
+                </a:solidFill>
+                <a:uFill>
+                  <a:solidFill>
+                    <a:srgbClr val="ffffff"/>
+                  </a:solidFill>
+                </a:uFill>
+                <a:latin typeface="Calibri"/>
+                <a:ea typeface="DejaVu Sans"/>
+              </a:rPr>
+              <a:t>strings</a:t>
+            </a:r>
+            <a:r>
+              <a:rPr b="0" lang="en-US" sz="2400" spc="-1" strike="noStrike">
+                <a:solidFill>
+                  <a:srgbClr val="000000"/>
+                </a:solidFill>
+                <a:uFill>
+                  <a:solidFill>
+                    <a:srgbClr val="ffffff"/>
+                  </a:solidFill>
+                </a:uFill>
+                <a:latin typeface="Calibri"/>
+                <a:ea typeface="DejaVu Sans"/>
+              </a:rPr>
+              <a:t>: define constant strings.</a:t>
+            </a:r>
+            <a:endParaRPr b="0" lang="en-US" sz="1800" spc="-1" strike="noStrike">
+              <a:solidFill>
+                <a:srgbClr val="000000"/>
+              </a:solidFill>
+              <a:uFill>
+                <a:solidFill>
+                  <a:srgbClr val="ffffff"/>
+                </a:solidFill>
+              </a:uFill>
+              <a:latin typeface="Arial"/>
+            </a:endParaRPr>
+          </a:p>
+          <a:p>
+            <a:pPr lvl="2" marL="1200240" indent="-284400">
+              <a:lnSpc>
+                <a:spcPct val="100000"/>
+              </a:lnSpc>
+              <a:buClr>
+                <a:srgbClr val="000000"/>
+              </a:buClr>
+              <a:buFont typeface="Arial"/>
+              <a:buChar char="•"/>
+            </a:pPr>
+            <a:r>
+              <a:rPr b="1" i="1" lang="en-US" sz="2400" spc="-1" strike="noStrike">
+                <a:solidFill>
+                  <a:srgbClr val="000000"/>
+                </a:solidFill>
+                <a:uFill>
+                  <a:solidFill>
+                    <a:srgbClr val="ffffff"/>
+                  </a:solidFill>
+                </a:uFill>
+                <a:latin typeface="Calibri"/>
+                <a:ea typeface="DejaVu Sans"/>
+              </a:rPr>
+              <a:t>styles</a:t>
+            </a:r>
+            <a:r>
+              <a:rPr b="0" lang="en-US" sz="2400" spc="-1" strike="noStrike">
+                <a:solidFill>
+                  <a:srgbClr val="000000"/>
+                </a:solidFill>
+                <a:uFill>
+                  <a:solidFill>
+                    <a:srgbClr val="ffffff"/>
+                  </a:solidFill>
+                </a:uFill>
+                <a:latin typeface="Calibri"/>
+                <a:ea typeface="DejaVu Sans"/>
+              </a:rPr>
+              <a:t>: Define app styles.</a:t>
+            </a:r>
+            <a:endParaRPr b="0" lang="en-US" sz="1800" spc="-1" strike="noStrike">
+              <a:solidFill>
+                <a:srgbClr val="000000"/>
+              </a:solidFill>
+              <a:uFill>
+                <a:solidFill>
+                  <a:srgbClr val="ffffff"/>
+                </a:solidFill>
+              </a:uFill>
+              <a:latin typeface="Arial"/>
+            </a:endParaRPr>
+          </a:p>
+          <a:p>
+            <a:pPr>
+              <a:lnSpc>
+                <a:spcPct val="100000"/>
+              </a:lnSpc>
+            </a:pPr>
+            <a:endParaRPr b="0" lang="en-US" sz="1800" spc="-1" strike="noStrike">
+              <a:solidFill>
+                <a:srgbClr val="000000"/>
+              </a:solidFill>
+              <a:uFill>
+                <a:solidFill>
+                  <a:srgbClr val="ffffff"/>
+                </a:solidFill>
+              </a:uFill>
+              <a:latin typeface="Arial"/>
+            </a:endParaRPr>
+          </a:p>
+          <a:p>
+            <a:pPr>
+              <a:lnSpc>
+                <a:spcPct val="100000"/>
+              </a:lnSpc>
+            </a:pPr>
+            <a:endParaRPr b="0" lang="en-US" sz="1800" spc="-1" strike="noStrike">
+              <a:solidFill>
+                <a:srgbClr val="000000"/>
+              </a:solidFill>
+              <a:uFill>
+                <a:solidFill>
+                  <a:srgbClr val="ffffff"/>
+                </a:solidFill>
+              </a:uFill>
+              <a:latin typeface="Arial"/>
+            </a:endParaRPr>
+          </a:p>
+        </p:txBody>
+      </p:sp>
     </p:spTree>
   </p:cSld>
   <p:timing>
@@ -11082,14 +11509,14 @@
       </p:grpSpPr>
       <p:sp>
         <p:nvSpPr>
-          <p:cNvPr id="90" name="CustomShape 1"/>
+          <p:cNvPr id="92" name="CustomShape 1"/>
           <p:cNvSpPr/>
           <p:nvPr/>
         </p:nvSpPr>
         <p:spPr>
           <a:xfrm>
             <a:off x="562320" y="266760"/>
-            <a:ext cx="10514520" cy="1324440"/>
+            <a:ext cx="10514160" cy="1324080"/>
           </a:xfrm>
           <a:prstGeom prst="rect">
             <a:avLst/>
@@ -11126,32 +11553,32 @@
                 <a:latin typeface="Calibri Light"/>
                 <a:ea typeface="DejaVu Sans"/>
               </a:rPr>
-              <a:t>Project Structure</a:t>
-            </a:r>
-            <a:endParaRPr b="0" lang="en-US" sz="1800" spc="-1" strike="noStrike">
-              <a:solidFill>
-                <a:srgbClr val="000000"/>
-              </a:solidFill>
-              <a:uFill>
-                <a:solidFill>
-                  <a:srgbClr val="ffffff"/>
-                </a:solidFill>
-              </a:uFill>
-              <a:latin typeface="Arial"/>
-            </a:endParaRPr>
-          </a:p>
-        </p:txBody>
-      </p:sp>
-      <p:sp>
-        <p:nvSpPr>
-          <p:cNvPr id="91" name="CustomShape 2"/>
+              <a:t>Terminologies</a:t>
+            </a:r>
+            <a:endParaRPr b="0" lang="en-US" sz="1800" spc="-1" strike="noStrike">
+              <a:solidFill>
+                <a:srgbClr val="000000"/>
+              </a:solidFill>
+              <a:uFill>
+                <a:solidFill>
+                  <a:srgbClr val="ffffff"/>
+                </a:solidFill>
+              </a:uFill>
+              <a:latin typeface="Arial"/>
+            </a:endParaRPr>
+          </a:p>
+        </p:txBody>
+      </p:sp>
+      <p:sp>
+        <p:nvSpPr>
+          <p:cNvPr id="93" name="CustomShape 2"/>
           <p:cNvSpPr/>
           <p:nvPr/>
         </p:nvSpPr>
         <p:spPr>
           <a:xfrm>
             <a:off x="495360" y="1589040"/>
-            <a:ext cx="10733760" cy="4387320"/>
+            <a:ext cx="10733400" cy="5117760"/>
           </a:xfrm>
           <a:prstGeom prst="rect">
             <a:avLst/>
@@ -11170,7 +11597,7 @@
         <p:txBody>
           <a:bodyPr lIns="90000" rIns="90000" tIns="45000" bIns="45000"/>
           <a:p>
-            <a:pPr lvl="1" marL="743040" indent="-284760">
+            <a:pPr lvl="1" marL="743040" indent="-284400">
               <a:lnSpc>
                 <a:spcPct val="100000"/>
               </a:lnSpc>
@@ -11181,6 +11608,21 @@
               <a:buChar char="•"/>
             </a:pPr>
             <a:r>
+              <a:rPr b="1" i="1" lang="en-US" sz="2400" spc="-1" strike="noStrike">
+                <a:solidFill>
+                  <a:srgbClr val="000000"/>
+                </a:solidFill>
+                <a:uFill>
+                  <a:solidFill>
+                    <a:srgbClr val="ffffff"/>
+                  </a:solidFill>
+                </a:uFill>
+                <a:latin typeface="Calibri"/>
+                <a:ea typeface="DejaVu Sans"/>
+              </a:rPr>
+              <a:t>Activity</a:t>
+            </a:r>
+            <a:r>
               <a:rPr b="0" lang="en-US" sz="2400" spc="-1" strike="noStrike">
                 <a:solidFill>
                   <a:srgbClr val="000000"/>
@@ -11193,22 +11635,22 @@
                 <a:latin typeface="Calibri"/>
                 <a:ea typeface="DejaVu Sans"/>
               </a:rPr>
-              <a:t>Src Folder - All source code and resource folders</a:t>
-            </a:r>
-            <a:endParaRPr b="0" lang="en-US" sz="1800" spc="-1" strike="noStrike">
-              <a:solidFill>
-                <a:srgbClr val="000000"/>
-              </a:solidFill>
-              <a:uFill>
-                <a:solidFill>
-                  <a:srgbClr val="ffffff"/>
-                </a:solidFill>
-              </a:uFill>
-              <a:latin typeface="Arial"/>
-            </a:endParaRPr>
-          </a:p>
-          <a:p>
-            <a:pPr lvl="1" marL="743040" indent="-284760">
+              <a:t> – One page of app that can be used to display controls like text, buttons etc.</a:t>
+            </a:r>
+            <a:endParaRPr b="0" lang="en-US" sz="1800" spc="-1" strike="noStrike">
+              <a:solidFill>
+                <a:srgbClr val="000000"/>
+              </a:solidFill>
+              <a:uFill>
+                <a:solidFill>
+                  <a:srgbClr val="ffffff"/>
+                </a:solidFill>
+              </a:uFill>
+              <a:latin typeface="Arial"/>
+            </a:endParaRPr>
+          </a:p>
+          <a:p>
+            <a:pPr lvl="1" marL="743040" indent="-284400">
               <a:lnSpc>
                 <a:spcPct val="100000"/>
               </a:lnSpc>
@@ -11219,6 +11661,21 @@
               <a:buChar char="•"/>
             </a:pPr>
             <a:r>
+              <a:rPr b="1" i="1" lang="en-US" sz="2400" spc="-1" strike="noStrike">
+                <a:solidFill>
+                  <a:srgbClr val="000000"/>
+                </a:solidFill>
+                <a:uFill>
+                  <a:solidFill>
+                    <a:srgbClr val="ffffff"/>
+                  </a:solidFill>
+                </a:uFill>
+                <a:latin typeface="Calibri"/>
+                <a:ea typeface="DejaVu Sans"/>
+              </a:rPr>
+              <a:t>Resource</a:t>
+            </a:r>
+            <a:r>
               <a:rPr b="0" lang="en-US" sz="2400" spc="-1" strike="noStrike">
                 <a:solidFill>
                   <a:srgbClr val="000000"/>
@@ -11231,22 +11688,22 @@
                 <a:latin typeface="Calibri"/>
                 <a:ea typeface="DejaVu Sans"/>
               </a:rPr>
-              <a:t>Java Folder -  All source code files</a:t>
-            </a:r>
-            <a:endParaRPr b="0" lang="en-US" sz="1800" spc="-1" strike="noStrike">
-              <a:solidFill>
-                <a:srgbClr val="000000"/>
-              </a:solidFill>
-              <a:uFill>
-                <a:solidFill>
-                  <a:srgbClr val="ffffff"/>
-                </a:solidFill>
-              </a:uFill>
-              <a:latin typeface="Arial"/>
-            </a:endParaRPr>
-          </a:p>
-          <a:p>
-            <a:pPr lvl="1" marL="743040" indent="-284760">
+              <a:t> – Images, Audio, UIs</a:t>
+            </a:r>
+            <a:endParaRPr b="0" lang="en-US" sz="1800" spc="-1" strike="noStrike">
+              <a:solidFill>
+                <a:srgbClr val="000000"/>
+              </a:solidFill>
+              <a:uFill>
+                <a:solidFill>
+                  <a:srgbClr val="ffffff"/>
+                </a:solidFill>
+              </a:uFill>
+              <a:latin typeface="Arial"/>
+            </a:endParaRPr>
+          </a:p>
+          <a:p>
+            <a:pPr lvl="1" marL="800280" indent="-341640">
               <a:lnSpc>
                 <a:spcPct val="100000"/>
               </a:lnSpc>
@@ -11257,6 +11714,21 @@
               <a:buChar char="•"/>
             </a:pPr>
             <a:r>
+              <a:rPr b="1" i="1" lang="en-US" sz="2400" spc="-1" strike="noStrike">
+                <a:solidFill>
+                  <a:srgbClr val="000000"/>
+                </a:solidFill>
+                <a:uFill>
+                  <a:solidFill>
+                    <a:srgbClr val="ffffff"/>
+                  </a:solidFill>
+                </a:uFill>
+                <a:latin typeface="Calibri"/>
+                <a:ea typeface="DejaVu Sans"/>
+              </a:rPr>
+              <a:t>Module</a:t>
+            </a:r>
+            <a:r>
               <a:rPr b="0" lang="en-US" sz="2400" spc="-1" strike="noStrike">
                 <a:solidFill>
                   <a:srgbClr val="000000"/>
@@ -11269,22 +11741,22 @@
                 <a:latin typeface="Calibri"/>
                 <a:ea typeface="DejaVu Sans"/>
               </a:rPr>
-              <a:t>Res Folder - resource folders that contains images, layouts etc</a:t>
-            </a:r>
-            <a:endParaRPr b="0" lang="en-US" sz="1800" spc="-1" strike="noStrike">
-              <a:solidFill>
-                <a:srgbClr val="000000"/>
-              </a:solidFill>
-              <a:uFill>
-                <a:solidFill>
-                  <a:srgbClr val="ffffff"/>
-                </a:solidFill>
-              </a:uFill>
-              <a:latin typeface="Arial"/>
-            </a:endParaRPr>
-          </a:p>
-          <a:p>
-            <a:pPr lvl="1" marL="743040" indent="-284760">
+              <a:t> – Collection of classes and resources</a:t>
+            </a:r>
+            <a:endParaRPr b="0" lang="en-US" sz="1800" spc="-1" strike="noStrike">
+              <a:solidFill>
+                <a:srgbClr val="000000"/>
+              </a:solidFill>
+              <a:uFill>
+                <a:solidFill>
+                  <a:srgbClr val="ffffff"/>
+                </a:solidFill>
+              </a:uFill>
+              <a:latin typeface="Arial"/>
+            </a:endParaRPr>
+          </a:p>
+          <a:p>
+            <a:pPr lvl="1" marL="743040" indent="-284400">
               <a:lnSpc>
                 <a:spcPct val="100000"/>
               </a:lnSpc>
@@ -11295,6 +11767,21 @@
               <a:buChar char="•"/>
             </a:pPr>
             <a:r>
+              <a:rPr b="1" i="1" lang="en-US" sz="2400" spc="-1" strike="noStrike">
+                <a:solidFill>
+                  <a:srgbClr val="000000"/>
+                </a:solidFill>
+                <a:uFill>
+                  <a:solidFill>
+                    <a:srgbClr val="ffffff"/>
+                  </a:solidFill>
+                </a:uFill>
+                <a:latin typeface="Calibri"/>
+                <a:ea typeface="DejaVu Sans"/>
+              </a:rPr>
+              <a:t>Widgets</a:t>
+            </a:r>
+            <a:r>
               <a:rPr b="0" lang="en-US" sz="2400" spc="-1" strike="noStrike">
                 <a:solidFill>
                   <a:srgbClr val="000000"/>
@@ -11307,22 +11794,22 @@
                 <a:latin typeface="Calibri"/>
                 <a:ea typeface="DejaVu Sans"/>
               </a:rPr>
-              <a:t>Libs Folder - private or local libraries</a:t>
-            </a:r>
-            <a:endParaRPr b="0" lang="en-US" sz="1800" spc="-1" strike="noStrike">
-              <a:solidFill>
-                <a:srgbClr val="000000"/>
-              </a:solidFill>
-              <a:uFill>
-                <a:solidFill>
-                  <a:srgbClr val="ffffff"/>
-                </a:solidFill>
-              </a:uFill>
-              <a:latin typeface="Arial"/>
-            </a:endParaRPr>
-          </a:p>
-          <a:p>
-            <a:pPr lvl="1" marL="743040" indent="-284760">
+              <a:t> – View, Controls in Android are called widgets like ImagView, Button, TextView etc</a:t>
+            </a:r>
+            <a:endParaRPr b="0" lang="en-US" sz="1800" spc="-1" strike="noStrike">
+              <a:solidFill>
+                <a:srgbClr val="000000"/>
+              </a:solidFill>
+              <a:uFill>
+                <a:solidFill>
+                  <a:srgbClr val="ffffff"/>
+                </a:solidFill>
+              </a:uFill>
+              <a:latin typeface="Arial"/>
+            </a:endParaRPr>
+          </a:p>
+          <a:p>
+            <a:pPr lvl="1" marL="743040" indent="-284400">
               <a:lnSpc>
                 <a:spcPct val="100000"/>
               </a:lnSpc>
@@ -11333,6 +11820,21 @@
               <a:buChar char="•"/>
             </a:pPr>
             <a:r>
+              <a:rPr b="1" i="1" lang="en-US" sz="2400" spc="-1" strike="noStrike">
+                <a:solidFill>
+                  <a:srgbClr val="000000"/>
+                </a:solidFill>
+                <a:uFill>
+                  <a:solidFill>
+                    <a:srgbClr val="ffffff"/>
+                  </a:solidFill>
+                </a:uFill>
+                <a:latin typeface="Calibri"/>
+                <a:ea typeface="DejaVu Sans"/>
+              </a:rPr>
+              <a:t>ViewGroups</a:t>
+            </a:r>
+            <a:r>
               <a:rPr b="0" lang="en-US" sz="2400" spc="-1" strike="noStrike">
                 <a:solidFill>
                   <a:srgbClr val="000000"/>
@@ -11345,22 +11847,52 @@
                 <a:latin typeface="Calibri"/>
                 <a:ea typeface="DejaVu Sans"/>
               </a:rPr>
-              <a:t>Builds Folder - apk* files</a:t>
-            </a:r>
-            <a:endParaRPr b="0" lang="en-US" sz="1800" spc="-1" strike="noStrike">
-              <a:solidFill>
-                <a:srgbClr val="000000"/>
-              </a:solidFill>
-              <a:uFill>
-                <a:solidFill>
-                  <a:srgbClr val="ffffff"/>
-                </a:solidFill>
-              </a:uFill>
-              <a:latin typeface="Arial"/>
-            </a:endParaRPr>
-          </a:p>
-          <a:p>
-            <a:pPr lvl="1" marL="743040" indent="-284760">
+              <a:t> – </a:t>
+            </a:r>
+            <a:r>
+              <a:rPr b="1" lang="en-US" sz="2400" spc="-1" strike="noStrike">
+                <a:solidFill>
+                  <a:srgbClr val="000000"/>
+                </a:solidFill>
+                <a:uFill>
+                  <a:solidFill>
+                    <a:srgbClr val="ffffff"/>
+                  </a:solidFill>
+                </a:uFill>
+                <a:latin typeface="Calibri"/>
+                <a:ea typeface="DejaVu Sans"/>
+              </a:rPr>
+              <a:t> </a:t>
+            </a:r>
+            <a:r>
+              <a:rPr b="0" lang="en-US" sz="2400" spc="-1" strike="noStrike">
+                <a:solidFill>
+                  <a:srgbClr val="000000"/>
+                </a:solidFill>
+                <a:uFill>
+                  <a:solidFill>
+                    <a:srgbClr val="ffffff"/>
+                  </a:solidFill>
+                </a:uFill>
+                <a:latin typeface="Calibri"/>
+                <a:ea typeface="DejaVu Sans"/>
+              </a:rPr>
+              <a:t>are containers where widgets are placed. Each layout provides its own rules to place views (widgets or other viewgroups) inside.</a:t>
+            </a:r>
+            <a:endParaRPr b="0" lang="en-US" sz="1800" spc="-1" strike="noStrike">
+              <a:solidFill>
+                <a:srgbClr val="000000"/>
+              </a:solidFill>
+              <a:uFill>
+                <a:solidFill>
+                  <a:srgbClr val="ffffff"/>
+                </a:solidFill>
+              </a:uFill>
+              <a:latin typeface="Arial"/>
+            </a:endParaRPr>
+          </a:p>
+          <a:p>
+            <a:pPr lvl="1" marL="743040" indent="-284400">
               <a:lnSpc>
                 <a:spcPct val="100000"/>
               </a:lnSpc>
@@ -11371,6 +11903,21 @@
               <a:buChar char="•"/>
             </a:pPr>
             <a:r>
+              <a:rPr b="1" i="1" lang="en-US" sz="2400" spc="-1" strike="noStrike">
+                <a:solidFill>
+                  <a:srgbClr val="000000"/>
+                </a:solidFill>
+                <a:uFill>
+                  <a:solidFill>
+                    <a:srgbClr val="ffffff"/>
+                  </a:solidFill>
+                </a:uFill>
+                <a:latin typeface="Calibri"/>
+                <a:ea typeface="DejaVu Sans"/>
+              </a:rPr>
+              <a:t>Listener </a:t>
+            </a:r>
+            <a:r>
               <a:rPr b="0" lang="en-US" sz="2400" spc="-1" strike="noStrike">
                 <a:solidFill>
                   <a:srgbClr val="000000"/>
@@ -11383,22 +11930,22 @@
                 <a:latin typeface="Calibri"/>
                 <a:ea typeface="DejaVu Sans"/>
               </a:rPr>
-              <a:t>Assets Folder – Files save with exact original name and paths</a:t>
-            </a:r>
-            <a:endParaRPr b="0" lang="en-US" sz="1800" spc="-1" strike="noStrike">
-              <a:solidFill>
-                <a:srgbClr val="000000"/>
-              </a:solidFill>
-              <a:uFill>
-                <a:solidFill>
-                  <a:srgbClr val="ffffff"/>
-                </a:solidFill>
-              </a:uFill>
-              <a:latin typeface="Arial"/>
-            </a:endParaRPr>
-          </a:p>
-          <a:p>
-            <a:pPr lvl="1" marL="743040" indent="-284760">
+              <a:t>– Are events or callbacks that are triggered on some action</a:t>
+            </a:r>
+            <a:endParaRPr b="0" lang="en-US" sz="1800" spc="-1" strike="noStrike">
+              <a:solidFill>
+                <a:srgbClr val="000000"/>
+              </a:solidFill>
+              <a:uFill>
+                <a:solidFill>
+                  <a:srgbClr val="ffffff"/>
+                </a:solidFill>
+              </a:uFill>
+              <a:latin typeface="Arial"/>
+            </a:endParaRPr>
+          </a:p>
+          <a:p>
+            <a:pPr lvl="1" marL="743040" indent="-284400">
               <a:lnSpc>
                 <a:spcPct val="100000"/>
               </a:lnSpc>
@@ -11409,6 +11956,21 @@
               <a:buChar char="•"/>
             </a:pPr>
             <a:r>
+              <a:rPr b="1" i="1" lang="en-US" sz="2400" spc="-1" strike="noStrike">
+                <a:solidFill>
+                  <a:srgbClr val="000000"/>
+                </a:solidFill>
+                <a:uFill>
+                  <a:solidFill>
+                    <a:srgbClr val="ffffff"/>
+                  </a:solidFill>
+                </a:uFill>
+                <a:latin typeface="Calibri"/>
+                <a:ea typeface="DejaVu Sans"/>
+              </a:rPr>
+              <a:t>Inflation</a:t>
+            </a:r>
+            <a:r>
               <a:rPr b="0" lang="en-US" sz="2400" spc="-1" strike="noStrike">
                 <a:solidFill>
                   <a:srgbClr val="000000"/>
@@ -11421,22 +11983,22 @@
                 <a:latin typeface="Calibri"/>
                 <a:ea typeface="DejaVu Sans"/>
               </a:rPr>
-              <a:t>Values Folder </a:t>
-            </a:r>
-            <a:endParaRPr b="0" lang="en-US" sz="1800" spc="-1" strike="noStrike">
-              <a:solidFill>
-                <a:srgbClr val="000000"/>
-              </a:solidFill>
-              <a:uFill>
-                <a:solidFill>
-                  <a:srgbClr val="ffffff"/>
-                </a:solidFill>
-              </a:uFill>
-              <a:latin typeface="Arial"/>
-            </a:endParaRPr>
-          </a:p>
-          <a:p>
-            <a:pPr lvl="2" marL="1200240" indent="-284760">
+              <a:t> - The process of showing (inflating) UI from xml file on the screen.</a:t>
+            </a:r>
+            <a:endParaRPr b="0" lang="en-US" sz="1800" spc="-1" strike="noStrike">
+              <a:solidFill>
+                <a:srgbClr val="000000"/>
+              </a:solidFill>
+              <a:uFill>
+                <a:solidFill>
+                  <a:srgbClr val="ffffff"/>
+                </a:solidFill>
+              </a:uFill>
+              <a:latin typeface="Arial"/>
+            </a:endParaRPr>
+          </a:p>
+          <a:p>
+            <a:pPr lvl="1" marL="743040" indent="-284400">
               <a:lnSpc>
                 <a:spcPct val="100000"/>
               </a:lnSpc>
@@ -11447,6 +12009,21 @@
               <a:buChar char="•"/>
             </a:pPr>
             <a:r>
+              <a:rPr b="1" i="1" lang="en-US" sz="2400" spc="-1" strike="noStrike">
+                <a:solidFill>
+                  <a:srgbClr val="000000"/>
+                </a:solidFill>
+                <a:uFill>
+                  <a:solidFill>
+                    <a:srgbClr val="ffffff"/>
+                  </a:solidFill>
+                </a:uFill>
+                <a:latin typeface="Calibri"/>
+                <a:ea typeface="DejaVu Sans"/>
+              </a:rPr>
+              <a:t>Layout</a:t>
+            </a:r>
+            <a:r>
               <a:rPr b="0" lang="en-US" sz="2400" spc="-1" strike="noStrike">
                 <a:solidFill>
                   <a:srgbClr val="000000"/>
@@ -11459,22 +12036,22 @@
                 <a:latin typeface="Calibri"/>
                 <a:ea typeface="DejaVu Sans"/>
               </a:rPr>
-              <a:t>Colors: define color variables</a:t>
-            </a:r>
-            <a:endParaRPr b="0" lang="en-US" sz="1800" spc="-1" strike="noStrike">
-              <a:solidFill>
-                <a:srgbClr val="000000"/>
-              </a:solidFill>
-              <a:uFill>
-                <a:solidFill>
-                  <a:srgbClr val="ffffff"/>
-                </a:solidFill>
-              </a:uFill>
-              <a:latin typeface="Arial"/>
-            </a:endParaRPr>
-          </a:p>
-          <a:p>
-            <a:pPr lvl="2" marL="1200240" indent="-284760">
+              <a:t> – Xml code (file) for displaying UI elements. </a:t>
+            </a:r>
+            <a:endParaRPr b="0" lang="en-US" sz="1800" spc="-1" strike="noStrike">
+              <a:solidFill>
+                <a:srgbClr val="000000"/>
+              </a:solidFill>
+              <a:uFill>
+                <a:solidFill>
+                  <a:srgbClr val="ffffff"/>
+                </a:solidFill>
+              </a:uFill>
+              <a:latin typeface="Arial"/>
+            </a:endParaRPr>
+          </a:p>
+          <a:p>
+            <a:pPr lvl="1" marL="743040" indent="-284400">
               <a:lnSpc>
                 <a:spcPct val="100000"/>
               </a:lnSpc>
@@ -11485,6 +12062,21 @@
               <a:buChar char="•"/>
             </a:pPr>
             <a:r>
+              <a:rPr b="1" i="1" lang="en-US" sz="2400" spc="-1" strike="noStrike">
+                <a:solidFill>
+                  <a:srgbClr val="000000"/>
+                </a:solidFill>
+                <a:uFill>
+                  <a:solidFill>
+                    <a:srgbClr val="ffffff"/>
+                  </a:solidFill>
+                </a:uFill>
+                <a:latin typeface="Calibri"/>
+                <a:ea typeface="DejaVu Sans"/>
+              </a:rPr>
+              <a:t>Refractoring</a:t>
+            </a:r>
+            <a:r>
               <a:rPr b="0" lang="en-US" sz="2400" spc="-1" strike="noStrike">
                 <a:solidFill>
                   <a:srgbClr val="000000"/>
@@ -11497,45 +12089,7 @@
                 <a:latin typeface="Calibri"/>
                 <a:ea typeface="DejaVu Sans"/>
               </a:rPr>
-              <a:t>Strings: define constant strings</a:t>
-            </a:r>
-            <a:endParaRPr b="0" lang="en-US" sz="1800" spc="-1" strike="noStrike">
-              <a:solidFill>
-                <a:srgbClr val="000000"/>
-              </a:solidFill>
-              <a:uFill>
-                <a:solidFill>
-                  <a:srgbClr val="ffffff"/>
-                </a:solidFill>
-              </a:uFill>
-              <a:latin typeface="Arial"/>
-            </a:endParaRPr>
-          </a:p>
-          <a:p>
-            <a:pPr lvl="2" marL="1200240" indent="-284760">
-              <a:lnSpc>
-                <a:spcPct val="100000"/>
-              </a:lnSpc>
-              <a:buClr>
-                <a:srgbClr val="000000"/>
-              </a:buClr>
-              <a:buFont typeface="Arial"/>
-              <a:buChar char="•"/>
-            </a:pPr>
-            <a:r>
-              <a:rPr b="0" lang="en-US" sz="2400" spc="-1" strike="noStrike">
-                <a:solidFill>
-                  <a:srgbClr val="000000"/>
-                </a:solidFill>
-                <a:uFill>
-                  <a:solidFill>
-                    <a:srgbClr val="ffffff"/>
-                  </a:solidFill>
-                </a:uFill>
-                <a:latin typeface="Calibri"/>
-                <a:ea typeface="DejaVu Sans"/>
-              </a:rPr>
-              <a:t>Styles: Define app styles</a:t>
+              <a:t> – The process of renaming the variable or file or any resource.</a:t>
             </a:r>
             <a:endParaRPr b="0" lang="en-US" sz="1800" spc="-1" strike="noStrike">
               <a:solidFill>
@@ -11638,14 +12192,14 @@
       </p:grpSpPr>
       <p:sp>
         <p:nvSpPr>
-          <p:cNvPr id="92" name="CustomShape 1"/>
+          <p:cNvPr id="94" name="CustomShape 1"/>
           <p:cNvSpPr/>
           <p:nvPr/>
         </p:nvSpPr>
         <p:spPr>
           <a:xfrm>
             <a:off x="562320" y="266760"/>
-            <a:ext cx="10514520" cy="1324440"/>
+            <a:ext cx="10514160" cy="1324080"/>
           </a:xfrm>
           <a:prstGeom prst="rect">
             <a:avLst/>
@@ -11682,32 +12236,32 @@
                 <a:latin typeface="Calibri Light"/>
                 <a:ea typeface="DejaVu Sans"/>
               </a:rPr>
-              <a:t>Terminologies</a:t>
-            </a:r>
-            <a:endParaRPr b="0" lang="en-US" sz="1800" spc="-1" strike="noStrike">
-              <a:solidFill>
-                <a:srgbClr val="000000"/>
-              </a:solidFill>
-              <a:uFill>
-                <a:solidFill>
-                  <a:srgbClr val="ffffff"/>
-                </a:solidFill>
-              </a:uFill>
-              <a:latin typeface="Arial"/>
-            </a:endParaRPr>
-          </a:p>
-        </p:txBody>
-      </p:sp>
-      <p:sp>
-        <p:nvSpPr>
-          <p:cNvPr id="93" name="CustomShape 2"/>
+              <a:t>App Overview</a:t>
+            </a:r>
+            <a:endParaRPr b="0" lang="en-US" sz="1800" spc="-1" strike="noStrike">
+              <a:solidFill>
+                <a:srgbClr val="000000"/>
+              </a:solidFill>
+              <a:uFill>
+                <a:solidFill>
+                  <a:srgbClr val="ffffff"/>
+                </a:solidFill>
+              </a:uFill>
+              <a:latin typeface="Arial"/>
+            </a:endParaRPr>
+          </a:p>
+        </p:txBody>
+      </p:sp>
+      <p:sp>
+        <p:nvSpPr>
+          <p:cNvPr id="95" name="CustomShape 2"/>
           <p:cNvSpPr/>
           <p:nvPr/>
         </p:nvSpPr>
         <p:spPr>
           <a:xfrm>
             <a:off x="495360" y="1589040"/>
-            <a:ext cx="10733760" cy="5118120"/>
+            <a:ext cx="10733400" cy="3015360"/>
           </a:xfrm>
           <a:prstGeom prst="rect">
             <a:avLst/>
@@ -11726,7 +12280,7 @@
         <p:txBody>
           <a:bodyPr lIns="90000" rIns="90000" tIns="45000" bIns="45000"/>
           <a:p>
-            <a:pPr lvl="1" marL="743040" indent="-284760">
+            <a:pPr marL="285840" indent="-284400">
               <a:lnSpc>
                 <a:spcPct val="100000"/>
               </a:lnSpc>
@@ -11749,22 +12303,37 @@
                 <a:latin typeface="Calibri"/>
                 <a:ea typeface="DejaVu Sans"/>
               </a:rPr>
-              <a:t>Activity – One page of app that can be used to display controls like text, buttons etc.</a:t>
-            </a:r>
-            <a:endParaRPr b="0" lang="en-US" sz="1800" spc="-1" strike="noStrike">
-              <a:solidFill>
-                <a:srgbClr val="000000"/>
-              </a:solidFill>
-              <a:uFill>
-                <a:solidFill>
-                  <a:srgbClr val="ffffff"/>
-                </a:solidFill>
-              </a:uFill>
-              <a:latin typeface="Arial"/>
-            </a:endParaRPr>
-          </a:p>
-          <a:p>
-            <a:pPr lvl="1" marL="743040" indent="-284760">
+              <a:t>App starts finds </a:t>
+            </a:r>
+            <a:r>
+              <a:rPr b="1" i="1" lang="en-US" sz="2400" spc="-1" strike="noStrike">
+                <a:solidFill>
+                  <a:srgbClr val="000000"/>
+                </a:solidFill>
+                <a:uFill>
+                  <a:solidFill>
+                    <a:srgbClr val="ffffff"/>
+                  </a:solidFill>
+                </a:uFill>
+                <a:latin typeface="Calibri"/>
+                <a:ea typeface="DejaVu Sans"/>
+              </a:rPr>
+              <a:t>Launcher Activity</a:t>
+            </a:r>
+            <a:endParaRPr b="0" lang="en-US" sz="1800" spc="-1" strike="noStrike">
+              <a:solidFill>
+                <a:srgbClr val="000000"/>
+              </a:solidFill>
+              <a:uFill>
+                <a:solidFill>
+                  <a:srgbClr val="ffffff"/>
+                </a:solidFill>
+              </a:uFill>
+              <a:latin typeface="Arial"/>
+            </a:endParaRPr>
+          </a:p>
+          <a:p>
+            <a:pPr marL="343080" indent="-341640">
               <a:lnSpc>
                 <a:spcPct val="100000"/>
               </a:lnSpc>
@@ -11787,22 +12356,22 @@
                 <a:latin typeface="Calibri"/>
                 <a:ea typeface="DejaVu Sans"/>
               </a:rPr>
-              <a:t>Resource – Images, Audio, UIs</a:t>
-            </a:r>
-            <a:endParaRPr b="0" lang="en-US" sz="1800" spc="-1" strike="noStrike">
-              <a:solidFill>
-                <a:srgbClr val="000000"/>
-              </a:solidFill>
-              <a:uFill>
-                <a:solidFill>
-                  <a:srgbClr val="ffffff"/>
-                </a:solidFill>
-              </a:uFill>
-              <a:latin typeface="Arial"/>
-            </a:endParaRPr>
-          </a:p>
-          <a:p>
-            <a:pPr lvl="1" marL="800280" indent="-342000">
+              <a:t>OnCreate method is called, this method loads (inflates) layout file to be shown on the screen.</a:t>
+            </a:r>
+            <a:endParaRPr b="0" lang="en-US" sz="1800" spc="-1" strike="noStrike">
+              <a:solidFill>
+                <a:srgbClr val="000000"/>
+              </a:solidFill>
+              <a:uFill>
+                <a:solidFill>
+                  <a:srgbClr val="ffffff"/>
+                </a:solidFill>
+              </a:uFill>
+              <a:latin typeface="Arial"/>
+            </a:endParaRPr>
+          </a:p>
+          <a:p>
+            <a:pPr marL="343080" indent="-341640">
               <a:lnSpc>
                 <a:spcPct val="100000"/>
               </a:lnSpc>
@@ -11825,22 +12394,22 @@
                 <a:latin typeface="Calibri"/>
                 <a:ea typeface="DejaVu Sans"/>
               </a:rPr>
-              <a:t>Module – Collection of classes and resources</a:t>
-            </a:r>
-            <a:endParaRPr b="0" lang="en-US" sz="1800" spc="-1" strike="noStrike">
-              <a:solidFill>
-                <a:srgbClr val="000000"/>
-              </a:solidFill>
-              <a:uFill>
-                <a:solidFill>
-                  <a:srgbClr val="ffffff"/>
-                </a:solidFill>
-              </a:uFill>
-              <a:latin typeface="Arial"/>
-            </a:endParaRPr>
-          </a:p>
-          <a:p>
-            <a:pPr lvl="1" marL="743040" indent="-284760">
+              <a:t>Activity is running.</a:t>
+            </a:r>
+            <a:endParaRPr b="0" lang="en-US" sz="1800" spc="-1" strike="noStrike">
+              <a:solidFill>
+                <a:srgbClr val="000000"/>
+              </a:solidFill>
+              <a:uFill>
+                <a:solidFill>
+                  <a:srgbClr val="ffffff"/>
+                </a:solidFill>
+              </a:uFill>
+              <a:latin typeface="Arial"/>
+            </a:endParaRPr>
+          </a:p>
+          <a:p>
+            <a:pPr marL="343080" indent="-341640">
               <a:lnSpc>
                 <a:spcPct val="100000"/>
               </a:lnSpc>
@@ -11863,22 +12432,22 @@
                 <a:latin typeface="Calibri"/>
                 <a:ea typeface="DejaVu Sans"/>
               </a:rPr>
-              <a:t>Widgets – View, Controls in Android are called widgets like ImagView, Button, TextView etc</a:t>
-            </a:r>
-            <a:endParaRPr b="0" lang="en-US" sz="1800" spc="-1" strike="noStrike">
-              <a:solidFill>
-                <a:srgbClr val="000000"/>
-              </a:solidFill>
-              <a:uFill>
-                <a:solidFill>
-                  <a:srgbClr val="ffffff"/>
-                </a:solidFill>
-              </a:uFill>
-              <a:latin typeface="Arial"/>
-            </a:endParaRPr>
-          </a:p>
-          <a:p>
-            <a:pPr lvl="1" marL="743040" indent="-284760">
+              <a:t>Adding behaviors.</a:t>
+            </a:r>
+            <a:endParaRPr b="0" lang="en-US" sz="1800" spc="-1" strike="noStrike">
+              <a:solidFill>
+                <a:srgbClr val="000000"/>
+              </a:solidFill>
+              <a:uFill>
+                <a:solidFill>
+                  <a:srgbClr val="ffffff"/>
+                </a:solidFill>
+              </a:uFill>
+              <a:latin typeface="Arial"/>
+            </a:endParaRPr>
+          </a:p>
+          <a:p>
+            <a:pPr marL="343080" indent="-341640">
               <a:lnSpc>
                 <a:spcPct val="100000"/>
               </a:lnSpc>
@@ -11901,189 +12470,7 @@
                 <a:latin typeface="Calibri"/>
                 <a:ea typeface="DejaVu Sans"/>
               </a:rPr>
-              <a:t>ViewGroups – </a:t>
-            </a:r>
-            <a:r>
-              <a:rPr b="1" lang="en-US" sz="2400" spc="-1" strike="noStrike">
-                <a:solidFill>
-                  <a:srgbClr val="000000"/>
-                </a:solidFill>
-                <a:uFill>
-                  <a:solidFill>
-                    <a:srgbClr val="ffffff"/>
-                  </a:solidFill>
-                </a:uFill>
-                <a:latin typeface="Calibri"/>
-                <a:ea typeface="DejaVu Sans"/>
-              </a:rPr>
-              <a:t> </a:t>
-            </a:r>
-            <a:r>
-              <a:rPr b="0" lang="en-US" sz="2400" spc="-1" strike="noStrike">
-                <a:solidFill>
-                  <a:srgbClr val="000000"/>
-                </a:solidFill>
-                <a:uFill>
-                  <a:solidFill>
-                    <a:srgbClr val="ffffff"/>
-                  </a:solidFill>
-                </a:uFill>
-                <a:latin typeface="Calibri"/>
-                <a:ea typeface="DejaVu Sans"/>
-              </a:rPr>
-              <a:t>are containers where widgets are placed. Each layout provides its own rules to place views (widgets or other viewgroups) inside.</a:t>
-            </a:r>
-            <a:endParaRPr b="0" lang="en-US" sz="1800" spc="-1" strike="noStrike">
-              <a:solidFill>
-                <a:srgbClr val="000000"/>
-              </a:solidFill>
-              <a:uFill>
-                <a:solidFill>
-                  <a:srgbClr val="ffffff"/>
-                </a:solidFill>
-              </a:uFill>
-              <a:latin typeface="Arial"/>
-            </a:endParaRPr>
-          </a:p>
-          <a:p>
-            <a:pPr lvl="1" marL="743040" indent="-284760">
-              <a:lnSpc>
-                <a:spcPct val="100000"/>
-              </a:lnSpc>
-              <a:buClr>
-                <a:srgbClr val="000000"/>
-              </a:buClr>
-              <a:buFont typeface="Arial"/>
-              <a:buChar char="•"/>
-            </a:pPr>
-            <a:r>
-              <a:rPr b="0" lang="en-US" sz="2400" spc="-1" strike="noStrike">
-                <a:solidFill>
-                  <a:srgbClr val="000000"/>
-                </a:solidFill>
-                <a:uFill>
-                  <a:solidFill>
-                    <a:srgbClr val="ffffff"/>
-                  </a:solidFill>
-                </a:uFill>
-                <a:latin typeface="Calibri"/>
-                <a:ea typeface="DejaVu Sans"/>
-              </a:rPr>
-              <a:t>Listener – Are events or callbacks that are triggered on some action</a:t>
-            </a:r>
-            <a:endParaRPr b="0" lang="en-US" sz="1800" spc="-1" strike="noStrike">
-              <a:solidFill>
-                <a:srgbClr val="000000"/>
-              </a:solidFill>
-              <a:uFill>
-                <a:solidFill>
-                  <a:srgbClr val="ffffff"/>
-                </a:solidFill>
-              </a:uFill>
-              <a:latin typeface="Arial"/>
-            </a:endParaRPr>
-          </a:p>
-          <a:p>
-            <a:pPr lvl="1" marL="743040" indent="-284760">
-              <a:lnSpc>
-                <a:spcPct val="100000"/>
-              </a:lnSpc>
-              <a:buClr>
-                <a:srgbClr val="000000"/>
-              </a:buClr>
-              <a:buFont typeface="Arial"/>
-              <a:buChar char="•"/>
-            </a:pPr>
-            <a:r>
-              <a:rPr b="0" lang="en-US" sz="2400" spc="-1" strike="noStrike">
-                <a:solidFill>
-                  <a:srgbClr val="000000"/>
-                </a:solidFill>
-                <a:uFill>
-                  <a:solidFill>
-                    <a:srgbClr val="ffffff"/>
-                  </a:solidFill>
-                </a:uFill>
-                <a:latin typeface="Calibri"/>
-                <a:ea typeface="DejaVu Sans"/>
-              </a:rPr>
-              <a:t>Inflation - The process of showing (inflating) UI from xml file on the screen.</a:t>
-            </a:r>
-            <a:endParaRPr b="0" lang="en-US" sz="1800" spc="-1" strike="noStrike">
-              <a:solidFill>
-                <a:srgbClr val="000000"/>
-              </a:solidFill>
-              <a:uFill>
-                <a:solidFill>
-                  <a:srgbClr val="ffffff"/>
-                </a:solidFill>
-              </a:uFill>
-              <a:latin typeface="Arial"/>
-            </a:endParaRPr>
-          </a:p>
-          <a:p>
-            <a:pPr lvl="1" marL="743040" indent="-284760">
-              <a:lnSpc>
-                <a:spcPct val="100000"/>
-              </a:lnSpc>
-              <a:buClr>
-                <a:srgbClr val="000000"/>
-              </a:buClr>
-              <a:buFont typeface="Arial"/>
-              <a:buChar char="•"/>
-            </a:pPr>
-            <a:r>
-              <a:rPr b="0" lang="en-US" sz="2400" spc="-1" strike="noStrike">
-                <a:solidFill>
-                  <a:srgbClr val="000000"/>
-                </a:solidFill>
-                <a:uFill>
-                  <a:solidFill>
-                    <a:srgbClr val="ffffff"/>
-                  </a:solidFill>
-                </a:uFill>
-                <a:latin typeface="Calibri"/>
-                <a:ea typeface="DejaVu Sans"/>
-              </a:rPr>
-              <a:t>Layout – Xml code (file) for displaying UI elements. </a:t>
-            </a:r>
-            <a:endParaRPr b="0" lang="en-US" sz="1800" spc="-1" strike="noStrike">
-              <a:solidFill>
-                <a:srgbClr val="000000"/>
-              </a:solidFill>
-              <a:uFill>
-                <a:solidFill>
-                  <a:srgbClr val="ffffff"/>
-                </a:solidFill>
-              </a:uFill>
-              <a:latin typeface="Arial"/>
-            </a:endParaRPr>
-          </a:p>
-          <a:p>
-            <a:pPr lvl="1" marL="743040" indent="-284760">
-              <a:lnSpc>
-                <a:spcPct val="100000"/>
-              </a:lnSpc>
-              <a:buClr>
-                <a:srgbClr val="000000"/>
-              </a:buClr>
-              <a:buFont typeface="Arial"/>
-              <a:buChar char="•"/>
-            </a:pPr>
-            <a:r>
-              <a:rPr b="0" lang="en-US" sz="2400" spc="-1" strike="noStrike">
-                <a:solidFill>
-                  <a:srgbClr val="000000"/>
-                </a:solidFill>
-                <a:uFill>
-                  <a:solidFill>
-                    <a:srgbClr val="ffffff"/>
-                  </a:solidFill>
-                </a:uFill>
-                <a:latin typeface="Calibri"/>
-                <a:ea typeface="DejaVu Sans"/>
-              </a:rPr>
-              <a:t>Refractoring – The process of renaming the variable or file or any resource.</a:t>
+              <a:t>Activity lifecycle.</a:t>
             </a:r>
             <a:endParaRPr b="0" lang="en-US" sz="1800" spc="-1" strike="noStrike">
               <a:solidFill>
